--- a/Presentation/ML presentation.pptx
+++ b/Presentation/ML presentation.pptx
@@ -21,6 +21,9 @@
     <p:sldId id="266" r:id="rId17"/>
     <p:sldId id="267" r:id="rId18"/>
     <p:sldId id="268" r:id="rId19"/>
+    <p:sldId id="269" r:id="rId20"/>
+    <p:sldId id="270" r:id="rId21"/>
+    <p:sldId id="271" r:id="rId22"/>
   </p:sldIdLst>
   <p:sldSz cy="5143500" cx="9144000"/>
   <p:notesSz cx="6858000" cy="9144000"/>
@@ -800,7 +803,7 @@
   <p:cSld>
     <p:spTree>
       <p:nvGrpSpPr>
-        <p:cNvPr id="119" name="Shape 119"/>
+        <p:cNvPr id="112" name="Shape 112"/>
         <p:cNvGrpSpPr/>
         <p:nvPr/>
       </p:nvGrpSpPr>
@@ -814,7 +817,7 @@
       </p:grpSpPr>
       <p:sp>
         <p:nvSpPr>
-          <p:cNvPr id="120" name="Google Shape;120;g5481918ad6_0_27:notes"/>
+          <p:cNvPr id="113" name="Google Shape;113;g5481918ad6_0_2:notes"/>
           <p:cNvSpPr/>
           <p:nvPr>
             <p:ph idx="2" type="sldImg"/>
@@ -849,7 +852,7 @@
       </p:sp>
       <p:sp>
         <p:nvSpPr>
-          <p:cNvPr id="121" name="Google Shape;121;g5481918ad6_0_27:notes"/>
+          <p:cNvPr id="114" name="Google Shape;114;g5481918ad6_0_2:notes"/>
           <p:cNvSpPr txBox="1"/>
           <p:nvPr>
             <p:ph idx="1" type="body"/>
@@ -899,7 +902,7 @@
   <p:cSld>
     <p:spTree>
       <p:nvGrpSpPr>
-        <p:cNvPr id="124" name="Shape 124"/>
+        <p:cNvPr id="120" name="Shape 120"/>
         <p:cNvGrpSpPr/>
         <p:nvPr/>
       </p:nvGrpSpPr>
@@ -913,7 +916,7 @@
       </p:grpSpPr>
       <p:sp>
         <p:nvSpPr>
-          <p:cNvPr id="125" name="Google Shape;125;g522535f220_0_5:notes"/>
+          <p:cNvPr id="121" name="Google Shape;121;g5481918ad6_0_7:notes"/>
           <p:cNvSpPr/>
           <p:nvPr>
             <p:ph idx="2" type="sldImg"/>
@@ -948,7 +951,7 @@
       </p:sp>
       <p:sp>
         <p:nvSpPr>
-          <p:cNvPr id="126" name="Google Shape;126;g522535f220_0_5:notes"/>
+          <p:cNvPr id="122" name="Google Shape;122;g5481918ad6_0_7:notes"/>
           <p:cNvSpPr txBox="1"/>
           <p:nvPr>
             <p:ph idx="1" type="body"/>
@@ -998,7 +1001,7 @@
   <p:cSld>
     <p:spTree>
       <p:nvGrpSpPr>
-        <p:cNvPr id="131" name="Shape 131"/>
+        <p:cNvPr id="128" name="Shape 128"/>
         <p:cNvGrpSpPr/>
         <p:nvPr/>
       </p:nvGrpSpPr>
@@ -1012,7 +1015,7 @@
       </p:grpSpPr>
       <p:sp>
         <p:nvSpPr>
-          <p:cNvPr id="132" name="Google Shape;132;g5481918ad6_0_33:notes"/>
+          <p:cNvPr id="129" name="Google Shape;129;g522535f220_0_0:notes"/>
           <p:cNvSpPr/>
           <p:nvPr>
             <p:ph idx="2" type="sldImg"/>
@@ -1047,7 +1050,7 @@
       </p:sp>
       <p:sp>
         <p:nvSpPr>
-          <p:cNvPr id="133" name="Google Shape;133;g5481918ad6_0_33:notes"/>
+          <p:cNvPr id="130" name="Google Shape;130;g522535f220_0_0:notes"/>
           <p:cNvSpPr txBox="1"/>
           <p:nvPr>
             <p:ph idx="1" type="body"/>
@@ -1097,7 +1100,7 @@
   <p:cSld>
     <p:spTree>
       <p:nvGrpSpPr>
-        <p:cNvPr id="137" name="Shape 137"/>
+        <p:cNvPr id="135" name="Shape 135"/>
         <p:cNvGrpSpPr/>
         <p:nvPr/>
       </p:nvGrpSpPr>
@@ -1111,7 +1114,7 @@
       </p:grpSpPr>
       <p:sp>
         <p:nvSpPr>
-          <p:cNvPr id="138" name="Google Shape;138;g522535f220_0_47:notes"/>
+          <p:cNvPr id="136" name="Google Shape;136;g5481918ad6_0_27:notes"/>
           <p:cNvSpPr/>
           <p:nvPr>
             <p:ph idx="2" type="sldImg"/>
@@ -1146,7 +1149,304 @@
       </p:sp>
       <p:sp>
         <p:nvSpPr>
-          <p:cNvPr id="139" name="Google Shape;139;g522535f220_0_47:notes"/>
+          <p:cNvPr id="137" name="Google Shape;137;g5481918ad6_0_27:notes"/>
+          <p:cNvSpPr txBox="1"/>
+          <p:nvPr>
+            <p:ph idx="1" type="body"/>
+          </p:nvPr>
+        </p:nvSpPr>
+        <p:spPr>
+          <a:xfrm>
+            <a:off x="685800" y="4343400"/>
+            <a:ext cx="5486400" cy="4114800"/>
+          </a:xfrm>
+          <a:prstGeom prst="rect">
+            <a:avLst/>
+          </a:prstGeom>
+        </p:spPr>
+        <p:txBody>
+          <a:bodyPr anchorCtr="0" anchor="t" bIns="91425" lIns="91425" spcFirstLastPara="1" rIns="91425" wrap="square" tIns="91425">
+            <a:noAutofit/>
+          </a:bodyPr>
+          <a:lstStyle/>
+          <a:p>
+            <a:pPr indent="0" lvl="0" marL="0" rtl="0" algn="l">
+              <a:spcBef>
+                <a:spcPts val="0"/>
+              </a:spcBef>
+              <a:spcAft>
+                <a:spcPts val="0"/>
+              </a:spcAft>
+              <a:buNone/>
+            </a:pPr>
+            <a:r>
+              <a:t/>
+            </a:r>
+            <a:endParaRPr/>
+          </a:p>
+        </p:txBody>
+      </p:sp>
+    </p:spTree>
+  </p:cSld>
+  <p:clrMapOvr>
+    <a:masterClrMapping/>
+  </p:clrMapOvr>
+</p:notes>
+</file>
+
+<file path=ppt/notesSlides/notesSlide14.xml><?xml version="1.0" encoding="utf-8"?>
+<p:notes xmlns:a="http://schemas.openxmlformats.org/drawingml/2006/main" xmlns:r="http://schemas.openxmlformats.org/officeDocument/2006/relationships" xmlns:mc="http://schemas.openxmlformats.org/markup-compatibility/2006" xmlns:mv="urn:schemas-microsoft-com:mac:vml" xmlns:p="http://schemas.openxmlformats.org/presentationml/2006/main" xmlns:c="http://schemas.openxmlformats.org/drawingml/2006/chart" xmlns:dgm="http://schemas.openxmlformats.org/drawingml/2006/diagram" xmlns:o="urn:schemas-microsoft-com:office:office" xmlns:v="urn:schemas-microsoft-com:vml" xmlns:pvml="urn:schemas-microsoft-com:office:powerpoint" xmlns:com="http://schemas.openxmlformats.org/drawingml/2006/compatibility" xmlns:p14="http://schemas.microsoft.com/office/powerpoint/2010/main" xmlns:p15="http://schemas.microsoft.com/office/powerpoint/2012/main" showMasterPhAnim="0" showMasterSp="0">
+  <p:cSld>
+    <p:spTree>
+      <p:nvGrpSpPr>
+        <p:cNvPr id="140" name="Shape 140"/>
+        <p:cNvGrpSpPr/>
+        <p:nvPr/>
+      </p:nvGrpSpPr>
+      <p:grpSpPr>
+        <a:xfrm>
+          <a:off x="0" y="0"/>
+          <a:ext cx="0" cy="0"/>
+          <a:chOff x="0" y="0"/>
+          <a:chExt cx="0" cy="0"/>
+        </a:xfrm>
+      </p:grpSpPr>
+      <p:sp>
+        <p:nvSpPr>
+          <p:cNvPr id="141" name="Google Shape;141;g522535f220_0_5:notes"/>
+          <p:cNvSpPr/>
+          <p:nvPr>
+            <p:ph idx="2" type="sldImg"/>
+          </p:nvPr>
+        </p:nvSpPr>
+        <p:spPr>
+          <a:xfrm>
+            <a:off x="381300" y="685800"/>
+            <a:ext cx="6096000" cy="3429000"/>
+          </a:xfrm>
+          <a:custGeom>
+            <a:rect b="b" l="l" r="r" t="t"/>
+            <a:pathLst>
+              <a:path extrusionOk="0" h="120000" w="120000">
+                <a:moveTo>
+                  <a:pt x="0" y="0"/>
+                </a:moveTo>
+                <a:lnTo>
+                  <a:pt x="120000" y="0"/>
+                </a:lnTo>
+                <a:lnTo>
+                  <a:pt x="120000" y="120000"/>
+                </a:lnTo>
+                <a:lnTo>
+                  <a:pt x="0" y="120000"/>
+                </a:lnTo>
+                <a:close/>
+              </a:path>
+            </a:pathLst>
+          </a:custGeom>
+        </p:spPr>
+      </p:sp>
+      <p:sp>
+        <p:nvSpPr>
+          <p:cNvPr id="142" name="Google Shape;142;g522535f220_0_5:notes"/>
+          <p:cNvSpPr txBox="1"/>
+          <p:nvPr>
+            <p:ph idx="1" type="body"/>
+          </p:nvPr>
+        </p:nvSpPr>
+        <p:spPr>
+          <a:xfrm>
+            <a:off x="685800" y="4343400"/>
+            <a:ext cx="5486400" cy="4114800"/>
+          </a:xfrm>
+          <a:prstGeom prst="rect">
+            <a:avLst/>
+          </a:prstGeom>
+        </p:spPr>
+        <p:txBody>
+          <a:bodyPr anchorCtr="0" anchor="t" bIns="91425" lIns="91425" spcFirstLastPara="1" rIns="91425" wrap="square" tIns="91425">
+            <a:noAutofit/>
+          </a:bodyPr>
+          <a:lstStyle/>
+          <a:p>
+            <a:pPr indent="0" lvl="0" marL="0" rtl="0" algn="l">
+              <a:spcBef>
+                <a:spcPts val="0"/>
+              </a:spcBef>
+              <a:spcAft>
+                <a:spcPts val="0"/>
+              </a:spcAft>
+              <a:buNone/>
+            </a:pPr>
+            <a:r>
+              <a:t/>
+            </a:r>
+            <a:endParaRPr/>
+          </a:p>
+        </p:txBody>
+      </p:sp>
+    </p:spTree>
+  </p:cSld>
+  <p:clrMapOvr>
+    <a:masterClrMapping/>
+  </p:clrMapOvr>
+</p:notes>
+</file>
+
+<file path=ppt/notesSlides/notesSlide15.xml><?xml version="1.0" encoding="utf-8"?>
+<p:notes xmlns:a="http://schemas.openxmlformats.org/drawingml/2006/main" xmlns:r="http://schemas.openxmlformats.org/officeDocument/2006/relationships" xmlns:mc="http://schemas.openxmlformats.org/markup-compatibility/2006" xmlns:mv="urn:schemas-microsoft-com:mac:vml" xmlns:p="http://schemas.openxmlformats.org/presentationml/2006/main" xmlns:c="http://schemas.openxmlformats.org/drawingml/2006/chart" xmlns:dgm="http://schemas.openxmlformats.org/drawingml/2006/diagram" xmlns:o="urn:schemas-microsoft-com:office:office" xmlns:v="urn:schemas-microsoft-com:vml" xmlns:pvml="urn:schemas-microsoft-com:office:powerpoint" xmlns:com="http://schemas.openxmlformats.org/drawingml/2006/compatibility" xmlns:p14="http://schemas.microsoft.com/office/powerpoint/2010/main" xmlns:p15="http://schemas.microsoft.com/office/powerpoint/2012/main" showMasterPhAnim="0" showMasterSp="0">
+  <p:cSld>
+    <p:spTree>
+      <p:nvGrpSpPr>
+        <p:cNvPr id="147" name="Shape 147"/>
+        <p:cNvGrpSpPr/>
+        <p:nvPr/>
+      </p:nvGrpSpPr>
+      <p:grpSpPr>
+        <a:xfrm>
+          <a:off x="0" y="0"/>
+          <a:ext cx="0" cy="0"/>
+          <a:chOff x="0" y="0"/>
+          <a:chExt cx="0" cy="0"/>
+        </a:xfrm>
+      </p:grpSpPr>
+      <p:sp>
+        <p:nvSpPr>
+          <p:cNvPr id="148" name="Google Shape;148;g5481918ad6_0_33:notes"/>
+          <p:cNvSpPr/>
+          <p:nvPr>
+            <p:ph idx="2" type="sldImg"/>
+          </p:nvPr>
+        </p:nvSpPr>
+        <p:spPr>
+          <a:xfrm>
+            <a:off x="381300" y="685800"/>
+            <a:ext cx="6096000" cy="3429000"/>
+          </a:xfrm>
+          <a:custGeom>
+            <a:rect b="b" l="l" r="r" t="t"/>
+            <a:pathLst>
+              <a:path extrusionOk="0" h="120000" w="120000">
+                <a:moveTo>
+                  <a:pt x="0" y="0"/>
+                </a:moveTo>
+                <a:lnTo>
+                  <a:pt x="120000" y="0"/>
+                </a:lnTo>
+                <a:lnTo>
+                  <a:pt x="120000" y="120000"/>
+                </a:lnTo>
+                <a:lnTo>
+                  <a:pt x="0" y="120000"/>
+                </a:lnTo>
+                <a:close/>
+              </a:path>
+            </a:pathLst>
+          </a:custGeom>
+        </p:spPr>
+      </p:sp>
+      <p:sp>
+        <p:nvSpPr>
+          <p:cNvPr id="149" name="Google Shape;149;g5481918ad6_0_33:notes"/>
+          <p:cNvSpPr txBox="1"/>
+          <p:nvPr>
+            <p:ph idx="1" type="body"/>
+          </p:nvPr>
+        </p:nvSpPr>
+        <p:spPr>
+          <a:xfrm>
+            <a:off x="685800" y="4343400"/>
+            <a:ext cx="5486400" cy="4114800"/>
+          </a:xfrm>
+          <a:prstGeom prst="rect">
+            <a:avLst/>
+          </a:prstGeom>
+        </p:spPr>
+        <p:txBody>
+          <a:bodyPr anchorCtr="0" anchor="t" bIns="91425" lIns="91425" spcFirstLastPara="1" rIns="91425" wrap="square" tIns="91425">
+            <a:noAutofit/>
+          </a:bodyPr>
+          <a:lstStyle/>
+          <a:p>
+            <a:pPr indent="0" lvl="0" marL="0" rtl="0" algn="l">
+              <a:spcBef>
+                <a:spcPts val="0"/>
+              </a:spcBef>
+              <a:spcAft>
+                <a:spcPts val="0"/>
+              </a:spcAft>
+              <a:buNone/>
+            </a:pPr>
+            <a:r>
+              <a:t/>
+            </a:r>
+            <a:endParaRPr/>
+          </a:p>
+        </p:txBody>
+      </p:sp>
+    </p:spTree>
+  </p:cSld>
+  <p:clrMapOvr>
+    <a:masterClrMapping/>
+  </p:clrMapOvr>
+</p:notes>
+</file>
+
+<file path=ppt/notesSlides/notesSlide16.xml><?xml version="1.0" encoding="utf-8"?>
+<p:notes xmlns:a="http://schemas.openxmlformats.org/drawingml/2006/main" xmlns:r="http://schemas.openxmlformats.org/officeDocument/2006/relationships" xmlns:mc="http://schemas.openxmlformats.org/markup-compatibility/2006" xmlns:mv="urn:schemas-microsoft-com:mac:vml" xmlns:p="http://schemas.openxmlformats.org/presentationml/2006/main" xmlns:c="http://schemas.openxmlformats.org/drawingml/2006/chart" xmlns:dgm="http://schemas.openxmlformats.org/drawingml/2006/diagram" xmlns:o="urn:schemas-microsoft-com:office:office" xmlns:v="urn:schemas-microsoft-com:vml" xmlns:pvml="urn:schemas-microsoft-com:office:powerpoint" xmlns:com="http://schemas.openxmlformats.org/drawingml/2006/compatibility" xmlns:p14="http://schemas.microsoft.com/office/powerpoint/2010/main" xmlns:p15="http://schemas.microsoft.com/office/powerpoint/2012/main" showMasterPhAnim="0" showMasterSp="0">
+  <p:cSld>
+    <p:spTree>
+      <p:nvGrpSpPr>
+        <p:cNvPr id="153" name="Shape 153"/>
+        <p:cNvGrpSpPr/>
+        <p:nvPr/>
+      </p:nvGrpSpPr>
+      <p:grpSpPr>
+        <a:xfrm>
+          <a:off x="0" y="0"/>
+          <a:ext cx="0" cy="0"/>
+          <a:chOff x="0" y="0"/>
+          <a:chExt cx="0" cy="0"/>
+        </a:xfrm>
+      </p:grpSpPr>
+      <p:sp>
+        <p:nvSpPr>
+          <p:cNvPr id="154" name="Google Shape;154;g522535f220_0_47:notes"/>
+          <p:cNvSpPr/>
+          <p:nvPr>
+            <p:ph idx="2" type="sldImg"/>
+          </p:nvPr>
+        </p:nvSpPr>
+        <p:spPr>
+          <a:xfrm>
+            <a:off x="381300" y="685800"/>
+            <a:ext cx="6096000" cy="3429000"/>
+          </a:xfrm>
+          <a:custGeom>
+            <a:rect b="b" l="l" r="r" t="t"/>
+            <a:pathLst>
+              <a:path extrusionOk="0" h="120000" w="120000">
+                <a:moveTo>
+                  <a:pt x="0" y="0"/>
+                </a:moveTo>
+                <a:lnTo>
+                  <a:pt x="120000" y="0"/>
+                </a:lnTo>
+                <a:lnTo>
+                  <a:pt x="120000" y="120000"/>
+                </a:lnTo>
+                <a:lnTo>
+                  <a:pt x="0" y="120000"/>
+                </a:lnTo>
+                <a:close/>
+              </a:path>
+            </a:pathLst>
+          </a:custGeom>
+        </p:spPr>
+      </p:sp>
+      <p:sp>
+        <p:nvSpPr>
+          <p:cNvPr id="155" name="Google Shape;155;g522535f220_0_47:notes"/>
           <p:cNvSpPr txBox="1"/>
           <p:nvPr>
             <p:ph idx="1" type="body"/>
@@ -1394,7 +1694,7 @@
   <p:cSld>
     <p:spTree>
       <p:nvGrpSpPr>
-        <p:cNvPr id="73" name="Shape 73"/>
+        <p:cNvPr id="74" name="Shape 74"/>
         <p:cNvGrpSpPr/>
         <p:nvPr/>
       </p:nvGrpSpPr>
@@ -1408,7 +1708,7 @@
       </p:grpSpPr>
       <p:sp>
         <p:nvSpPr>
-          <p:cNvPr id="74" name="Google Shape;74;g4d1cf96a17_0_18:notes"/>
+          <p:cNvPr id="75" name="Google Shape;75;g4d1cf96a17_0_18:notes"/>
           <p:cNvSpPr/>
           <p:nvPr>
             <p:ph idx="2" type="sldImg"/>
@@ -1443,7 +1743,7 @@
       </p:sp>
       <p:sp>
         <p:nvSpPr>
-          <p:cNvPr id="75" name="Google Shape;75;g4d1cf96a17_0_18:notes"/>
+          <p:cNvPr id="76" name="Google Shape;76;g4d1cf96a17_0_18:notes"/>
           <p:cNvSpPr txBox="1"/>
           <p:nvPr>
             <p:ph idx="1" type="body"/>
@@ -1493,7 +1793,7 @@
   <p:cSld>
     <p:spTree>
       <p:nvGrpSpPr>
-        <p:cNvPr id="79" name="Shape 79"/>
+        <p:cNvPr id="80" name="Shape 80"/>
         <p:cNvGrpSpPr/>
         <p:nvPr/>
       </p:nvGrpSpPr>
@@ -1507,7 +1807,7 @@
       </p:grpSpPr>
       <p:sp>
         <p:nvSpPr>
-          <p:cNvPr id="80" name="Google Shape;80;g522535f220_0_10:notes"/>
+          <p:cNvPr id="81" name="Google Shape;81;g5481918ad6_2_8:notes"/>
           <p:cNvSpPr/>
           <p:nvPr>
             <p:ph idx="2" type="sldImg"/>
@@ -1542,7 +1842,7 @@
       </p:sp>
       <p:sp>
         <p:nvSpPr>
-          <p:cNvPr id="81" name="Google Shape;81;g522535f220_0_10:notes"/>
+          <p:cNvPr id="82" name="Google Shape;82;g5481918ad6_2_8:notes"/>
           <p:cNvSpPr txBox="1"/>
           <p:nvPr>
             <p:ph idx="1" type="body"/>
@@ -1592,7 +1892,7 @@
   <p:cSld>
     <p:spTree>
       <p:nvGrpSpPr>
-        <p:cNvPr id="86" name="Shape 86"/>
+        <p:cNvPr id="85" name="Shape 85"/>
         <p:cNvGrpSpPr/>
         <p:nvPr/>
       </p:nvGrpSpPr>
@@ -1606,7 +1906,7 @@
       </p:grpSpPr>
       <p:sp>
         <p:nvSpPr>
-          <p:cNvPr id="87" name="Google Shape;87;g522535f220_0_23:notes"/>
+          <p:cNvPr id="86" name="Google Shape;86;g5481918ad6_2_14:notes"/>
           <p:cNvSpPr/>
           <p:nvPr>
             <p:ph idx="2" type="sldImg"/>
@@ -1641,7 +1941,7 @@
       </p:sp>
       <p:sp>
         <p:nvSpPr>
-          <p:cNvPr id="88" name="Google Shape;88;g522535f220_0_23:notes"/>
+          <p:cNvPr id="87" name="Google Shape;87;g5481918ad6_2_14:notes"/>
           <p:cNvSpPr txBox="1"/>
           <p:nvPr>
             <p:ph idx="1" type="body"/>
@@ -1691,7 +1991,7 @@
   <p:cSld>
     <p:spTree>
       <p:nvGrpSpPr>
-        <p:cNvPr id="96" name="Shape 96"/>
+        <p:cNvPr id="90" name="Shape 90"/>
         <p:cNvGrpSpPr/>
         <p:nvPr/>
       </p:nvGrpSpPr>
@@ -1705,7 +2005,7 @@
       </p:grpSpPr>
       <p:sp>
         <p:nvSpPr>
-          <p:cNvPr id="97" name="Google Shape;97;g5481918ad6_0_2:notes"/>
+          <p:cNvPr id="91" name="Google Shape;91;g5481918ad6_2_0:notes"/>
           <p:cNvSpPr/>
           <p:nvPr>
             <p:ph idx="2" type="sldImg"/>
@@ -1740,7 +2040,7 @@
       </p:sp>
       <p:sp>
         <p:nvSpPr>
-          <p:cNvPr id="98" name="Google Shape;98;g5481918ad6_0_2:notes"/>
+          <p:cNvPr id="92" name="Google Shape;92;g5481918ad6_2_0:notes"/>
           <p:cNvSpPr txBox="1"/>
           <p:nvPr>
             <p:ph idx="1" type="body"/>
@@ -1790,7 +2090,7 @@
   <p:cSld>
     <p:spTree>
       <p:nvGrpSpPr>
-        <p:cNvPr id="104" name="Shape 104"/>
+        <p:cNvPr id="95" name="Shape 95"/>
         <p:cNvGrpSpPr/>
         <p:nvPr/>
       </p:nvGrpSpPr>
@@ -1804,7 +2104,7 @@
       </p:grpSpPr>
       <p:sp>
         <p:nvSpPr>
-          <p:cNvPr id="105" name="Google Shape;105;g5481918ad6_0_7:notes"/>
+          <p:cNvPr id="96" name="Google Shape;96;g522535f220_0_10:notes"/>
           <p:cNvSpPr/>
           <p:nvPr>
             <p:ph idx="2" type="sldImg"/>
@@ -1839,7 +2139,7 @@
       </p:sp>
       <p:sp>
         <p:nvSpPr>
-          <p:cNvPr id="106" name="Google Shape;106;g5481918ad6_0_7:notes"/>
+          <p:cNvPr id="97" name="Google Shape;97;g522535f220_0_10:notes"/>
           <p:cNvSpPr txBox="1"/>
           <p:nvPr>
             <p:ph idx="1" type="body"/>
@@ -1889,7 +2189,7 @@
   <p:cSld>
     <p:spTree>
       <p:nvGrpSpPr>
-        <p:cNvPr id="112" name="Shape 112"/>
+        <p:cNvPr id="102" name="Shape 102"/>
         <p:cNvGrpSpPr/>
         <p:nvPr/>
       </p:nvGrpSpPr>
@@ -1903,7 +2203,7 @@
       </p:grpSpPr>
       <p:sp>
         <p:nvSpPr>
-          <p:cNvPr id="113" name="Google Shape;113;g522535f220_0_0:notes"/>
+          <p:cNvPr id="103" name="Google Shape;103;g522535f220_0_23:notes"/>
           <p:cNvSpPr/>
           <p:nvPr>
             <p:ph idx="2" type="sldImg"/>
@@ -1938,7 +2238,7 @@
       </p:sp>
       <p:sp>
         <p:nvSpPr>
-          <p:cNvPr id="114" name="Google Shape;114;g522535f220_0_0:notes"/>
+          <p:cNvPr id="104" name="Google Shape;104;g522535f220_0_23:notes"/>
           <p:cNvSpPr txBox="1"/>
           <p:nvPr>
             <p:ph idx="1" type="body"/>
@@ -6748,7 +7048,7 @@
   <p:cSld>
     <p:spTree>
       <p:nvGrpSpPr>
-        <p:cNvPr id="122" name="Shape 122"/>
+        <p:cNvPr id="115" name="Shape 115"/>
         <p:cNvGrpSpPr/>
         <p:nvPr/>
       </p:nvGrpSpPr>
@@ -6762,7 +7062,7 @@
       </p:grpSpPr>
       <p:pic>
         <p:nvPicPr>
-          <p:cNvPr id="123" name="Google Shape;123;p22"/>
+          <p:cNvPr id="116" name="Google Shape;116;p22"/>
           <p:cNvPicPr preferRelativeResize="0"/>
           <p:nvPr/>
         </p:nvPicPr>
@@ -6776,8 +7076,128 @@
         </p:blipFill>
         <p:spPr>
           <a:xfrm>
-            <a:off x="-102250" y="512172"/>
-            <a:ext cx="9144000" cy="4745803"/>
+            <a:off x="546638" y="1065536"/>
+            <a:ext cx="2905125" cy="733425"/>
+          </a:xfrm>
+          <a:prstGeom prst="rect">
+            <a:avLst/>
+          </a:prstGeom>
+          <a:noFill/>
+          <a:ln>
+            <a:noFill/>
+          </a:ln>
+        </p:spPr>
+      </p:pic>
+      <p:sp>
+        <p:nvSpPr>
+          <p:cNvPr id="117" name="Google Shape;117;p22"/>
+          <p:cNvSpPr txBox="1"/>
+          <p:nvPr/>
+        </p:nvSpPr>
+        <p:spPr>
+          <a:xfrm>
+            <a:off x="586650" y="1236074"/>
+            <a:ext cx="335100" cy="491400"/>
+          </a:xfrm>
+          <a:prstGeom prst="rect">
+            <a:avLst/>
+          </a:prstGeom>
+          <a:noFill/>
+          <a:ln>
+            <a:noFill/>
+          </a:ln>
+        </p:spPr>
+        <p:txBody>
+          <a:bodyPr anchorCtr="0" anchor="t" bIns="91425" lIns="91425" spcFirstLastPara="1" rIns="91425" wrap="square" tIns="91425">
+            <a:noAutofit/>
+          </a:bodyPr>
+          <a:lstStyle/>
+          <a:p>
+            <a:pPr indent="0" lvl="0" marL="0" rtl="0" algn="ctr">
+              <a:spcBef>
+                <a:spcPts val="0"/>
+              </a:spcBef>
+              <a:spcAft>
+                <a:spcPts val="0"/>
+              </a:spcAft>
+              <a:buNone/>
+            </a:pPr>
+            <a:r>
+              <a:rPr lang="en">
+                <a:solidFill>
+                  <a:schemeClr val="dk1"/>
+                </a:solidFill>
+              </a:rPr>
+              <a:t>2.</a:t>
+            </a:r>
+            <a:endParaRPr>
+              <a:solidFill>
+                <a:schemeClr val="dk1"/>
+              </a:solidFill>
+            </a:endParaRPr>
+          </a:p>
+        </p:txBody>
+      </p:sp>
+      <p:sp>
+        <p:nvSpPr>
+          <p:cNvPr id="118" name="Google Shape;118;p22"/>
+          <p:cNvSpPr txBox="1"/>
+          <p:nvPr/>
+        </p:nvSpPr>
+        <p:spPr>
+          <a:xfrm>
+            <a:off x="3333175" y="1328799"/>
+            <a:ext cx="3980700" cy="398700"/>
+          </a:xfrm>
+          <a:prstGeom prst="rect">
+            <a:avLst/>
+          </a:prstGeom>
+          <a:noFill/>
+          <a:ln>
+            <a:noFill/>
+          </a:ln>
+        </p:spPr>
+        <p:txBody>
+          <a:bodyPr anchorCtr="0" anchor="t" bIns="91425" lIns="91425" spcFirstLastPara="1" rIns="91425" wrap="square" tIns="91425">
+            <a:noAutofit/>
+          </a:bodyPr>
+          <a:lstStyle/>
+          <a:p>
+            <a:pPr indent="0" lvl="0" marL="0" rtl="0" algn="l">
+              <a:spcBef>
+                <a:spcPts val="0"/>
+              </a:spcBef>
+              <a:spcAft>
+                <a:spcPts val="0"/>
+              </a:spcAft>
+              <a:buNone/>
+            </a:pPr>
+            <a:r>
+              <a:rPr lang="en"/>
+              <a:t>Non-differentiable at (Ypred == Yactual)</a:t>
+            </a:r>
+            <a:endParaRPr/>
+          </a:p>
+        </p:txBody>
+      </p:sp>
+      <p:pic>
+        <p:nvPicPr>
+          <p:cNvPr id="119" name="Google Shape;119;p22"/>
+          <p:cNvPicPr preferRelativeResize="0"/>
+          <p:nvPr/>
+        </p:nvPicPr>
+        <p:blipFill>
+          <a:blip r:embed="rId4">
+            <a:alphaModFix/>
+          </a:blip>
+          <a:stretch>
+            <a:fillRect/>
+          </a:stretch>
+        </p:blipFill>
+        <p:spPr>
+          <a:xfrm>
+            <a:off x="1629925" y="1978575"/>
+            <a:ext cx="4979100" cy="2850250"/>
           </a:xfrm>
           <a:prstGeom prst="rect">
             <a:avLst/>
@@ -6801,7 +7221,7 @@
   <p:cSld>
     <p:spTree>
       <p:nvGrpSpPr>
-        <p:cNvPr id="127" name="Shape 127"/>
+        <p:cNvPr id="123" name="Shape 123"/>
         <p:cNvGrpSpPr/>
         <p:nvPr/>
       </p:nvGrpSpPr>
@@ -6813,49 +7233,9 @@
           <a:chExt cx="0" cy="0"/>
         </a:xfrm>
       </p:grpSpPr>
-      <p:sp>
-        <p:nvSpPr>
-          <p:cNvPr id="128" name="Google Shape;128;p23"/>
-          <p:cNvSpPr txBox="1"/>
-          <p:nvPr>
-            <p:ph type="title"/>
-          </p:nvPr>
-        </p:nvSpPr>
-        <p:spPr>
-          <a:xfrm>
-            <a:off x="311700" y="445025"/>
-            <a:ext cx="8520600" cy="572700"/>
-          </a:xfrm>
-          <a:prstGeom prst="rect">
-            <a:avLst/>
-          </a:prstGeom>
-        </p:spPr>
-        <p:txBody>
-          <a:bodyPr anchorCtr="0" anchor="t" bIns="91425" lIns="91425" spcFirstLastPara="1" rIns="91425" wrap="square" tIns="91425">
-            <a:noAutofit/>
-          </a:bodyPr>
-          <a:lstStyle/>
-          <a:p>
-            <a:pPr indent="0" lvl="0" marL="2743200" rtl="0" algn="l">
-              <a:spcBef>
-                <a:spcPts val="0"/>
-              </a:spcBef>
-              <a:spcAft>
-                <a:spcPts val="0"/>
-              </a:spcAft>
-              <a:buNone/>
-            </a:pPr>
-            <a:r>
-              <a:rPr lang="en"/>
-              <a:t>Updation Rule</a:t>
-            </a:r>
-            <a:endParaRPr/>
-          </a:p>
-        </p:txBody>
-      </p:sp>
       <p:pic>
         <p:nvPicPr>
-          <p:cNvPr id="129" name="Google Shape;129;p23"/>
+          <p:cNvPr id="124" name="Google Shape;124;p23"/>
           <p:cNvPicPr preferRelativeResize="0"/>
           <p:nvPr/>
         </p:nvPicPr>
@@ -6869,8 +7249,8 @@
         </p:blipFill>
         <p:spPr>
           <a:xfrm>
-            <a:off x="1405050" y="2030050"/>
-            <a:ext cx="6068700" cy="2818925"/>
+            <a:off x="1041550" y="481486"/>
+            <a:ext cx="2657475" cy="790575"/>
           </a:xfrm>
           <a:prstGeom prst="rect">
             <a:avLst/>
@@ -6881,9 +7261,93 @@
           </a:ln>
         </p:spPr>
       </p:pic>
+      <p:sp>
+        <p:nvSpPr>
+          <p:cNvPr id="125" name="Google Shape;125;p23"/>
+          <p:cNvSpPr txBox="1"/>
+          <p:nvPr/>
+        </p:nvSpPr>
+        <p:spPr>
+          <a:xfrm>
+            <a:off x="928400" y="636599"/>
+            <a:ext cx="336600" cy="572700"/>
+          </a:xfrm>
+          <a:prstGeom prst="rect">
+            <a:avLst/>
+          </a:prstGeom>
+          <a:noFill/>
+          <a:ln>
+            <a:noFill/>
+          </a:ln>
+        </p:spPr>
+        <p:txBody>
+          <a:bodyPr anchorCtr="0" anchor="t" bIns="91425" lIns="91425" spcFirstLastPara="1" rIns="91425" wrap="square" tIns="91425">
+            <a:noAutofit/>
+          </a:bodyPr>
+          <a:lstStyle/>
+          <a:p>
+            <a:pPr indent="0" lvl="0" marL="0" rtl="0" algn="l">
+              <a:spcBef>
+                <a:spcPts val="0"/>
+              </a:spcBef>
+              <a:spcAft>
+                <a:spcPts val="0"/>
+              </a:spcAft>
+              <a:buNone/>
+            </a:pPr>
+            <a:r>
+              <a:rPr lang="en"/>
+              <a:t>3.</a:t>
+            </a:r>
+            <a:endParaRPr/>
+          </a:p>
+        </p:txBody>
+      </p:sp>
+      <p:sp>
+        <p:nvSpPr>
+          <p:cNvPr id="126" name="Google Shape;126;p23"/>
+          <p:cNvSpPr txBox="1"/>
+          <p:nvPr/>
+        </p:nvSpPr>
+        <p:spPr>
+          <a:xfrm>
+            <a:off x="3675675" y="722774"/>
+            <a:ext cx="4258800" cy="448500"/>
+          </a:xfrm>
+          <a:prstGeom prst="rect">
+            <a:avLst/>
+          </a:prstGeom>
+          <a:noFill/>
+          <a:ln>
+            <a:noFill/>
+          </a:ln>
+        </p:spPr>
+        <p:txBody>
+          <a:bodyPr anchorCtr="0" anchor="t" bIns="91425" lIns="91425" spcFirstLastPara="1" rIns="91425" wrap="square" tIns="91425">
+            <a:noAutofit/>
+          </a:bodyPr>
+          <a:lstStyle/>
+          <a:p>
+            <a:pPr indent="0" lvl="0" marL="0" rtl="0" algn="l">
+              <a:spcBef>
+                <a:spcPts val="0"/>
+              </a:spcBef>
+              <a:spcAft>
+                <a:spcPts val="0"/>
+              </a:spcAft>
+              <a:buNone/>
+            </a:pPr>
+            <a:r>
+              <a:rPr lang="en"/>
+              <a:t>Perfect, and this function is Convex in Nature(Helpful)</a:t>
+            </a:r>
+            <a:endParaRPr/>
+          </a:p>
+        </p:txBody>
+      </p:sp>
       <p:pic>
         <p:nvPicPr>
-          <p:cNvPr id="130" name="Google Shape;130;p23"/>
+          <p:cNvPr id="127" name="Google Shape;127;p23"/>
           <p:cNvPicPr preferRelativeResize="0"/>
           <p:nvPr/>
         </p:nvPicPr>
@@ -6897,8 +7361,8 @@
         </p:blipFill>
         <p:spPr>
           <a:xfrm>
-            <a:off x="1467775" y="1209325"/>
-            <a:ext cx="5731550" cy="876300"/>
+            <a:off x="1592350" y="1625475"/>
+            <a:ext cx="4977550" cy="3089775"/>
           </a:xfrm>
           <a:prstGeom prst="rect">
             <a:avLst/>
@@ -6922,7 +7386,7 @@
   <p:cSld>
     <p:spTree>
       <p:nvGrpSpPr>
-        <p:cNvPr id="134" name="Shape 134"/>
+        <p:cNvPr id="131" name="Shape 131"/>
         <p:cNvGrpSpPr/>
         <p:nvPr/>
       </p:nvGrpSpPr>
@@ -6936,7 +7400,494 @@
       </p:grpSpPr>
       <p:sp>
         <p:nvSpPr>
-          <p:cNvPr id="135" name="Google Shape;135;p24"/>
+          <p:cNvPr id="132" name="Google Shape;132;p24"/>
+          <p:cNvSpPr txBox="1"/>
+          <p:nvPr>
+            <p:ph type="title"/>
+          </p:nvPr>
+        </p:nvSpPr>
+        <p:spPr>
+          <a:xfrm>
+            <a:off x="256825" y="52975"/>
+            <a:ext cx="8520600" cy="572700"/>
+          </a:xfrm>
+          <a:prstGeom prst="rect">
+            <a:avLst/>
+          </a:prstGeom>
+        </p:spPr>
+        <p:txBody>
+          <a:bodyPr anchorCtr="0" anchor="t" bIns="91425" lIns="91425" spcFirstLastPara="1" rIns="91425" wrap="square" tIns="91425">
+            <a:noAutofit/>
+          </a:bodyPr>
+          <a:lstStyle/>
+          <a:p>
+            <a:pPr indent="0" lvl="0" marL="914400" rtl="0" algn="l">
+              <a:spcBef>
+                <a:spcPts val="0"/>
+              </a:spcBef>
+              <a:spcAft>
+                <a:spcPts val="0"/>
+              </a:spcAft>
+              <a:buClr>
+                <a:schemeClr val="dk1"/>
+              </a:buClr>
+              <a:buSzPts val="1100"/>
+              <a:buFont typeface="Arial"/>
+              <a:buNone/>
+            </a:pPr>
+            <a:r>
+              <a:rPr lang="en"/>
+              <a:t>Goal -   </a:t>
+            </a:r>
+            <a:r>
+              <a:rPr lang="en" u="sng"/>
+              <a:t>Minimizing the Error Function</a:t>
+            </a:r>
+            <a:endParaRPr u="sng"/>
+          </a:p>
+          <a:p>
+            <a:pPr indent="0" lvl="0" marL="914400" rtl="0" algn="l">
+              <a:spcBef>
+                <a:spcPts val="0"/>
+              </a:spcBef>
+              <a:spcAft>
+                <a:spcPts val="0"/>
+              </a:spcAft>
+              <a:buNone/>
+            </a:pPr>
+            <a:r>
+              <a:t/>
+            </a:r>
+            <a:endParaRPr sz="2400" u="sng"/>
+          </a:p>
+        </p:txBody>
+      </p:sp>
+      <p:sp>
+        <p:nvSpPr>
+          <p:cNvPr id="133" name="Google Shape;133;p24"/>
+          <p:cNvSpPr txBox="1"/>
+          <p:nvPr>
+            <p:ph idx="1" type="body"/>
+          </p:nvPr>
+        </p:nvSpPr>
+        <p:spPr>
+          <a:xfrm>
+            <a:off x="311700" y="759675"/>
+            <a:ext cx="8520600" cy="3056400"/>
+          </a:xfrm>
+          <a:prstGeom prst="rect">
+            <a:avLst/>
+          </a:prstGeom>
+        </p:spPr>
+        <p:txBody>
+          <a:bodyPr anchorCtr="0" anchor="t" bIns="91425" lIns="91425" spcFirstLastPara="1" rIns="91425" wrap="square" tIns="91425">
+            <a:noAutofit/>
+          </a:bodyPr>
+          <a:lstStyle/>
+          <a:p>
+            <a:pPr indent="0" lvl="0" marL="0" rtl="0" algn="l">
+              <a:spcBef>
+                <a:spcPts val="0"/>
+              </a:spcBef>
+              <a:spcAft>
+                <a:spcPts val="0"/>
+              </a:spcAft>
+              <a:buNone/>
+            </a:pPr>
+            <a:r>
+              <a:t/>
+            </a:r>
+            <a:endParaRPr i="1" sz="3000"/>
+          </a:p>
+          <a:p>
+            <a:pPr indent="-419100" lvl="0" marL="457200" rtl="0" algn="l">
+              <a:spcBef>
+                <a:spcPts val="1600"/>
+              </a:spcBef>
+              <a:spcAft>
+                <a:spcPts val="0"/>
+              </a:spcAft>
+              <a:buSzPts val="3000"/>
+              <a:buAutoNum type="arabicPeriod"/>
+            </a:pPr>
+            <a:r>
+              <a:rPr i="1" lang="en" sz="3000"/>
+              <a:t> An Iterative method to move toward the minimum point(using Gradient).</a:t>
+            </a:r>
+            <a:endParaRPr i="1" sz="3000"/>
+          </a:p>
+          <a:p>
+            <a:pPr indent="0" lvl="0" marL="457200" rtl="0" algn="l">
+              <a:spcBef>
+                <a:spcPts val="1600"/>
+              </a:spcBef>
+              <a:spcAft>
+                <a:spcPts val="0"/>
+              </a:spcAft>
+              <a:buNone/>
+            </a:pPr>
+            <a:r>
+              <a:t/>
+            </a:r>
+            <a:endParaRPr i="1" sz="3000"/>
+          </a:p>
+          <a:p>
+            <a:pPr indent="-342900" lvl="0" marL="457200" rtl="0" algn="l">
+              <a:spcBef>
+                <a:spcPts val="1600"/>
+              </a:spcBef>
+              <a:spcAft>
+                <a:spcPts val="0"/>
+              </a:spcAft>
+              <a:buSzPts val="1800"/>
+              <a:buAutoNum type="arabicPeriod"/>
+            </a:pPr>
+            <a:r>
+              <a:rPr b="1" lang="en">
+                <a:solidFill>
+                  <a:srgbClr val="222222"/>
+                </a:solidFill>
+                <a:highlight>
+                  <a:srgbClr val="FFFFFF"/>
+                </a:highlight>
+              </a:rPr>
+              <a:t>Gradient descent</a:t>
+            </a:r>
+            <a:r>
+              <a:rPr lang="en">
+                <a:solidFill>
+                  <a:srgbClr val="222222"/>
+                </a:solidFill>
+                <a:highlight>
+                  <a:srgbClr val="FFFFFF"/>
+                </a:highlight>
+              </a:rPr>
+              <a:t> is an optimization algorithm used to minimize some function by iteratively moving in the direction of </a:t>
+            </a:r>
+            <a:r>
+              <a:rPr b="1" lang="en">
+                <a:solidFill>
+                  <a:srgbClr val="222222"/>
+                </a:solidFill>
+                <a:highlight>
+                  <a:srgbClr val="FFFFFF"/>
+                </a:highlight>
+              </a:rPr>
+              <a:t>steepest descent</a:t>
+            </a:r>
+            <a:r>
+              <a:rPr lang="en">
+                <a:solidFill>
+                  <a:srgbClr val="222222"/>
+                </a:solidFill>
+                <a:highlight>
+                  <a:srgbClr val="FFFFFF"/>
+                </a:highlight>
+              </a:rPr>
+              <a:t> as defined by the negative of the </a:t>
+            </a:r>
+            <a:r>
+              <a:rPr b="1" lang="en">
+                <a:solidFill>
+                  <a:srgbClr val="222222"/>
+                </a:solidFill>
+                <a:highlight>
+                  <a:srgbClr val="FFFFFF"/>
+                </a:highlight>
+              </a:rPr>
+              <a:t>gradient</a:t>
+            </a:r>
+            <a:r>
+              <a:rPr lang="en">
+                <a:solidFill>
+                  <a:srgbClr val="222222"/>
+                </a:solidFill>
+                <a:highlight>
+                  <a:srgbClr val="FFFFFF"/>
+                </a:highlight>
+              </a:rPr>
+              <a:t>. In machine learning, we use </a:t>
+            </a:r>
+            <a:r>
+              <a:rPr b="1" lang="en">
+                <a:solidFill>
+                  <a:srgbClr val="222222"/>
+                </a:solidFill>
+                <a:highlight>
+                  <a:srgbClr val="FFFFFF"/>
+                </a:highlight>
+              </a:rPr>
+              <a:t>gradient descent</a:t>
+            </a:r>
+            <a:r>
+              <a:rPr lang="en">
+                <a:solidFill>
+                  <a:srgbClr val="222222"/>
+                </a:solidFill>
+                <a:highlight>
+                  <a:srgbClr val="FFFFFF"/>
+                </a:highlight>
+              </a:rPr>
+              <a:t> to update the parameters of our model.</a:t>
+            </a:r>
+            <a:endParaRPr i="1"/>
+          </a:p>
+        </p:txBody>
+      </p:sp>
+      <p:sp>
+        <p:nvSpPr>
+          <p:cNvPr id="134" name="Google Shape;134;p24"/>
+          <p:cNvSpPr/>
+          <p:nvPr/>
+        </p:nvSpPr>
+        <p:spPr>
+          <a:xfrm>
+            <a:off x="2696750" y="906675"/>
+            <a:ext cx="3238200" cy="447000"/>
+          </a:xfrm>
+          <a:prstGeom prst="roundRect">
+            <a:avLst>
+              <a:gd fmla="val 16667" name="adj"/>
+            </a:avLst>
+          </a:prstGeom>
+          <a:solidFill>
+            <a:schemeClr val="lt2"/>
+          </a:solidFill>
+          <a:ln cap="flat" cmpd="sng" w="9525">
+            <a:solidFill>
+              <a:schemeClr val="dk2"/>
+            </a:solidFill>
+            <a:prstDash val="solid"/>
+            <a:round/>
+            <a:headEnd len="sm" w="sm" type="none"/>
+            <a:tailEnd len="sm" w="sm" type="none"/>
+          </a:ln>
+        </p:spPr>
+        <p:txBody>
+          <a:bodyPr anchorCtr="0" anchor="ctr" bIns="91425" lIns="91425" spcFirstLastPara="1" rIns="91425" wrap="square" tIns="91425">
+            <a:noAutofit/>
+          </a:bodyPr>
+          <a:lstStyle/>
+          <a:p>
+            <a:pPr indent="0" lvl="0" marL="0" rtl="0" algn="l">
+              <a:spcBef>
+                <a:spcPts val="0"/>
+              </a:spcBef>
+              <a:spcAft>
+                <a:spcPts val="0"/>
+              </a:spcAft>
+              <a:buNone/>
+            </a:pPr>
+            <a:r>
+              <a:rPr lang="en" sz="3000"/>
+              <a:t>Gradient Descent</a:t>
+            </a:r>
+            <a:endParaRPr sz="3000"/>
+          </a:p>
+        </p:txBody>
+      </p:sp>
+    </p:spTree>
+  </p:cSld>
+  <p:clrMapOvr>
+    <a:masterClrMapping/>
+  </p:clrMapOvr>
+</p:sld>
+</file>
+
+<file path=ppt/slides/slide13.xml><?xml version="1.0" encoding="utf-8"?>
+<p:sld xmlns:a="http://schemas.openxmlformats.org/drawingml/2006/main" xmlns:r="http://schemas.openxmlformats.org/officeDocument/2006/relationships" xmlns:mc="http://schemas.openxmlformats.org/markup-compatibility/2006" xmlns:mv="urn:schemas-microsoft-com:mac:vml" xmlns:p="http://schemas.openxmlformats.org/presentationml/2006/main" xmlns:c="http://schemas.openxmlformats.org/drawingml/2006/chart" xmlns:dgm="http://schemas.openxmlformats.org/drawingml/2006/diagram" xmlns:o="urn:schemas-microsoft-com:office:office" xmlns:v="urn:schemas-microsoft-com:vml" xmlns:pvml="urn:schemas-microsoft-com:office:powerpoint" xmlns:com="http://schemas.openxmlformats.org/drawingml/2006/compatibility" xmlns:p14="http://schemas.microsoft.com/office/powerpoint/2010/main" xmlns:p15="http://schemas.microsoft.com/office/powerpoint/2012/main">
+  <p:cSld>
+    <p:spTree>
+      <p:nvGrpSpPr>
+        <p:cNvPr id="138" name="Shape 138"/>
+        <p:cNvGrpSpPr/>
+        <p:nvPr/>
+      </p:nvGrpSpPr>
+      <p:grpSpPr>
+        <a:xfrm>
+          <a:off x="0" y="0"/>
+          <a:ext cx="0" cy="0"/>
+          <a:chOff x="0" y="0"/>
+          <a:chExt cx="0" cy="0"/>
+        </a:xfrm>
+      </p:grpSpPr>
+      <p:pic>
+        <p:nvPicPr>
+          <p:cNvPr id="139" name="Google Shape;139;p25"/>
+          <p:cNvPicPr preferRelativeResize="0"/>
+          <p:nvPr/>
+        </p:nvPicPr>
+        <p:blipFill>
+          <a:blip r:embed="rId3">
+            <a:alphaModFix/>
+          </a:blip>
+          <a:stretch>
+            <a:fillRect/>
+          </a:stretch>
+        </p:blipFill>
+        <p:spPr>
+          <a:xfrm>
+            <a:off x="-102250" y="512172"/>
+            <a:ext cx="9144000" cy="4745803"/>
+          </a:xfrm>
+          <a:prstGeom prst="rect">
+            <a:avLst/>
+          </a:prstGeom>
+          <a:noFill/>
+          <a:ln>
+            <a:noFill/>
+          </a:ln>
+        </p:spPr>
+      </p:pic>
+    </p:spTree>
+  </p:cSld>
+  <p:clrMapOvr>
+    <a:masterClrMapping/>
+  </p:clrMapOvr>
+</p:sld>
+</file>
+
+<file path=ppt/slides/slide14.xml><?xml version="1.0" encoding="utf-8"?>
+<p:sld xmlns:a="http://schemas.openxmlformats.org/drawingml/2006/main" xmlns:r="http://schemas.openxmlformats.org/officeDocument/2006/relationships" xmlns:mc="http://schemas.openxmlformats.org/markup-compatibility/2006" xmlns:mv="urn:schemas-microsoft-com:mac:vml" xmlns:p="http://schemas.openxmlformats.org/presentationml/2006/main" xmlns:c="http://schemas.openxmlformats.org/drawingml/2006/chart" xmlns:dgm="http://schemas.openxmlformats.org/drawingml/2006/diagram" xmlns:o="urn:schemas-microsoft-com:office:office" xmlns:v="urn:schemas-microsoft-com:vml" xmlns:pvml="urn:schemas-microsoft-com:office:powerpoint" xmlns:com="http://schemas.openxmlformats.org/drawingml/2006/compatibility" xmlns:p14="http://schemas.microsoft.com/office/powerpoint/2010/main" xmlns:p15="http://schemas.microsoft.com/office/powerpoint/2012/main">
+  <p:cSld>
+    <p:spTree>
+      <p:nvGrpSpPr>
+        <p:cNvPr id="143" name="Shape 143"/>
+        <p:cNvGrpSpPr/>
+        <p:nvPr/>
+      </p:nvGrpSpPr>
+      <p:grpSpPr>
+        <a:xfrm>
+          <a:off x="0" y="0"/>
+          <a:ext cx="0" cy="0"/>
+          <a:chOff x="0" y="0"/>
+          <a:chExt cx="0" cy="0"/>
+        </a:xfrm>
+      </p:grpSpPr>
+      <p:sp>
+        <p:nvSpPr>
+          <p:cNvPr id="144" name="Google Shape;144;p26"/>
+          <p:cNvSpPr txBox="1"/>
+          <p:nvPr>
+            <p:ph type="title"/>
+          </p:nvPr>
+        </p:nvSpPr>
+        <p:spPr>
+          <a:xfrm>
+            <a:off x="311700" y="445025"/>
+            <a:ext cx="8520600" cy="572700"/>
+          </a:xfrm>
+          <a:prstGeom prst="rect">
+            <a:avLst/>
+          </a:prstGeom>
+        </p:spPr>
+        <p:txBody>
+          <a:bodyPr anchorCtr="0" anchor="t" bIns="91425" lIns="91425" spcFirstLastPara="1" rIns="91425" wrap="square" tIns="91425">
+            <a:noAutofit/>
+          </a:bodyPr>
+          <a:lstStyle/>
+          <a:p>
+            <a:pPr indent="0" lvl="0" marL="2743200" rtl="0" algn="l">
+              <a:spcBef>
+                <a:spcPts val="0"/>
+              </a:spcBef>
+              <a:spcAft>
+                <a:spcPts val="0"/>
+              </a:spcAft>
+              <a:buNone/>
+            </a:pPr>
+            <a:r>
+              <a:rPr lang="en"/>
+              <a:t>Updation Rule</a:t>
+            </a:r>
+            <a:endParaRPr/>
+          </a:p>
+        </p:txBody>
+      </p:sp>
+      <p:pic>
+        <p:nvPicPr>
+          <p:cNvPr id="145" name="Google Shape;145;p26"/>
+          <p:cNvPicPr preferRelativeResize="0"/>
+          <p:nvPr/>
+        </p:nvPicPr>
+        <p:blipFill>
+          <a:blip r:embed="rId3">
+            <a:alphaModFix/>
+          </a:blip>
+          <a:stretch>
+            <a:fillRect/>
+          </a:stretch>
+        </p:blipFill>
+        <p:spPr>
+          <a:xfrm>
+            <a:off x="1405050" y="2030050"/>
+            <a:ext cx="6068700" cy="2818925"/>
+          </a:xfrm>
+          <a:prstGeom prst="rect">
+            <a:avLst/>
+          </a:prstGeom>
+          <a:noFill/>
+          <a:ln>
+            <a:noFill/>
+          </a:ln>
+        </p:spPr>
+      </p:pic>
+      <p:pic>
+        <p:nvPicPr>
+          <p:cNvPr id="146" name="Google Shape;146;p26"/>
+          <p:cNvPicPr preferRelativeResize="0"/>
+          <p:nvPr/>
+        </p:nvPicPr>
+        <p:blipFill>
+          <a:blip r:embed="rId4">
+            <a:alphaModFix/>
+          </a:blip>
+          <a:stretch>
+            <a:fillRect/>
+          </a:stretch>
+        </p:blipFill>
+        <p:spPr>
+          <a:xfrm>
+            <a:off x="1467775" y="1209325"/>
+            <a:ext cx="5731550" cy="876300"/>
+          </a:xfrm>
+          <a:prstGeom prst="rect">
+            <a:avLst/>
+          </a:prstGeom>
+          <a:noFill/>
+          <a:ln>
+            <a:noFill/>
+          </a:ln>
+        </p:spPr>
+      </p:pic>
+    </p:spTree>
+  </p:cSld>
+  <p:clrMapOvr>
+    <a:masterClrMapping/>
+  </p:clrMapOvr>
+</p:sld>
+</file>
+
+<file path=ppt/slides/slide15.xml><?xml version="1.0" encoding="utf-8"?>
+<p:sld xmlns:a="http://schemas.openxmlformats.org/drawingml/2006/main" xmlns:r="http://schemas.openxmlformats.org/officeDocument/2006/relationships" xmlns:mc="http://schemas.openxmlformats.org/markup-compatibility/2006" xmlns:mv="urn:schemas-microsoft-com:mac:vml" xmlns:p="http://schemas.openxmlformats.org/presentationml/2006/main" xmlns:c="http://schemas.openxmlformats.org/drawingml/2006/chart" xmlns:dgm="http://schemas.openxmlformats.org/drawingml/2006/diagram" xmlns:o="urn:schemas-microsoft-com:office:office" xmlns:v="urn:schemas-microsoft-com:vml" xmlns:pvml="urn:schemas-microsoft-com:office:powerpoint" xmlns:com="http://schemas.openxmlformats.org/drawingml/2006/compatibility" xmlns:p14="http://schemas.microsoft.com/office/powerpoint/2010/main" xmlns:p15="http://schemas.microsoft.com/office/powerpoint/2012/main">
+  <p:cSld>
+    <p:spTree>
+      <p:nvGrpSpPr>
+        <p:cNvPr id="150" name="Shape 150"/>
+        <p:cNvGrpSpPr/>
+        <p:nvPr/>
+      </p:nvGrpSpPr>
+      <p:grpSpPr>
+        <a:xfrm>
+          <a:off x="0" y="0"/>
+          <a:ext cx="0" cy="0"/>
+          <a:chOff x="0" y="0"/>
+          <a:chExt cx="0" cy="0"/>
+        </a:xfrm>
+      </p:grpSpPr>
+      <p:sp>
+        <p:nvSpPr>
+          <p:cNvPr id="151" name="Google Shape;151;p27"/>
           <p:cNvSpPr txBox="1"/>
           <p:nvPr>
             <p:ph type="title"/>
@@ -6976,7 +7927,7 @@
       </p:sp>
       <p:sp>
         <p:nvSpPr>
-          <p:cNvPr id="136" name="Google Shape;136;p24"/>
+          <p:cNvPr id="152" name="Google Shape;152;p27"/>
           <p:cNvSpPr txBox="1"/>
           <p:nvPr>
             <p:ph idx="1" type="body"/>
@@ -7055,12 +8006,12 @@
 </p:sld>
 </file>
 
-<file path=ppt/slides/slide13.xml><?xml version="1.0" encoding="utf-8"?>
+<file path=ppt/slides/slide16.xml><?xml version="1.0" encoding="utf-8"?>
 <p:sld xmlns:a="http://schemas.openxmlformats.org/drawingml/2006/main" xmlns:r="http://schemas.openxmlformats.org/officeDocument/2006/relationships" xmlns:mc="http://schemas.openxmlformats.org/markup-compatibility/2006" xmlns:mv="urn:schemas-microsoft-com:mac:vml" xmlns:p="http://schemas.openxmlformats.org/presentationml/2006/main" xmlns:c="http://schemas.openxmlformats.org/drawingml/2006/chart" xmlns:dgm="http://schemas.openxmlformats.org/drawingml/2006/diagram" xmlns:o="urn:schemas-microsoft-com:office:office" xmlns:v="urn:schemas-microsoft-com:vml" xmlns:pvml="urn:schemas-microsoft-com:office:powerpoint" xmlns:com="http://schemas.openxmlformats.org/drawingml/2006/compatibility" xmlns:p14="http://schemas.microsoft.com/office/powerpoint/2010/main" xmlns:p15="http://schemas.microsoft.com/office/powerpoint/2012/main">
   <p:cSld>
     <p:spTree>
       <p:nvGrpSpPr>
-        <p:cNvPr id="140" name="Shape 140"/>
+        <p:cNvPr id="156" name="Shape 156"/>
         <p:cNvGrpSpPr/>
         <p:nvPr/>
       </p:nvGrpSpPr>
@@ -7074,7 +8025,7 @@
       </p:grpSpPr>
       <p:sp>
         <p:nvSpPr>
-          <p:cNvPr id="141" name="Google Shape;141;p25"/>
+          <p:cNvPr id="157" name="Google Shape;157;p28"/>
           <p:cNvSpPr txBox="1"/>
           <p:nvPr>
             <p:ph type="title"/>
@@ -7652,7 +8603,7 @@
           <p:nvPr/>
         </p:nvGraphicFramePr>
         <p:xfrm>
-          <a:off x="3992075" y="1812825"/>
+          <a:off x="2772200" y="1677300"/>
           <a:ext cx="3000000" cy="3000000"/>
         </p:xfrm>
         <a:graphic>
@@ -7660,7 +8611,7 @@
             <a:tbl>
               <a:tblPr>
                 <a:noFill/>
-                <a:tableStyleId>{E498AFD0-ED82-4A06-AB41-D8B8B3EBA9C3}</a:tableStyleId>
+                <a:tableStyleId>{A95B35AE-FD42-4B92-8402-3172755C3CC3}</a:tableStyleId>
               </a:tblPr>
               <a:tblGrid>
                 <a:gridCol w="1141500"/>
@@ -7979,6 +8930,239 @@
           </a:p>
         </p:txBody>
       </p:sp>
+      <p:graphicFrame>
+        <p:nvGraphicFramePr>
+          <p:cNvPr id="73" name="Google Shape;73;p15"/>
+          <p:cNvGraphicFramePr/>
+          <p:nvPr/>
+        </p:nvGraphicFramePr>
+        <p:xfrm>
+          <a:off x="3888275" y="1677325"/>
+          <a:ext cx="3000000" cy="3000000"/>
+        </p:xfrm>
+        <a:graphic>
+          <a:graphicData uri="http://schemas.openxmlformats.org/drawingml/2006/table">
+            <a:tbl>
+              <a:tblPr>
+                <a:noFill/>
+                <a:tableStyleId>{A95B35AE-FD42-4B92-8402-3172755C3CC3}</a:tableStyleId>
+              </a:tblPr>
+              <a:tblGrid>
+                <a:gridCol w="1141500"/>
+              </a:tblGrid>
+              <a:tr h="619025">
+                <a:tc>
+                  <a:txBody>
+                    <a:bodyPr>
+                      <a:noAutofit/>
+                    </a:bodyPr>
+                    <a:lstStyle/>
+                    <a:p>
+                      <a:pPr indent="0" lvl="0" marL="0" rtl="0" algn="ctr">
+                        <a:spcBef>
+                          <a:spcPts val="0"/>
+                        </a:spcBef>
+                        <a:spcAft>
+                          <a:spcPts val="0"/>
+                        </a:spcAft>
+                        <a:buNone/>
+                      </a:pPr>
+                      <a:r>
+                        <a:rPr b="1" lang="en"/>
+                        <a:t> </a:t>
+                      </a:r>
+                      <a:r>
+                        <a:rPr b="1" lang="en" sz="1000"/>
+                        <a:t>     Label(Y)</a:t>
+                      </a:r>
+                      <a:endParaRPr b="1" sz="1000"/>
+                    </a:p>
+                    <a:p>
+                      <a:pPr indent="0" lvl="0" marL="0" rtl="0" algn="ctr">
+                        <a:spcBef>
+                          <a:spcPts val="0"/>
+                        </a:spcBef>
+                        <a:spcAft>
+                          <a:spcPts val="0"/>
+                        </a:spcAft>
+                        <a:buNone/>
+                      </a:pPr>
+                      <a:r>
+                        <a:rPr b="1" lang="en" sz="1000"/>
+                        <a:t>(Number of hrs. study)</a:t>
+                      </a:r>
+                      <a:endParaRPr b="1" sz="1000"/>
+                    </a:p>
+                  </a:txBody>
+                  <a:tcPr marT="91425" marB="91425" marR="91425" marL="91425"/>
+                </a:tc>
+              </a:tr>
+              <a:tr h="348400">
+                <a:tc>
+                  <a:txBody>
+                    <a:bodyPr>
+                      <a:noAutofit/>
+                    </a:bodyPr>
+                    <a:lstStyle/>
+                    <a:p>
+                      <a:pPr indent="0" lvl="0" marL="0" rtl="0" algn="ctr">
+                        <a:spcBef>
+                          <a:spcPts val="0"/>
+                        </a:spcBef>
+                        <a:spcAft>
+                          <a:spcPts val="0"/>
+                        </a:spcAft>
+                        <a:buNone/>
+                      </a:pPr>
+                      <a:r>
+                        <a:rPr lang="en"/>
+                        <a:t>6.6</a:t>
+                      </a:r>
+                      <a:endParaRPr/>
+                    </a:p>
+                  </a:txBody>
+                  <a:tcPr marT="91425" marB="91425" marR="91425" marL="91425"/>
+                </a:tc>
+              </a:tr>
+              <a:tr h="348400">
+                <a:tc>
+                  <a:txBody>
+                    <a:bodyPr>
+                      <a:noAutofit/>
+                    </a:bodyPr>
+                    <a:lstStyle/>
+                    <a:p>
+                      <a:pPr indent="0" lvl="0" marL="0" rtl="0" algn="ctr">
+                        <a:spcBef>
+                          <a:spcPts val="0"/>
+                        </a:spcBef>
+                        <a:spcAft>
+                          <a:spcPts val="0"/>
+                        </a:spcAft>
+                        <a:buNone/>
+                      </a:pPr>
+                      <a:r>
+                        <a:rPr lang="en"/>
+                        <a:t>12</a:t>
+                      </a:r>
+                      <a:endParaRPr/>
+                    </a:p>
+                  </a:txBody>
+                  <a:tcPr marT="91425" marB="91425" marR="91425" marL="91425"/>
+                </a:tc>
+              </a:tr>
+              <a:tr h="348400">
+                <a:tc>
+                  <a:txBody>
+                    <a:bodyPr>
+                      <a:noAutofit/>
+                    </a:bodyPr>
+                    <a:lstStyle/>
+                    <a:p>
+                      <a:pPr indent="0" lvl="0" marL="0" rtl="0" algn="ctr">
+                        <a:spcBef>
+                          <a:spcPts val="0"/>
+                        </a:spcBef>
+                        <a:spcAft>
+                          <a:spcPts val="0"/>
+                        </a:spcAft>
+                        <a:buNone/>
+                      </a:pPr>
+                      <a:r>
+                        <a:rPr lang="en"/>
+                        <a:t>10</a:t>
+                      </a:r>
+                      <a:endParaRPr/>
+                    </a:p>
+                  </a:txBody>
+                  <a:tcPr marT="91425" marB="91425" marR="91425" marL="91425"/>
+                </a:tc>
+              </a:tr>
+              <a:tr h="348400">
+                <a:tc>
+                  <a:txBody>
+                    <a:bodyPr>
+                      <a:noAutofit/>
+                    </a:bodyPr>
+                    <a:lstStyle/>
+                    <a:p>
+                      <a:pPr indent="0" lvl="0" marL="0" rtl="0" algn="ctr">
+                        <a:spcBef>
+                          <a:spcPts val="0"/>
+                        </a:spcBef>
+                        <a:spcAft>
+                          <a:spcPts val="0"/>
+                        </a:spcAft>
+                        <a:buNone/>
+                      </a:pPr>
+                      <a:r>
+                        <a:rPr lang="en"/>
+                        <a:t>9.5</a:t>
+                      </a:r>
+                      <a:endParaRPr/>
+                    </a:p>
+                  </a:txBody>
+                  <a:tcPr marT="91425" marB="91425" marR="91425" marL="91425"/>
+                </a:tc>
+              </a:tr>
+              <a:tr h="348400">
+                <a:tc>
+                  <a:txBody>
+                    <a:bodyPr>
+                      <a:noAutofit/>
+                    </a:bodyPr>
+                    <a:lstStyle/>
+                    <a:p>
+                      <a:pPr indent="0" lvl="0" marL="0" rtl="0" algn="ctr">
+                        <a:spcBef>
+                          <a:spcPts val="0"/>
+                        </a:spcBef>
+                        <a:spcAft>
+                          <a:spcPts val="0"/>
+                        </a:spcAft>
+                        <a:buNone/>
+                      </a:pPr>
+                      <a:r>
+                        <a:rPr lang="en"/>
+                        <a:t>6</a:t>
+                      </a:r>
+                      <a:endParaRPr/>
+                    </a:p>
+                  </a:txBody>
+                  <a:tcPr marT="91425" marB="91425" marR="91425" marL="91425"/>
+                </a:tc>
+              </a:tr>
+              <a:tr h="348400">
+                <a:tc>
+                  <a:txBody>
+                    <a:bodyPr>
+                      <a:noAutofit/>
+                    </a:bodyPr>
+                    <a:lstStyle/>
+                    <a:p>
+                      <a:pPr indent="0" lvl="0" marL="0" rtl="0" algn="ctr">
+                        <a:spcBef>
+                          <a:spcPts val="0"/>
+                        </a:spcBef>
+                        <a:spcAft>
+                          <a:spcPts val="0"/>
+                        </a:spcAft>
+                        <a:buNone/>
+                      </a:pPr>
+                      <a:r>
+                        <a:rPr lang="en"/>
+                        <a:t>…..</a:t>
+                      </a:r>
+                      <a:endParaRPr/>
+                    </a:p>
+                  </a:txBody>
+                  <a:tcPr marT="91425" marB="91425" marR="91425" marL="91425"/>
+                </a:tc>
+              </a:tr>
+            </a:tbl>
+          </a:graphicData>
+        </a:graphic>
+      </p:graphicFrame>
     </p:spTree>
   </p:cSld>
   <p:clrMapOvr>
@@ -7992,7 +9176,7 @@
   <p:cSld>
     <p:spTree>
       <p:nvGrpSpPr>
-        <p:cNvPr id="76" name="Shape 76"/>
+        <p:cNvPr id="77" name="Shape 77"/>
         <p:cNvGrpSpPr/>
         <p:nvPr/>
       </p:nvGrpSpPr>
@@ -8006,7 +9190,7 @@
       </p:grpSpPr>
       <p:sp>
         <p:nvSpPr>
-          <p:cNvPr id="77" name="Google Shape;77;p16"/>
+          <p:cNvPr id="78" name="Google Shape;78;p16"/>
           <p:cNvSpPr txBox="1"/>
           <p:nvPr>
             <p:ph type="title"/>
@@ -8085,7 +9269,7 @@
       </p:sp>
       <p:pic>
         <p:nvPicPr>
-          <p:cNvPr id="78" name="Google Shape;78;p16"/>
+          <p:cNvPr id="79" name="Google Shape;79;p16"/>
           <p:cNvPicPr preferRelativeResize="0"/>
           <p:nvPr/>
         </p:nvPicPr>
@@ -8124,7 +9308,7 @@
   <p:cSld>
     <p:spTree>
       <p:nvGrpSpPr>
-        <p:cNvPr id="82" name="Shape 82"/>
+        <p:cNvPr id="83" name="Shape 83"/>
         <p:cNvGrpSpPr/>
         <p:nvPr/>
       </p:nvGrpSpPr>
@@ -8138,7 +9322,7 @@
       </p:grpSpPr>
       <p:pic>
         <p:nvPicPr>
-          <p:cNvPr id="83" name="Google Shape;83;p17"/>
+          <p:cNvPr id="84" name="Google Shape;84;p17"/>
           <p:cNvPicPr preferRelativeResize="0"/>
           <p:nvPr/>
         </p:nvPicPr>
@@ -8152,8 +9336,8 @@
         </p:blipFill>
         <p:spPr>
           <a:xfrm>
-            <a:off x="2203550" y="1298350"/>
-            <a:ext cx="6269700" cy="2965925"/>
+            <a:off x="959663" y="557200"/>
+            <a:ext cx="6315075" cy="4029075"/>
           </a:xfrm>
           <a:prstGeom prst="rect">
             <a:avLst/>
@@ -8164,9 +9348,168 @@
           </a:ln>
         </p:spPr>
       </p:pic>
+    </p:spTree>
+  </p:cSld>
+  <p:clrMapOvr>
+    <a:masterClrMapping/>
+  </p:clrMapOvr>
+</p:sld>
+</file>
+
+<file path=ppt/slides/slide6.xml><?xml version="1.0" encoding="utf-8"?>
+<p:sld xmlns:a="http://schemas.openxmlformats.org/drawingml/2006/main" xmlns:r="http://schemas.openxmlformats.org/officeDocument/2006/relationships" xmlns:mc="http://schemas.openxmlformats.org/markup-compatibility/2006" xmlns:mv="urn:schemas-microsoft-com:mac:vml" xmlns:p="http://schemas.openxmlformats.org/presentationml/2006/main" xmlns:c="http://schemas.openxmlformats.org/drawingml/2006/chart" xmlns:dgm="http://schemas.openxmlformats.org/drawingml/2006/diagram" xmlns:o="urn:schemas-microsoft-com:office:office" xmlns:v="urn:schemas-microsoft-com:vml" xmlns:pvml="urn:schemas-microsoft-com:office:powerpoint" xmlns:com="http://schemas.openxmlformats.org/drawingml/2006/compatibility" xmlns:p14="http://schemas.microsoft.com/office/powerpoint/2010/main" xmlns:p15="http://schemas.microsoft.com/office/powerpoint/2012/main">
+  <p:cSld>
+    <p:spTree>
+      <p:nvGrpSpPr>
+        <p:cNvPr id="88" name="Shape 88"/>
+        <p:cNvGrpSpPr/>
+        <p:nvPr/>
+      </p:nvGrpSpPr>
+      <p:grpSpPr>
+        <a:xfrm>
+          <a:off x="0" y="0"/>
+          <a:ext cx="0" cy="0"/>
+          <a:chOff x="0" y="0"/>
+          <a:chExt cx="0" cy="0"/>
+        </a:xfrm>
+      </p:grpSpPr>
+      <p:pic>
+        <p:nvPicPr>
+          <p:cNvPr id="89" name="Google Shape;89;p18"/>
+          <p:cNvPicPr preferRelativeResize="0"/>
+          <p:nvPr/>
+        </p:nvPicPr>
+        <p:blipFill>
+          <a:blip r:embed="rId3">
+            <a:alphaModFix/>
+          </a:blip>
+          <a:stretch>
+            <a:fillRect/>
+          </a:stretch>
+        </p:blipFill>
+        <p:spPr>
+          <a:xfrm>
+            <a:off x="1608900" y="415550"/>
+            <a:ext cx="5817800" cy="4147750"/>
+          </a:xfrm>
+          <a:prstGeom prst="rect">
+            <a:avLst/>
+          </a:prstGeom>
+          <a:noFill/>
+          <a:ln>
+            <a:noFill/>
+          </a:ln>
+        </p:spPr>
+      </p:pic>
+    </p:spTree>
+  </p:cSld>
+  <p:clrMapOvr>
+    <a:masterClrMapping/>
+  </p:clrMapOvr>
+</p:sld>
+</file>
+
+<file path=ppt/slides/slide7.xml><?xml version="1.0" encoding="utf-8"?>
+<p:sld xmlns:a="http://schemas.openxmlformats.org/drawingml/2006/main" xmlns:r="http://schemas.openxmlformats.org/officeDocument/2006/relationships" xmlns:mc="http://schemas.openxmlformats.org/markup-compatibility/2006" xmlns:mv="urn:schemas-microsoft-com:mac:vml" xmlns:p="http://schemas.openxmlformats.org/presentationml/2006/main" xmlns:c="http://schemas.openxmlformats.org/drawingml/2006/chart" xmlns:dgm="http://schemas.openxmlformats.org/drawingml/2006/diagram" xmlns:o="urn:schemas-microsoft-com:office:office" xmlns:v="urn:schemas-microsoft-com:vml" xmlns:pvml="urn:schemas-microsoft-com:office:powerpoint" xmlns:com="http://schemas.openxmlformats.org/drawingml/2006/compatibility" xmlns:p14="http://schemas.microsoft.com/office/powerpoint/2010/main" xmlns:p15="http://schemas.microsoft.com/office/powerpoint/2012/main">
+  <p:cSld>
+    <p:spTree>
+      <p:nvGrpSpPr>
+        <p:cNvPr id="93" name="Shape 93"/>
+        <p:cNvGrpSpPr/>
+        <p:nvPr/>
+      </p:nvGrpSpPr>
+      <p:grpSpPr>
+        <a:xfrm>
+          <a:off x="0" y="0"/>
+          <a:ext cx="0" cy="0"/>
+          <a:chOff x="0" y="0"/>
+          <a:chExt cx="0" cy="0"/>
+        </a:xfrm>
+      </p:grpSpPr>
+      <p:pic>
+        <p:nvPicPr>
+          <p:cNvPr id="94" name="Google Shape;94;p19"/>
+          <p:cNvPicPr preferRelativeResize="0"/>
+          <p:nvPr/>
+        </p:nvPicPr>
+        <p:blipFill>
+          <a:blip r:embed="rId3">
+            <a:alphaModFix/>
+          </a:blip>
+          <a:stretch>
+            <a:fillRect/>
+          </a:stretch>
+        </p:blipFill>
+        <p:spPr>
+          <a:xfrm>
+            <a:off x="838200" y="405499"/>
+            <a:ext cx="7467600" cy="4077175"/>
+          </a:xfrm>
+          <a:prstGeom prst="rect">
+            <a:avLst/>
+          </a:prstGeom>
+          <a:noFill/>
+          <a:ln>
+            <a:noFill/>
+          </a:ln>
+        </p:spPr>
+      </p:pic>
+    </p:spTree>
+  </p:cSld>
+  <p:clrMapOvr>
+    <a:masterClrMapping/>
+  </p:clrMapOvr>
+</p:sld>
+</file>
+
+<file path=ppt/slides/slide8.xml><?xml version="1.0" encoding="utf-8"?>
+<p:sld xmlns:a="http://schemas.openxmlformats.org/drawingml/2006/main" xmlns:r="http://schemas.openxmlformats.org/officeDocument/2006/relationships" xmlns:mc="http://schemas.openxmlformats.org/markup-compatibility/2006" xmlns:mv="urn:schemas-microsoft-com:mac:vml" xmlns:p="http://schemas.openxmlformats.org/presentationml/2006/main" xmlns:c="http://schemas.openxmlformats.org/drawingml/2006/chart" xmlns:dgm="http://schemas.openxmlformats.org/drawingml/2006/diagram" xmlns:o="urn:schemas-microsoft-com:office:office" xmlns:v="urn:schemas-microsoft-com:vml" xmlns:pvml="urn:schemas-microsoft-com:office:powerpoint" xmlns:com="http://schemas.openxmlformats.org/drawingml/2006/compatibility" xmlns:p14="http://schemas.microsoft.com/office/powerpoint/2010/main" xmlns:p15="http://schemas.microsoft.com/office/powerpoint/2012/main">
+  <p:cSld>
+    <p:spTree>
+      <p:nvGrpSpPr>
+        <p:cNvPr id="98" name="Shape 98"/>
+        <p:cNvGrpSpPr/>
+        <p:nvPr/>
+      </p:nvGrpSpPr>
+      <p:grpSpPr>
+        <a:xfrm>
+          <a:off x="0" y="0"/>
+          <a:ext cx="0" cy="0"/>
+          <a:chOff x="0" y="0"/>
+          <a:chExt cx="0" cy="0"/>
+        </a:xfrm>
+      </p:grpSpPr>
+      <p:pic>
+        <p:nvPicPr>
+          <p:cNvPr id="99" name="Google Shape;99;p20"/>
+          <p:cNvPicPr preferRelativeResize="0"/>
+          <p:nvPr/>
+        </p:nvPicPr>
+        <p:blipFill>
+          <a:blip r:embed="rId3">
+            <a:alphaModFix/>
+          </a:blip>
+          <a:stretch>
+            <a:fillRect/>
+          </a:stretch>
+        </p:blipFill>
+        <p:spPr>
+          <a:xfrm>
+            <a:off x="2203550" y="1298350"/>
+            <a:ext cx="6269700" cy="2965925"/>
+          </a:xfrm>
+          <a:prstGeom prst="rect">
+            <a:avLst/>
+          </a:prstGeom>
+          <a:noFill/>
+          <a:ln>
+            <a:noFill/>
+          </a:ln>
+        </p:spPr>
+      </p:pic>
       <p:sp>
         <p:nvSpPr>
-          <p:cNvPr id="84" name="Google Shape;84;p17"/>
+          <p:cNvPr id="100" name="Google Shape;100;p20"/>
           <p:cNvSpPr txBox="1"/>
           <p:nvPr/>
         </p:nvSpPr>
@@ -8269,7 +9612,7 @@
       </p:sp>
       <p:sp>
         <p:nvSpPr>
-          <p:cNvPr id="85" name="Google Shape;85;p17"/>
+          <p:cNvPr id="101" name="Google Shape;101;p20"/>
           <p:cNvSpPr txBox="1"/>
           <p:nvPr/>
         </p:nvSpPr>
@@ -8317,12 +9660,12 @@
 </p:sld>
 </file>
 
-<file path=ppt/slides/slide6.xml><?xml version="1.0" encoding="utf-8"?>
+<file path=ppt/slides/slide9.xml><?xml version="1.0" encoding="utf-8"?>
 <p:sld xmlns:a="http://schemas.openxmlformats.org/drawingml/2006/main" xmlns:r="http://schemas.openxmlformats.org/officeDocument/2006/relationships" xmlns:mc="http://schemas.openxmlformats.org/markup-compatibility/2006" xmlns:mv="urn:schemas-microsoft-com:mac:vml" xmlns:p="http://schemas.openxmlformats.org/presentationml/2006/main" xmlns:c="http://schemas.openxmlformats.org/drawingml/2006/chart" xmlns:dgm="http://schemas.openxmlformats.org/drawingml/2006/diagram" xmlns:o="urn:schemas-microsoft-com:office:office" xmlns:v="urn:schemas-microsoft-com:vml" xmlns:pvml="urn:schemas-microsoft-com:office:powerpoint" xmlns:com="http://schemas.openxmlformats.org/drawingml/2006/compatibility" xmlns:p14="http://schemas.microsoft.com/office/powerpoint/2010/main" xmlns:p15="http://schemas.microsoft.com/office/powerpoint/2012/main">
   <p:cSld>
     <p:spTree>
       <p:nvGrpSpPr>
-        <p:cNvPr id="89" name="Shape 89"/>
+        <p:cNvPr id="105" name="Shape 105"/>
         <p:cNvGrpSpPr/>
         <p:nvPr/>
       </p:nvGrpSpPr>
@@ -8336,7 +9679,7 @@
       </p:grpSpPr>
       <p:sp>
         <p:nvSpPr>
-          <p:cNvPr id="90" name="Google Shape;90;p18"/>
+          <p:cNvPr id="106" name="Google Shape;106;p21"/>
           <p:cNvSpPr txBox="1"/>
           <p:nvPr>
             <p:ph type="title"/>
@@ -8376,7 +9719,7 @@
       </p:sp>
       <p:sp>
         <p:nvSpPr>
-          <p:cNvPr id="91" name="Google Shape;91;p18"/>
+          <p:cNvPr id="107" name="Google Shape;107;p21"/>
           <p:cNvSpPr txBox="1"/>
           <p:nvPr>
             <p:ph idx="1" type="body"/>
@@ -8430,7 +9773,7 @@
       </p:sp>
       <p:pic>
         <p:nvPicPr>
-          <p:cNvPr id="92" name="Google Shape;92;p18"/>
+          <p:cNvPr id="108" name="Google Shape;108;p21"/>
           <p:cNvPicPr preferRelativeResize="0"/>
           <p:nvPr/>
         </p:nvPicPr>
@@ -8458,7 +9801,7 @@
       </p:pic>
       <p:sp>
         <p:nvSpPr>
-          <p:cNvPr id="93" name="Google Shape;93;p18"/>
+          <p:cNvPr id="109" name="Google Shape;109;p21"/>
           <p:cNvSpPr txBox="1"/>
           <p:nvPr/>
         </p:nvSpPr>
@@ -8500,7 +9843,7 @@
       </p:sp>
       <p:sp>
         <p:nvSpPr>
-          <p:cNvPr id="94" name="Google Shape;94;p18"/>
+          <p:cNvPr id="110" name="Google Shape;110;p21"/>
           <p:cNvSpPr txBox="1"/>
           <p:nvPr/>
         </p:nvSpPr>
@@ -8542,7 +9885,7 @@
       </p:sp>
       <p:pic>
         <p:nvPicPr>
-          <p:cNvPr id="95" name="Google Shape;95;p18"/>
+          <p:cNvPr id="111" name="Google Shape;111;p21"/>
           <p:cNvPicPr preferRelativeResize="0"/>
           <p:nvPr/>
         </p:nvPicPr>
@@ -8568,657 +9911,6 @@
           </a:ln>
         </p:spPr>
       </p:pic>
-    </p:spTree>
-  </p:cSld>
-  <p:clrMapOvr>
-    <a:masterClrMapping/>
-  </p:clrMapOvr>
-</p:sld>
-</file>
-
-<file path=ppt/slides/slide7.xml><?xml version="1.0" encoding="utf-8"?>
-<p:sld xmlns:a="http://schemas.openxmlformats.org/drawingml/2006/main" xmlns:r="http://schemas.openxmlformats.org/officeDocument/2006/relationships" xmlns:mc="http://schemas.openxmlformats.org/markup-compatibility/2006" xmlns:mv="urn:schemas-microsoft-com:mac:vml" xmlns:p="http://schemas.openxmlformats.org/presentationml/2006/main" xmlns:c="http://schemas.openxmlformats.org/drawingml/2006/chart" xmlns:dgm="http://schemas.openxmlformats.org/drawingml/2006/diagram" xmlns:o="urn:schemas-microsoft-com:office:office" xmlns:v="urn:schemas-microsoft-com:vml" xmlns:pvml="urn:schemas-microsoft-com:office:powerpoint" xmlns:com="http://schemas.openxmlformats.org/drawingml/2006/compatibility" xmlns:p14="http://schemas.microsoft.com/office/powerpoint/2010/main" xmlns:p15="http://schemas.microsoft.com/office/powerpoint/2012/main">
-  <p:cSld>
-    <p:spTree>
-      <p:nvGrpSpPr>
-        <p:cNvPr id="99" name="Shape 99"/>
-        <p:cNvGrpSpPr/>
-        <p:nvPr/>
-      </p:nvGrpSpPr>
-      <p:grpSpPr>
-        <a:xfrm>
-          <a:off x="0" y="0"/>
-          <a:ext cx="0" cy="0"/>
-          <a:chOff x="0" y="0"/>
-          <a:chExt cx="0" cy="0"/>
-        </a:xfrm>
-      </p:grpSpPr>
-      <p:pic>
-        <p:nvPicPr>
-          <p:cNvPr id="100" name="Google Shape;100;p19"/>
-          <p:cNvPicPr preferRelativeResize="0"/>
-          <p:nvPr/>
-        </p:nvPicPr>
-        <p:blipFill>
-          <a:blip r:embed="rId3">
-            <a:alphaModFix/>
-          </a:blip>
-          <a:stretch>
-            <a:fillRect/>
-          </a:stretch>
-        </p:blipFill>
-        <p:spPr>
-          <a:xfrm>
-            <a:off x="546638" y="1065536"/>
-            <a:ext cx="2905125" cy="733425"/>
-          </a:xfrm>
-          <a:prstGeom prst="rect">
-            <a:avLst/>
-          </a:prstGeom>
-          <a:noFill/>
-          <a:ln>
-            <a:noFill/>
-          </a:ln>
-        </p:spPr>
-      </p:pic>
-      <p:sp>
-        <p:nvSpPr>
-          <p:cNvPr id="101" name="Google Shape;101;p19"/>
-          <p:cNvSpPr txBox="1"/>
-          <p:nvPr/>
-        </p:nvSpPr>
-        <p:spPr>
-          <a:xfrm>
-            <a:off x="586650" y="1236074"/>
-            <a:ext cx="335100" cy="491400"/>
-          </a:xfrm>
-          <a:prstGeom prst="rect">
-            <a:avLst/>
-          </a:prstGeom>
-          <a:noFill/>
-          <a:ln>
-            <a:noFill/>
-          </a:ln>
-        </p:spPr>
-        <p:txBody>
-          <a:bodyPr anchorCtr="0" anchor="t" bIns="91425" lIns="91425" spcFirstLastPara="1" rIns="91425" wrap="square" tIns="91425">
-            <a:noAutofit/>
-          </a:bodyPr>
-          <a:lstStyle/>
-          <a:p>
-            <a:pPr indent="0" lvl="0" marL="0" rtl="0" algn="ctr">
-              <a:spcBef>
-                <a:spcPts val="0"/>
-              </a:spcBef>
-              <a:spcAft>
-                <a:spcPts val="0"/>
-              </a:spcAft>
-              <a:buNone/>
-            </a:pPr>
-            <a:r>
-              <a:rPr lang="en">
-                <a:solidFill>
-                  <a:schemeClr val="dk1"/>
-                </a:solidFill>
-              </a:rPr>
-              <a:t>2.</a:t>
-            </a:r>
-            <a:endParaRPr>
-              <a:solidFill>
-                <a:schemeClr val="dk1"/>
-              </a:solidFill>
-            </a:endParaRPr>
-          </a:p>
-        </p:txBody>
-      </p:sp>
-      <p:sp>
-        <p:nvSpPr>
-          <p:cNvPr id="102" name="Google Shape;102;p19"/>
-          <p:cNvSpPr txBox="1"/>
-          <p:nvPr/>
-        </p:nvSpPr>
-        <p:spPr>
-          <a:xfrm>
-            <a:off x="3333175" y="1328799"/>
-            <a:ext cx="3980700" cy="398700"/>
-          </a:xfrm>
-          <a:prstGeom prst="rect">
-            <a:avLst/>
-          </a:prstGeom>
-          <a:noFill/>
-          <a:ln>
-            <a:noFill/>
-          </a:ln>
-        </p:spPr>
-        <p:txBody>
-          <a:bodyPr anchorCtr="0" anchor="t" bIns="91425" lIns="91425" spcFirstLastPara="1" rIns="91425" wrap="square" tIns="91425">
-            <a:noAutofit/>
-          </a:bodyPr>
-          <a:lstStyle/>
-          <a:p>
-            <a:pPr indent="0" lvl="0" marL="0" rtl="0" algn="l">
-              <a:spcBef>
-                <a:spcPts val="0"/>
-              </a:spcBef>
-              <a:spcAft>
-                <a:spcPts val="0"/>
-              </a:spcAft>
-              <a:buNone/>
-            </a:pPr>
-            <a:r>
-              <a:rPr lang="en"/>
-              <a:t>Non-differentiable at (Ypred == Yactual)</a:t>
-            </a:r>
-            <a:endParaRPr/>
-          </a:p>
-        </p:txBody>
-      </p:sp>
-      <p:pic>
-        <p:nvPicPr>
-          <p:cNvPr id="103" name="Google Shape;103;p19"/>
-          <p:cNvPicPr preferRelativeResize="0"/>
-          <p:nvPr/>
-        </p:nvPicPr>
-        <p:blipFill>
-          <a:blip r:embed="rId4">
-            <a:alphaModFix/>
-          </a:blip>
-          <a:stretch>
-            <a:fillRect/>
-          </a:stretch>
-        </p:blipFill>
-        <p:spPr>
-          <a:xfrm>
-            <a:off x="1629925" y="1978575"/>
-            <a:ext cx="4979100" cy="2850250"/>
-          </a:xfrm>
-          <a:prstGeom prst="rect">
-            <a:avLst/>
-          </a:prstGeom>
-          <a:noFill/>
-          <a:ln>
-            <a:noFill/>
-          </a:ln>
-        </p:spPr>
-      </p:pic>
-    </p:spTree>
-  </p:cSld>
-  <p:clrMapOvr>
-    <a:masterClrMapping/>
-  </p:clrMapOvr>
-</p:sld>
-</file>
-
-<file path=ppt/slides/slide8.xml><?xml version="1.0" encoding="utf-8"?>
-<p:sld xmlns:a="http://schemas.openxmlformats.org/drawingml/2006/main" xmlns:r="http://schemas.openxmlformats.org/officeDocument/2006/relationships" xmlns:mc="http://schemas.openxmlformats.org/markup-compatibility/2006" xmlns:mv="urn:schemas-microsoft-com:mac:vml" xmlns:p="http://schemas.openxmlformats.org/presentationml/2006/main" xmlns:c="http://schemas.openxmlformats.org/drawingml/2006/chart" xmlns:dgm="http://schemas.openxmlformats.org/drawingml/2006/diagram" xmlns:o="urn:schemas-microsoft-com:office:office" xmlns:v="urn:schemas-microsoft-com:vml" xmlns:pvml="urn:schemas-microsoft-com:office:powerpoint" xmlns:com="http://schemas.openxmlformats.org/drawingml/2006/compatibility" xmlns:p14="http://schemas.microsoft.com/office/powerpoint/2010/main" xmlns:p15="http://schemas.microsoft.com/office/powerpoint/2012/main">
-  <p:cSld>
-    <p:spTree>
-      <p:nvGrpSpPr>
-        <p:cNvPr id="107" name="Shape 107"/>
-        <p:cNvGrpSpPr/>
-        <p:nvPr/>
-      </p:nvGrpSpPr>
-      <p:grpSpPr>
-        <a:xfrm>
-          <a:off x="0" y="0"/>
-          <a:ext cx="0" cy="0"/>
-          <a:chOff x="0" y="0"/>
-          <a:chExt cx="0" cy="0"/>
-        </a:xfrm>
-      </p:grpSpPr>
-      <p:pic>
-        <p:nvPicPr>
-          <p:cNvPr id="108" name="Google Shape;108;p20"/>
-          <p:cNvPicPr preferRelativeResize="0"/>
-          <p:nvPr/>
-        </p:nvPicPr>
-        <p:blipFill>
-          <a:blip r:embed="rId3">
-            <a:alphaModFix/>
-          </a:blip>
-          <a:stretch>
-            <a:fillRect/>
-          </a:stretch>
-        </p:blipFill>
-        <p:spPr>
-          <a:xfrm>
-            <a:off x="1041550" y="481486"/>
-            <a:ext cx="2657475" cy="790575"/>
-          </a:xfrm>
-          <a:prstGeom prst="rect">
-            <a:avLst/>
-          </a:prstGeom>
-          <a:noFill/>
-          <a:ln>
-            <a:noFill/>
-          </a:ln>
-        </p:spPr>
-      </p:pic>
-      <p:sp>
-        <p:nvSpPr>
-          <p:cNvPr id="109" name="Google Shape;109;p20"/>
-          <p:cNvSpPr txBox="1"/>
-          <p:nvPr/>
-        </p:nvSpPr>
-        <p:spPr>
-          <a:xfrm>
-            <a:off x="928400" y="636599"/>
-            <a:ext cx="336600" cy="572700"/>
-          </a:xfrm>
-          <a:prstGeom prst="rect">
-            <a:avLst/>
-          </a:prstGeom>
-          <a:noFill/>
-          <a:ln>
-            <a:noFill/>
-          </a:ln>
-        </p:spPr>
-        <p:txBody>
-          <a:bodyPr anchorCtr="0" anchor="t" bIns="91425" lIns="91425" spcFirstLastPara="1" rIns="91425" wrap="square" tIns="91425">
-            <a:noAutofit/>
-          </a:bodyPr>
-          <a:lstStyle/>
-          <a:p>
-            <a:pPr indent="0" lvl="0" marL="0" rtl="0" algn="l">
-              <a:spcBef>
-                <a:spcPts val="0"/>
-              </a:spcBef>
-              <a:spcAft>
-                <a:spcPts val="0"/>
-              </a:spcAft>
-              <a:buNone/>
-            </a:pPr>
-            <a:r>
-              <a:rPr lang="en"/>
-              <a:t>3.</a:t>
-            </a:r>
-            <a:endParaRPr/>
-          </a:p>
-        </p:txBody>
-      </p:sp>
-      <p:sp>
-        <p:nvSpPr>
-          <p:cNvPr id="110" name="Google Shape;110;p20"/>
-          <p:cNvSpPr txBox="1"/>
-          <p:nvPr/>
-        </p:nvSpPr>
-        <p:spPr>
-          <a:xfrm>
-            <a:off x="3675675" y="722774"/>
-            <a:ext cx="4258800" cy="448500"/>
-          </a:xfrm>
-          <a:prstGeom prst="rect">
-            <a:avLst/>
-          </a:prstGeom>
-          <a:noFill/>
-          <a:ln>
-            <a:noFill/>
-          </a:ln>
-        </p:spPr>
-        <p:txBody>
-          <a:bodyPr anchorCtr="0" anchor="t" bIns="91425" lIns="91425" spcFirstLastPara="1" rIns="91425" wrap="square" tIns="91425">
-            <a:noAutofit/>
-          </a:bodyPr>
-          <a:lstStyle/>
-          <a:p>
-            <a:pPr indent="0" lvl="0" marL="0" rtl="0" algn="l">
-              <a:spcBef>
-                <a:spcPts val="0"/>
-              </a:spcBef>
-              <a:spcAft>
-                <a:spcPts val="0"/>
-              </a:spcAft>
-              <a:buNone/>
-            </a:pPr>
-            <a:r>
-              <a:rPr lang="en"/>
-              <a:t>Perfect, and this function is Convex in Nature(Helpful)</a:t>
-            </a:r>
-            <a:endParaRPr/>
-          </a:p>
-        </p:txBody>
-      </p:sp>
-      <p:pic>
-        <p:nvPicPr>
-          <p:cNvPr id="111" name="Google Shape;111;p20"/>
-          <p:cNvPicPr preferRelativeResize="0"/>
-          <p:nvPr/>
-        </p:nvPicPr>
-        <p:blipFill>
-          <a:blip r:embed="rId4">
-            <a:alphaModFix/>
-          </a:blip>
-          <a:stretch>
-            <a:fillRect/>
-          </a:stretch>
-        </p:blipFill>
-        <p:spPr>
-          <a:xfrm>
-            <a:off x="1592350" y="1625475"/>
-            <a:ext cx="4977550" cy="3089775"/>
-          </a:xfrm>
-          <a:prstGeom prst="rect">
-            <a:avLst/>
-          </a:prstGeom>
-          <a:noFill/>
-          <a:ln>
-            <a:noFill/>
-          </a:ln>
-        </p:spPr>
-      </p:pic>
-    </p:spTree>
-  </p:cSld>
-  <p:clrMapOvr>
-    <a:masterClrMapping/>
-  </p:clrMapOvr>
-</p:sld>
-</file>
-
-<file path=ppt/slides/slide9.xml><?xml version="1.0" encoding="utf-8"?>
-<p:sld xmlns:a="http://schemas.openxmlformats.org/drawingml/2006/main" xmlns:r="http://schemas.openxmlformats.org/officeDocument/2006/relationships" xmlns:mc="http://schemas.openxmlformats.org/markup-compatibility/2006" xmlns:mv="urn:schemas-microsoft-com:mac:vml" xmlns:p="http://schemas.openxmlformats.org/presentationml/2006/main" xmlns:c="http://schemas.openxmlformats.org/drawingml/2006/chart" xmlns:dgm="http://schemas.openxmlformats.org/drawingml/2006/diagram" xmlns:o="urn:schemas-microsoft-com:office:office" xmlns:v="urn:schemas-microsoft-com:vml" xmlns:pvml="urn:schemas-microsoft-com:office:powerpoint" xmlns:com="http://schemas.openxmlformats.org/drawingml/2006/compatibility" xmlns:p14="http://schemas.microsoft.com/office/powerpoint/2010/main" xmlns:p15="http://schemas.microsoft.com/office/powerpoint/2012/main">
-  <p:cSld>
-    <p:spTree>
-      <p:nvGrpSpPr>
-        <p:cNvPr id="115" name="Shape 115"/>
-        <p:cNvGrpSpPr/>
-        <p:nvPr/>
-      </p:nvGrpSpPr>
-      <p:grpSpPr>
-        <a:xfrm>
-          <a:off x="0" y="0"/>
-          <a:ext cx="0" cy="0"/>
-          <a:chOff x="0" y="0"/>
-          <a:chExt cx="0" cy="0"/>
-        </a:xfrm>
-      </p:grpSpPr>
-      <p:sp>
-        <p:nvSpPr>
-          <p:cNvPr id="116" name="Google Shape;116;p21"/>
-          <p:cNvSpPr txBox="1"/>
-          <p:nvPr>
-            <p:ph type="title"/>
-          </p:nvPr>
-        </p:nvSpPr>
-        <p:spPr>
-          <a:xfrm>
-            <a:off x="256825" y="52975"/>
-            <a:ext cx="8520600" cy="572700"/>
-          </a:xfrm>
-          <a:prstGeom prst="rect">
-            <a:avLst/>
-          </a:prstGeom>
-        </p:spPr>
-        <p:txBody>
-          <a:bodyPr anchorCtr="0" anchor="t" bIns="91425" lIns="91425" spcFirstLastPara="1" rIns="91425" wrap="square" tIns="91425">
-            <a:noAutofit/>
-          </a:bodyPr>
-          <a:lstStyle/>
-          <a:p>
-            <a:pPr indent="0" lvl="0" marL="914400" rtl="0" algn="l">
-              <a:spcBef>
-                <a:spcPts val="0"/>
-              </a:spcBef>
-              <a:spcAft>
-                <a:spcPts val="0"/>
-              </a:spcAft>
-              <a:buClr>
-                <a:schemeClr val="dk1"/>
-              </a:buClr>
-              <a:buSzPts val="1100"/>
-              <a:buFont typeface="Arial"/>
-              <a:buNone/>
-            </a:pPr>
-            <a:r>
-              <a:rPr lang="en"/>
-              <a:t>Goal -   </a:t>
-            </a:r>
-            <a:r>
-              <a:rPr lang="en" u="sng"/>
-              <a:t>Minimizing the Error Function</a:t>
-            </a:r>
-            <a:endParaRPr u="sng"/>
-          </a:p>
-          <a:p>
-            <a:pPr indent="0" lvl="0" marL="914400" rtl="0" algn="l">
-              <a:spcBef>
-                <a:spcPts val="0"/>
-              </a:spcBef>
-              <a:spcAft>
-                <a:spcPts val="0"/>
-              </a:spcAft>
-              <a:buNone/>
-            </a:pPr>
-            <a:r>
-              <a:t/>
-            </a:r>
-            <a:endParaRPr sz="2400" u="sng"/>
-          </a:p>
-        </p:txBody>
-      </p:sp>
-      <p:sp>
-        <p:nvSpPr>
-          <p:cNvPr id="117" name="Google Shape;117;p21"/>
-          <p:cNvSpPr txBox="1"/>
-          <p:nvPr>
-            <p:ph idx="1" type="body"/>
-          </p:nvPr>
-        </p:nvSpPr>
-        <p:spPr>
-          <a:xfrm>
-            <a:off x="311700" y="759675"/>
-            <a:ext cx="8520600" cy="3056400"/>
-          </a:xfrm>
-          <a:prstGeom prst="rect">
-            <a:avLst/>
-          </a:prstGeom>
-        </p:spPr>
-        <p:txBody>
-          <a:bodyPr anchorCtr="0" anchor="t" bIns="91425" lIns="91425" spcFirstLastPara="1" rIns="91425" wrap="square" tIns="91425">
-            <a:noAutofit/>
-          </a:bodyPr>
-          <a:lstStyle/>
-          <a:p>
-            <a:pPr indent="0" lvl="0" marL="0" rtl="0" algn="l">
-              <a:spcBef>
-                <a:spcPts val="0"/>
-              </a:spcBef>
-              <a:spcAft>
-                <a:spcPts val="0"/>
-              </a:spcAft>
-              <a:buNone/>
-            </a:pPr>
-            <a:r>
-              <a:t/>
-            </a:r>
-            <a:endParaRPr i="1" sz="3000"/>
-          </a:p>
-          <a:p>
-            <a:pPr indent="-419100" lvl="0" marL="457200" rtl="0" algn="l">
-              <a:spcBef>
-                <a:spcPts val="1600"/>
-              </a:spcBef>
-              <a:spcAft>
-                <a:spcPts val="0"/>
-              </a:spcAft>
-              <a:buSzPts val="3000"/>
-              <a:buAutoNum type="arabicPeriod"/>
-            </a:pPr>
-            <a:r>
-              <a:rPr i="1" lang="en" sz="3000"/>
-              <a:t> An Iterative method to move toward the minimum point(using Gradient).</a:t>
-            </a:r>
-            <a:endParaRPr i="1" sz="3000"/>
-          </a:p>
-          <a:p>
-            <a:pPr indent="0" lvl="0" marL="457200" rtl="0" algn="l">
-              <a:spcBef>
-                <a:spcPts val="1600"/>
-              </a:spcBef>
-              <a:spcAft>
-                <a:spcPts val="0"/>
-              </a:spcAft>
-              <a:buNone/>
-            </a:pPr>
-            <a:r>
-              <a:t/>
-            </a:r>
-            <a:endParaRPr i="1" sz="3000"/>
-          </a:p>
-          <a:p>
-            <a:pPr indent="-342900" lvl="0" marL="457200" rtl="0" algn="l">
-              <a:spcBef>
-                <a:spcPts val="1600"/>
-              </a:spcBef>
-              <a:spcAft>
-                <a:spcPts val="0"/>
-              </a:spcAft>
-              <a:buSzPts val="1800"/>
-              <a:buAutoNum type="arabicPeriod"/>
-            </a:pPr>
-            <a:r>
-              <a:rPr b="1" lang="en">
-                <a:solidFill>
-                  <a:srgbClr val="222222"/>
-                </a:solidFill>
-                <a:highlight>
-                  <a:srgbClr val="FFFFFF"/>
-                </a:highlight>
-              </a:rPr>
-              <a:t>Gradient descent</a:t>
-            </a:r>
-            <a:r>
-              <a:rPr lang="en">
-                <a:solidFill>
-                  <a:srgbClr val="222222"/>
-                </a:solidFill>
-                <a:highlight>
-                  <a:srgbClr val="FFFFFF"/>
-                </a:highlight>
-              </a:rPr>
-              <a:t> is an optimization algorithm used to minimize some function by iteratively moving in the direction of </a:t>
-            </a:r>
-            <a:r>
-              <a:rPr b="1" lang="en">
-                <a:solidFill>
-                  <a:srgbClr val="222222"/>
-                </a:solidFill>
-                <a:highlight>
-                  <a:srgbClr val="FFFFFF"/>
-                </a:highlight>
-              </a:rPr>
-              <a:t>steepest descent</a:t>
-            </a:r>
-            <a:r>
-              <a:rPr lang="en">
-                <a:solidFill>
-                  <a:srgbClr val="222222"/>
-                </a:solidFill>
-                <a:highlight>
-                  <a:srgbClr val="FFFFFF"/>
-                </a:highlight>
-              </a:rPr>
-              <a:t> as defined by the negative of the </a:t>
-            </a:r>
-            <a:r>
-              <a:rPr b="1" lang="en">
-                <a:solidFill>
-                  <a:srgbClr val="222222"/>
-                </a:solidFill>
-                <a:highlight>
-                  <a:srgbClr val="FFFFFF"/>
-                </a:highlight>
-              </a:rPr>
-              <a:t>gradient</a:t>
-            </a:r>
-            <a:r>
-              <a:rPr lang="en">
-                <a:solidFill>
-                  <a:srgbClr val="222222"/>
-                </a:solidFill>
-                <a:highlight>
-                  <a:srgbClr val="FFFFFF"/>
-                </a:highlight>
-              </a:rPr>
-              <a:t>. In machine learning, we use </a:t>
-            </a:r>
-            <a:r>
-              <a:rPr b="1" lang="en">
-                <a:solidFill>
-                  <a:srgbClr val="222222"/>
-                </a:solidFill>
-                <a:highlight>
-                  <a:srgbClr val="FFFFFF"/>
-                </a:highlight>
-              </a:rPr>
-              <a:t>gradient descent</a:t>
-            </a:r>
-            <a:r>
-              <a:rPr lang="en">
-                <a:solidFill>
-                  <a:srgbClr val="222222"/>
-                </a:solidFill>
-                <a:highlight>
-                  <a:srgbClr val="FFFFFF"/>
-                </a:highlight>
-              </a:rPr>
-              <a:t> to update the parameters of our model.</a:t>
-            </a:r>
-            <a:endParaRPr i="1"/>
-          </a:p>
-        </p:txBody>
-      </p:sp>
-      <p:sp>
-        <p:nvSpPr>
-          <p:cNvPr id="118" name="Google Shape;118;p21"/>
-          <p:cNvSpPr/>
-          <p:nvPr/>
-        </p:nvSpPr>
-        <p:spPr>
-          <a:xfrm>
-            <a:off x="2696750" y="906675"/>
-            <a:ext cx="3238200" cy="447000"/>
-          </a:xfrm>
-          <a:prstGeom prst="roundRect">
-            <a:avLst>
-              <a:gd fmla="val 16667" name="adj"/>
-            </a:avLst>
-          </a:prstGeom>
-          <a:solidFill>
-            <a:schemeClr val="lt2"/>
-          </a:solidFill>
-          <a:ln cap="flat" cmpd="sng" w="9525">
-            <a:solidFill>
-              <a:schemeClr val="dk2"/>
-            </a:solidFill>
-            <a:prstDash val="solid"/>
-            <a:round/>
-            <a:headEnd len="sm" w="sm" type="none"/>
-            <a:tailEnd len="sm" w="sm" type="none"/>
-          </a:ln>
-        </p:spPr>
-        <p:txBody>
-          <a:bodyPr anchorCtr="0" anchor="ctr" bIns="91425" lIns="91425" spcFirstLastPara="1" rIns="91425" wrap="square" tIns="91425">
-            <a:noAutofit/>
-          </a:bodyPr>
-          <a:lstStyle/>
-          <a:p>
-            <a:pPr indent="0" lvl="0" marL="0" rtl="0" algn="l">
-              <a:spcBef>
-                <a:spcPts val="0"/>
-              </a:spcBef>
-              <a:spcAft>
-                <a:spcPts val="0"/>
-              </a:spcAft>
-              <a:buNone/>
-            </a:pPr>
-            <a:r>
-              <a:rPr lang="en" sz="3000"/>
-              <a:t>Gradient Descent</a:t>
-            </a:r>
-            <a:endParaRPr sz="3000"/>
-          </a:p>
-        </p:txBody>
-      </p:sp>
     </p:spTree>
   </p:cSld>
   <p:clrMapOvr>

--- a/Presentation/ML presentation.pptx
+++ b/Presentation/ML presentation.pptx
@@ -1,6 +1,6 @@
 
 <file path=ppt/presentation.xml><?xml version="1.0" encoding="utf-8"?>
-<p:presentation xmlns:a="http://schemas.openxmlformats.org/drawingml/2006/main" xmlns:r="http://schemas.openxmlformats.org/officeDocument/2006/relationships" xmlns:mc="http://schemas.openxmlformats.org/markup-compatibility/2006" xmlns:mv="urn:schemas-microsoft-com:mac:vml" xmlns:p="http://schemas.openxmlformats.org/presentationml/2006/main" xmlns:c="http://schemas.openxmlformats.org/drawingml/2006/chart" xmlns:dgm="http://schemas.openxmlformats.org/drawingml/2006/diagram" xmlns:o="urn:schemas-microsoft-com:office:office" xmlns:v="urn:schemas-microsoft-com:vml" xmlns:pvml="urn:schemas-microsoft-com:office:powerpoint" xmlns:com="http://schemas.openxmlformats.org/drawingml/2006/compatibility" xmlns:p14="http://schemas.microsoft.com/office/powerpoint/2010/main" xmlns:p15="http://schemas.microsoft.com/office/powerpoint/2012/main" autoCompressPictures="0" strictFirstAndLastChars="0" saveSubsetFonts="1">
+<p:presentation xmlns:a="http://schemas.openxmlformats.org/drawingml/2006/main" xmlns:r="http://schemas.openxmlformats.org/officeDocument/2006/relationships" xmlns:mc="http://schemas.openxmlformats.org/markup-compatibility/2006" xmlns:mv="urn:schemas-microsoft-com:mac:vml" xmlns:p="http://schemas.openxmlformats.org/presentationml/2006/main" xmlns:c="http://schemas.openxmlformats.org/drawingml/2006/chart" xmlns:dgm="http://schemas.openxmlformats.org/drawingml/2006/diagram" xmlns:o="urn:schemas-microsoft-com:office:office" xmlns:v="urn:schemas-microsoft-com:vml" xmlns:pvml="urn:schemas-microsoft-com:office:powerpoint" xmlns:com="http://schemas.openxmlformats.org/drawingml/2006/compatibility" xmlns:p14="http://schemas.microsoft.com/office/powerpoint/2010/main" xmlns:p15="http://schemas.microsoft.com/office/powerpoint/2012/main" autoCompressPictures="0" embedTrueTypeFonts="1" strictFirstAndLastChars="0" saveSubsetFonts="1">
   <p:sldMasterIdLst>
     <p:sldMasterId id="2147483659" r:id="rId5"/>
   </p:sldMasterIdLst>
@@ -24,9 +24,24 @@
     <p:sldId id="269" r:id="rId20"/>
     <p:sldId id="270" r:id="rId21"/>
     <p:sldId id="271" r:id="rId22"/>
+    <p:sldId id="272" r:id="rId23"/>
   </p:sldIdLst>
   <p:sldSz cy="5143500" cx="9144000"/>
   <p:notesSz cx="6858000" cy="9144000"/>
+  <p:embeddedFontLst>
+    <p:embeddedFont>
+      <p:font typeface="PT Sans Narrow"/>
+      <p:regular r:id="rId24"/>
+      <p:bold r:id="rId25"/>
+    </p:embeddedFont>
+    <p:embeddedFont>
+      <p:font typeface="Open Sans"/>
+      <p:regular r:id="rId26"/>
+      <p:bold r:id="rId27"/>
+      <p:italic r:id="rId28"/>
+      <p:boldItalic r:id="rId29"/>
+    </p:embeddedFont>
+  </p:embeddedFontLst>
   <p:defaultTextStyle>
     <a:defPPr lvl="0" marR="0" rtl="0" algn="l">
       <a:lnSpc>
@@ -704,7 +719,7 @@
   <p:cSld>
     <p:spTree>
       <p:nvGrpSpPr>
-        <p:cNvPr id="50" name="Shape 50"/>
+        <p:cNvPr id="62" name="Shape 62"/>
         <p:cNvGrpSpPr/>
         <p:nvPr/>
       </p:nvGrpSpPr>
@@ -718,7 +733,7 @@
       </p:grpSpPr>
       <p:sp>
         <p:nvSpPr>
-          <p:cNvPr id="51" name="Google Shape;51;p:notes"/>
+          <p:cNvPr id="63" name="Google Shape;63;p:notes"/>
           <p:cNvSpPr/>
           <p:nvPr>
             <p:ph idx="2" type="sldImg"/>
@@ -753,7 +768,7 @@
       </p:sp>
       <p:sp>
         <p:nvSpPr>
-          <p:cNvPr id="52" name="Google Shape;52;p:notes"/>
+          <p:cNvPr id="64" name="Google Shape;64;p:notes"/>
           <p:cNvSpPr txBox="1"/>
           <p:nvPr>
             <p:ph idx="1" type="body"/>
@@ -803,7 +818,7 @@
   <p:cSld>
     <p:spTree>
       <p:nvGrpSpPr>
-        <p:cNvPr id="112" name="Shape 112"/>
+        <p:cNvPr id="124" name="Shape 124"/>
         <p:cNvGrpSpPr/>
         <p:nvPr/>
       </p:nvGrpSpPr>
@@ -817,7 +832,7 @@
       </p:grpSpPr>
       <p:sp>
         <p:nvSpPr>
-          <p:cNvPr id="113" name="Google Shape;113;g5481918ad6_0_2:notes"/>
+          <p:cNvPr id="125" name="Google Shape;125;g5481918ad6_0_2:notes"/>
           <p:cNvSpPr/>
           <p:nvPr>
             <p:ph idx="2" type="sldImg"/>
@@ -852,7 +867,7 @@
       </p:sp>
       <p:sp>
         <p:nvSpPr>
-          <p:cNvPr id="114" name="Google Shape;114;g5481918ad6_0_2:notes"/>
+          <p:cNvPr id="126" name="Google Shape;126;g5481918ad6_0_2:notes"/>
           <p:cNvSpPr txBox="1"/>
           <p:nvPr>
             <p:ph idx="1" type="body"/>
@@ -902,7 +917,7 @@
   <p:cSld>
     <p:spTree>
       <p:nvGrpSpPr>
-        <p:cNvPr id="120" name="Shape 120"/>
+        <p:cNvPr id="132" name="Shape 132"/>
         <p:cNvGrpSpPr/>
         <p:nvPr/>
       </p:nvGrpSpPr>
@@ -916,7 +931,7 @@
       </p:grpSpPr>
       <p:sp>
         <p:nvSpPr>
-          <p:cNvPr id="121" name="Google Shape;121;g5481918ad6_0_7:notes"/>
+          <p:cNvPr id="133" name="Google Shape;133;g5481918ad6_0_7:notes"/>
           <p:cNvSpPr/>
           <p:nvPr>
             <p:ph idx="2" type="sldImg"/>
@@ -951,7 +966,7 @@
       </p:sp>
       <p:sp>
         <p:nvSpPr>
-          <p:cNvPr id="122" name="Google Shape;122;g5481918ad6_0_7:notes"/>
+          <p:cNvPr id="134" name="Google Shape;134;g5481918ad6_0_7:notes"/>
           <p:cNvSpPr txBox="1"/>
           <p:nvPr>
             <p:ph idx="1" type="body"/>
@@ -1001,7 +1016,7 @@
   <p:cSld>
     <p:spTree>
       <p:nvGrpSpPr>
-        <p:cNvPr id="128" name="Shape 128"/>
+        <p:cNvPr id="140" name="Shape 140"/>
         <p:cNvGrpSpPr/>
         <p:nvPr/>
       </p:nvGrpSpPr>
@@ -1015,7 +1030,7 @@
       </p:grpSpPr>
       <p:sp>
         <p:nvSpPr>
-          <p:cNvPr id="129" name="Google Shape;129;g522535f220_0_0:notes"/>
+          <p:cNvPr id="141" name="Google Shape;141;g522535f220_0_0:notes"/>
           <p:cNvSpPr/>
           <p:nvPr>
             <p:ph idx="2" type="sldImg"/>
@@ -1050,7 +1065,7 @@
       </p:sp>
       <p:sp>
         <p:nvSpPr>
-          <p:cNvPr id="130" name="Google Shape;130;g522535f220_0_0:notes"/>
+          <p:cNvPr id="142" name="Google Shape;142;g522535f220_0_0:notes"/>
           <p:cNvSpPr txBox="1"/>
           <p:nvPr>
             <p:ph idx="1" type="body"/>
@@ -1100,7 +1115,7 @@
   <p:cSld>
     <p:spTree>
       <p:nvGrpSpPr>
-        <p:cNvPr id="135" name="Shape 135"/>
+        <p:cNvPr id="147" name="Shape 147"/>
         <p:cNvGrpSpPr/>
         <p:nvPr/>
       </p:nvGrpSpPr>
@@ -1114,7 +1129,7 @@
       </p:grpSpPr>
       <p:sp>
         <p:nvSpPr>
-          <p:cNvPr id="136" name="Google Shape;136;g5481918ad6_0_27:notes"/>
+          <p:cNvPr id="148" name="Google Shape;148;g5497ca08af_0_257:notes"/>
           <p:cNvSpPr/>
           <p:nvPr>
             <p:ph idx="2" type="sldImg"/>
@@ -1149,7 +1164,7 @@
       </p:sp>
       <p:sp>
         <p:nvSpPr>
-          <p:cNvPr id="137" name="Google Shape;137;g5481918ad6_0_27:notes"/>
+          <p:cNvPr id="149" name="Google Shape;149;g5497ca08af_0_257:notes"/>
           <p:cNvSpPr txBox="1"/>
           <p:nvPr>
             <p:ph idx="1" type="body"/>
@@ -1199,7 +1214,7 @@
   <p:cSld>
     <p:spTree>
       <p:nvGrpSpPr>
-        <p:cNvPr id="140" name="Shape 140"/>
+        <p:cNvPr id="153" name="Shape 153"/>
         <p:cNvGrpSpPr/>
         <p:nvPr/>
       </p:nvGrpSpPr>
@@ -1213,7 +1228,7 @@
       </p:grpSpPr>
       <p:sp>
         <p:nvSpPr>
-          <p:cNvPr id="141" name="Google Shape;141;g522535f220_0_5:notes"/>
+          <p:cNvPr id="154" name="Google Shape;154;g522535f220_0_5:notes"/>
           <p:cNvSpPr/>
           <p:nvPr>
             <p:ph idx="2" type="sldImg"/>
@@ -1248,7 +1263,7 @@
       </p:sp>
       <p:sp>
         <p:nvSpPr>
-          <p:cNvPr id="142" name="Google Shape;142;g522535f220_0_5:notes"/>
+          <p:cNvPr id="155" name="Google Shape;155;g522535f220_0_5:notes"/>
           <p:cNvSpPr txBox="1"/>
           <p:nvPr>
             <p:ph idx="1" type="body"/>
@@ -1298,7 +1313,7 @@
   <p:cSld>
     <p:spTree>
       <p:nvGrpSpPr>
-        <p:cNvPr id="147" name="Shape 147"/>
+        <p:cNvPr id="160" name="Shape 160"/>
         <p:cNvGrpSpPr/>
         <p:nvPr/>
       </p:nvGrpSpPr>
@@ -1312,7 +1327,7 @@
       </p:grpSpPr>
       <p:sp>
         <p:nvSpPr>
-          <p:cNvPr id="148" name="Google Shape;148;g5481918ad6_0_33:notes"/>
+          <p:cNvPr id="161" name="Google Shape;161;g5497ca08af_0_263:notes"/>
           <p:cNvSpPr/>
           <p:nvPr>
             <p:ph idx="2" type="sldImg"/>
@@ -1347,7 +1362,7 @@
       </p:sp>
       <p:sp>
         <p:nvSpPr>
-          <p:cNvPr id="149" name="Google Shape;149;g5481918ad6_0_33:notes"/>
+          <p:cNvPr id="162" name="Google Shape;162;g5497ca08af_0_263:notes"/>
           <p:cNvSpPr txBox="1"/>
           <p:nvPr>
             <p:ph idx="1" type="body"/>
@@ -1397,7 +1412,7 @@
   <p:cSld>
     <p:spTree>
       <p:nvGrpSpPr>
-        <p:cNvPr id="153" name="Shape 153"/>
+        <p:cNvPr id="166" name="Shape 166"/>
         <p:cNvGrpSpPr/>
         <p:nvPr/>
       </p:nvGrpSpPr>
@@ -1411,7 +1426,7 @@
       </p:grpSpPr>
       <p:sp>
         <p:nvSpPr>
-          <p:cNvPr id="154" name="Google Shape;154;g522535f220_0_47:notes"/>
+          <p:cNvPr id="167" name="Google Shape;167;g5481918ad6_0_33:notes"/>
           <p:cNvSpPr/>
           <p:nvPr>
             <p:ph idx="2" type="sldImg"/>
@@ -1446,7 +1461,106 @@
       </p:sp>
       <p:sp>
         <p:nvSpPr>
-          <p:cNvPr id="155" name="Google Shape;155;g522535f220_0_47:notes"/>
+          <p:cNvPr id="168" name="Google Shape;168;g5481918ad6_0_33:notes"/>
+          <p:cNvSpPr txBox="1"/>
+          <p:nvPr>
+            <p:ph idx="1" type="body"/>
+          </p:nvPr>
+        </p:nvSpPr>
+        <p:spPr>
+          <a:xfrm>
+            <a:off x="685800" y="4343400"/>
+            <a:ext cx="5486400" cy="4114800"/>
+          </a:xfrm>
+          <a:prstGeom prst="rect">
+            <a:avLst/>
+          </a:prstGeom>
+        </p:spPr>
+        <p:txBody>
+          <a:bodyPr anchorCtr="0" anchor="t" bIns="91425" lIns="91425" spcFirstLastPara="1" rIns="91425" wrap="square" tIns="91425">
+            <a:noAutofit/>
+          </a:bodyPr>
+          <a:lstStyle/>
+          <a:p>
+            <a:pPr indent="0" lvl="0" marL="0" rtl="0" algn="l">
+              <a:spcBef>
+                <a:spcPts val="0"/>
+              </a:spcBef>
+              <a:spcAft>
+                <a:spcPts val="0"/>
+              </a:spcAft>
+              <a:buNone/>
+            </a:pPr>
+            <a:r>
+              <a:t/>
+            </a:r>
+            <a:endParaRPr/>
+          </a:p>
+        </p:txBody>
+      </p:sp>
+    </p:spTree>
+  </p:cSld>
+  <p:clrMapOvr>
+    <a:masterClrMapping/>
+  </p:clrMapOvr>
+</p:notes>
+</file>
+
+<file path=ppt/notesSlides/notesSlide17.xml><?xml version="1.0" encoding="utf-8"?>
+<p:notes xmlns:a="http://schemas.openxmlformats.org/drawingml/2006/main" xmlns:r="http://schemas.openxmlformats.org/officeDocument/2006/relationships" xmlns:mc="http://schemas.openxmlformats.org/markup-compatibility/2006" xmlns:mv="urn:schemas-microsoft-com:mac:vml" xmlns:p="http://schemas.openxmlformats.org/presentationml/2006/main" xmlns:c="http://schemas.openxmlformats.org/drawingml/2006/chart" xmlns:dgm="http://schemas.openxmlformats.org/drawingml/2006/diagram" xmlns:o="urn:schemas-microsoft-com:office:office" xmlns:v="urn:schemas-microsoft-com:vml" xmlns:pvml="urn:schemas-microsoft-com:office:powerpoint" xmlns:com="http://schemas.openxmlformats.org/drawingml/2006/compatibility" xmlns:p14="http://schemas.microsoft.com/office/powerpoint/2010/main" xmlns:p15="http://schemas.microsoft.com/office/powerpoint/2012/main" showMasterPhAnim="0" showMasterSp="0">
+  <p:cSld>
+    <p:spTree>
+      <p:nvGrpSpPr>
+        <p:cNvPr id="172" name="Shape 172"/>
+        <p:cNvGrpSpPr/>
+        <p:nvPr/>
+      </p:nvGrpSpPr>
+      <p:grpSpPr>
+        <a:xfrm>
+          <a:off x="0" y="0"/>
+          <a:ext cx="0" cy="0"/>
+          <a:chOff x="0" y="0"/>
+          <a:chExt cx="0" cy="0"/>
+        </a:xfrm>
+      </p:grpSpPr>
+      <p:sp>
+        <p:nvSpPr>
+          <p:cNvPr id="173" name="Google Shape;173;g5497ca08af_0_270:notes"/>
+          <p:cNvSpPr/>
+          <p:nvPr>
+            <p:ph idx="2" type="sldImg"/>
+          </p:nvPr>
+        </p:nvSpPr>
+        <p:spPr>
+          <a:xfrm>
+            <a:off x="381300" y="685800"/>
+            <a:ext cx="6096000" cy="3429000"/>
+          </a:xfrm>
+          <a:custGeom>
+            <a:rect b="b" l="l" r="r" t="t"/>
+            <a:pathLst>
+              <a:path extrusionOk="0" h="120000" w="120000">
+                <a:moveTo>
+                  <a:pt x="0" y="0"/>
+                </a:moveTo>
+                <a:lnTo>
+                  <a:pt x="120000" y="0"/>
+                </a:lnTo>
+                <a:lnTo>
+                  <a:pt x="120000" y="120000"/>
+                </a:lnTo>
+                <a:lnTo>
+                  <a:pt x="0" y="120000"/>
+                </a:lnTo>
+                <a:close/>
+              </a:path>
+            </a:pathLst>
+          </a:custGeom>
+        </p:spPr>
+      </p:sp>
+      <p:sp>
+        <p:nvSpPr>
+          <p:cNvPr id="174" name="Google Shape;174;g5497ca08af_0_270:notes"/>
           <p:cNvSpPr txBox="1"/>
           <p:nvPr>
             <p:ph idx="1" type="body"/>
@@ -1496,7 +1610,7 @@
   <p:cSld>
     <p:spTree>
       <p:nvGrpSpPr>
-        <p:cNvPr id="56" name="Shape 56"/>
+        <p:cNvPr id="68" name="Shape 68"/>
         <p:cNvGrpSpPr/>
         <p:nvPr/>
       </p:nvGrpSpPr>
@@ -1510,7 +1624,7 @@
       </p:grpSpPr>
       <p:sp>
         <p:nvSpPr>
-          <p:cNvPr id="57" name="Google Shape;57;g550eaba5de_0_0:notes"/>
+          <p:cNvPr id="69" name="Google Shape;69;g550eaba5de_0_0:notes"/>
           <p:cNvSpPr/>
           <p:nvPr>
             <p:ph idx="2" type="sldImg"/>
@@ -1545,7 +1659,7 @@
       </p:sp>
       <p:sp>
         <p:nvSpPr>
-          <p:cNvPr id="58" name="Google Shape;58;g550eaba5de_0_0:notes"/>
+          <p:cNvPr id="70" name="Google Shape;70;g550eaba5de_0_0:notes"/>
           <p:cNvSpPr txBox="1"/>
           <p:nvPr>
             <p:ph idx="1" type="body"/>
@@ -1595,7 +1709,7 @@
   <p:cSld>
     <p:spTree>
       <p:nvGrpSpPr>
-        <p:cNvPr id="64" name="Shape 64"/>
+        <p:cNvPr id="73" name="Shape 73"/>
         <p:cNvGrpSpPr/>
         <p:nvPr/>
       </p:nvGrpSpPr>
@@ -1609,7 +1723,7 @@
       </p:grpSpPr>
       <p:sp>
         <p:nvSpPr>
-          <p:cNvPr id="65" name="Google Shape;65;g4d1cf96a17_0_0:notes"/>
+          <p:cNvPr id="74" name="Google Shape;74;g4d1cf96a17_0_0:notes"/>
           <p:cNvSpPr/>
           <p:nvPr>
             <p:ph idx="2" type="sldImg"/>
@@ -1644,7 +1758,7 @@
       </p:sp>
       <p:sp>
         <p:nvSpPr>
-          <p:cNvPr id="66" name="Google Shape;66;g4d1cf96a17_0_0:notes"/>
+          <p:cNvPr id="75" name="Google Shape;75;g4d1cf96a17_0_0:notes"/>
           <p:cNvSpPr txBox="1"/>
           <p:nvPr>
             <p:ph idx="1" type="body"/>
@@ -1694,7 +1808,7 @@
   <p:cSld>
     <p:spTree>
       <p:nvGrpSpPr>
-        <p:cNvPr id="74" name="Shape 74"/>
+        <p:cNvPr id="82" name="Shape 82"/>
         <p:cNvGrpSpPr/>
         <p:nvPr/>
       </p:nvGrpSpPr>
@@ -1708,7 +1822,7 @@
       </p:grpSpPr>
       <p:sp>
         <p:nvSpPr>
-          <p:cNvPr id="75" name="Google Shape;75;g4d1cf96a17_0_18:notes"/>
+          <p:cNvPr id="83" name="Google Shape;83;g4d1cf96a17_0_18:notes"/>
           <p:cNvSpPr/>
           <p:nvPr>
             <p:ph idx="2" type="sldImg"/>
@@ -1743,7 +1857,7 @@
       </p:sp>
       <p:sp>
         <p:nvSpPr>
-          <p:cNvPr id="76" name="Google Shape;76;g4d1cf96a17_0_18:notes"/>
+          <p:cNvPr id="84" name="Google Shape;84;g4d1cf96a17_0_18:notes"/>
           <p:cNvSpPr txBox="1"/>
           <p:nvPr>
             <p:ph idx="1" type="body"/>
@@ -1793,7 +1907,7 @@
   <p:cSld>
     <p:spTree>
       <p:nvGrpSpPr>
-        <p:cNvPr id="80" name="Shape 80"/>
+        <p:cNvPr id="88" name="Shape 88"/>
         <p:cNvGrpSpPr/>
         <p:nvPr/>
       </p:nvGrpSpPr>
@@ -1807,7 +1921,7 @@
       </p:grpSpPr>
       <p:sp>
         <p:nvSpPr>
-          <p:cNvPr id="81" name="Google Shape;81;g5481918ad6_2_8:notes"/>
+          <p:cNvPr id="89" name="Google Shape;89;g5497ca08af_0_63:notes"/>
           <p:cNvSpPr/>
           <p:nvPr>
             <p:ph idx="2" type="sldImg"/>
@@ -1842,7 +1956,7 @@
       </p:sp>
       <p:sp>
         <p:nvSpPr>
-          <p:cNvPr id="82" name="Google Shape;82;g5481918ad6_2_8:notes"/>
+          <p:cNvPr id="90" name="Google Shape;90;g5497ca08af_0_63:notes"/>
           <p:cNvSpPr txBox="1"/>
           <p:nvPr>
             <p:ph idx="1" type="body"/>
@@ -1892,7 +2006,7 @@
   <p:cSld>
     <p:spTree>
       <p:nvGrpSpPr>
-        <p:cNvPr id="85" name="Shape 85"/>
+        <p:cNvPr id="94" name="Shape 94"/>
         <p:cNvGrpSpPr/>
         <p:nvPr/>
       </p:nvGrpSpPr>
@@ -1906,7 +2020,7 @@
       </p:grpSpPr>
       <p:sp>
         <p:nvSpPr>
-          <p:cNvPr id="86" name="Google Shape;86;g5481918ad6_2_14:notes"/>
+          <p:cNvPr id="95" name="Google Shape;95;g5497ca08af_0_127:notes"/>
           <p:cNvSpPr/>
           <p:nvPr>
             <p:ph idx="2" type="sldImg"/>
@@ -1941,7 +2055,7 @@
       </p:sp>
       <p:sp>
         <p:nvSpPr>
-          <p:cNvPr id="87" name="Google Shape;87;g5481918ad6_2_14:notes"/>
+          <p:cNvPr id="96" name="Google Shape;96;g5497ca08af_0_127:notes"/>
           <p:cNvSpPr txBox="1"/>
           <p:nvPr>
             <p:ph idx="1" type="body"/>
@@ -1991,7 +2105,7 @@
   <p:cSld>
     <p:spTree>
       <p:nvGrpSpPr>
-        <p:cNvPr id="90" name="Shape 90"/>
+        <p:cNvPr id="100" name="Shape 100"/>
         <p:cNvGrpSpPr/>
         <p:nvPr/>
       </p:nvGrpSpPr>
@@ -2005,7 +2119,7 @@
       </p:grpSpPr>
       <p:sp>
         <p:nvSpPr>
-          <p:cNvPr id="91" name="Google Shape;91;g5481918ad6_2_0:notes"/>
+          <p:cNvPr id="101" name="Google Shape;101;g5497ca08af_0_250:notes"/>
           <p:cNvSpPr/>
           <p:nvPr>
             <p:ph idx="2" type="sldImg"/>
@@ -2040,7 +2154,7 @@
       </p:sp>
       <p:sp>
         <p:nvSpPr>
-          <p:cNvPr id="92" name="Google Shape;92;g5481918ad6_2_0:notes"/>
+          <p:cNvPr id="102" name="Google Shape;102;g5497ca08af_0_250:notes"/>
           <p:cNvSpPr txBox="1"/>
           <p:nvPr>
             <p:ph idx="1" type="body"/>
@@ -2090,7 +2204,7 @@
   <p:cSld>
     <p:spTree>
       <p:nvGrpSpPr>
-        <p:cNvPr id="95" name="Shape 95"/>
+        <p:cNvPr id="107" name="Shape 107"/>
         <p:cNvGrpSpPr/>
         <p:nvPr/>
       </p:nvGrpSpPr>
@@ -2104,7 +2218,7 @@
       </p:grpSpPr>
       <p:sp>
         <p:nvSpPr>
-          <p:cNvPr id="96" name="Google Shape;96;g522535f220_0_10:notes"/>
+          <p:cNvPr id="108" name="Google Shape;108;g522535f220_0_10:notes"/>
           <p:cNvSpPr/>
           <p:nvPr>
             <p:ph idx="2" type="sldImg"/>
@@ -2139,7 +2253,7 @@
       </p:sp>
       <p:sp>
         <p:nvSpPr>
-          <p:cNvPr id="97" name="Google Shape;97;g522535f220_0_10:notes"/>
+          <p:cNvPr id="109" name="Google Shape;109;g522535f220_0_10:notes"/>
           <p:cNvSpPr txBox="1"/>
           <p:nvPr>
             <p:ph idx="1" type="body"/>
@@ -2189,7 +2303,7 @@
   <p:cSld>
     <p:spTree>
       <p:nvGrpSpPr>
-        <p:cNvPr id="102" name="Shape 102"/>
+        <p:cNvPr id="114" name="Shape 114"/>
         <p:cNvGrpSpPr/>
         <p:nvPr/>
       </p:nvGrpSpPr>
@@ -2203,7 +2317,7 @@
       </p:grpSpPr>
       <p:sp>
         <p:nvSpPr>
-          <p:cNvPr id="103" name="Google Shape;103;g522535f220_0_23:notes"/>
+          <p:cNvPr id="115" name="Google Shape;115;g522535f220_0_23:notes"/>
           <p:cNvSpPr/>
           <p:nvPr>
             <p:ph idx="2" type="sldImg"/>
@@ -2238,7 +2352,7 @@
       </p:sp>
       <p:sp>
         <p:nvSpPr>
-          <p:cNvPr id="104" name="Google Shape;104;g522535f220_0_23:notes"/>
+          <p:cNvPr id="116" name="Google Shape;116;g522535f220_0_23:notes"/>
           <p:cNvSpPr txBox="1"/>
           <p:nvPr>
             <p:ph idx="1" type="body"/>
@@ -2300,9 +2414,195 @@
           <a:chExt cx="0" cy="0"/>
         </a:xfrm>
       </p:grpSpPr>
+      <p:cxnSp>
+        <p:nvCxnSpPr>
+          <p:cNvPr id="10" name="Google Shape;10;p2"/>
+          <p:cNvCxnSpPr/>
+          <p:nvPr/>
+        </p:nvCxnSpPr>
+        <p:spPr>
+          <a:xfrm>
+            <a:off x="7007735" y="3176888"/>
+            <a:ext cx="562200" cy="0"/>
+          </a:xfrm>
+          <a:prstGeom prst="straightConnector1">
+            <a:avLst/>
+          </a:prstGeom>
+          <a:noFill/>
+          <a:ln cap="flat" cmpd="sng" w="76200">
+            <a:solidFill>
+              <a:schemeClr val="lt2"/>
+            </a:solidFill>
+            <a:prstDash val="solid"/>
+            <a:round/>
+            <a:headEnd len="sm" w="sm" type="none"/>
+            <a:tailEnd len="sm" w="sm" type="none"/>
+          </a:ln>
+        </p:spPr>
+      </p:cxnSp>
+      <p:cxnSp>
+        <p:nvCxnSpPr>
+          <p:cNvPr id="11" name="Google Shape;11;p2"/>
+          <p:cNvCxnSpPr/>
+          <p:nvPr/>
+        </p:nvCxnSpPr>
+        <p:spPr>
+          <a:xfrm>
+            <a:off x="1575035" y="3158252"/>
+            <a:ext cx="562200" cy="0"/>
+          </a:xfrm>
+          <a:prstGeom prst="straightConnector1">
+            <a:avLst/>
+          </a:prstGeom>
+          <a:noFill/>
+          <a:ln cap="flat" cmpd="sng" w="76200">
+            <a:solidFill>
+              <a:schemeClr val="lt2"/>
+            </a:solidFill>
+            <a:prstDash val="solid"/>
+            <a:round/>
+            <a:headEnd len="sm" w="sm" type="none"/>
+            <a:tailEnd len="sm" w="sm" type="none"/>
+          </a:ln>
+        </p:spPr>
+      </p:cxnSp>
+      <p:grpSp>
+        <p:nvGrpSpPr>
+          <p:cNvPr id="12" name="Google Shape;12;p2"/>
+          <p:cNvGrpSpPr/>
+          <p:nvPr/>
+        </p:nvGrpSpPr>
+        <p:grpSpPr>
+          <a:xfrm>
+            <a:off x="1004144" y="1022025"/>
+            <a:ext cx="7136668" cy="152400"/>
+            <a:chOff x="1346429" y="1011300"/>
+            <a:chExt cx="6452100" cy="152400"/>
+          </a:xfrm>
+        </p:grpSpPr>
+        <p:cxnSp>
+          <p:nvCxnSpPr>
+            <p:cNvPr id="13" name="Google Shape;13;p2"/>
+            <p:cNvCxnSpPr/>
+            <p:nvPr/>
+          </p:nvCxnSpPr>
+          <p:spPr>
+            <a:xfrm rot="10800000">
+              <a:off x="1346429" y="1011300"/>
+              <a:ext cx="6452100" cy="0"/>
+            </a:xfrm>
+            <a:prstGeom prst="straightConnector1">
+              <a:avLst/>
+            </a:prstGeom>
+            <a:noFill/>
+            <a:ln cap="flat" cmpd="sng" w="76200">
+              <a:solidFill>
+                <a:schemeClr val="accent3"/>
+              </a:solidFill>
+              <a:prstDash val="solid"/>
+              <a:round/>
+              <a:headEnd len="sm" w="sm" type="none"/>
+              <a:tailEnd len="sm" w="sm" type="none"/>
+            </a:ln>
+          </p:spPr>
+        </p:cxnSp>
+        <p:cxnSp>
+          <p:nvCxnSpPr>
+            <p:cNvPr id="14" name="Google Shape;14;p2"/>
+            <p:cNvCxnSpPr/>
+            <p:nvPr/>
+          </p:nvCxnSpPr>
+          <p:spPr>
+            <a:xfrm rot="10800000">
+              <a:off x="1346429" y="1163700"/>
+              <a:ext cx="6452100" cy="0"/>
+            </a:xfrm>
+            <a:prstGeom prst="straightConnector1">
+              <a:avLst/>
+            </a:prstGeom>
+            <a:noFill/>
+            <a:ln cap="flat" cmpd="sng" w="9525">
+              <a:solidFill>
+                <a:schemeClr val="accent3"/>
+              </a:solidFill>
+              <a:prstDash val="solid"/>
+              <a:round/>
+              <a:headEnd len="sm" w="sm" type="none"/>
+              <a:tailEnd len="sm" w="sm" type="none"/>
+            </a:ln>
+          </p:spPr>
+        </p:cxnSp>
+      </p:grpSp>
+      <p:grpSp>
+        <p:nvGrpSpPr>
+          <p:cNvPr id="15" name="Google Shape;15;p2"/>
+          <p:cNvGrpSpPr/>
+          <p:nvPr/>
+        </p:nvGrpSpPr>
+        <p:grpSpPr>
+          <a:xfrm>
+            <a:off x="1004151" y="3969100"/>
+            <a:ext cx="7136668" cy="152400"/>
+            <a:chOff x="1346435" y="3969088"/>
+            <a:chExt cx="6452100" cy="152400"/>
+          </a:xfrm>
+        </p:grpSpPr>
+        <p:cxnSp>
+          <p:nvCxnSpPr>
+            <p:cNvPr id="16" name="Google Shape;16;p2"/>
+            <p:cNvCxnSpPr/>
+            <p:nvPr/>
+          </p:nvCxnSpPr>
+          <p:spPr>
+            <a:xfrm>
+              <a:off x="1346435" y="4121488"/>
+              <a:ext cx="6452100" cy="0"/>
+            </a:xfrm>
+            <a:prstGeom prst="straightConnector1">
+              <a:avLst/>
+            </a:prstGeom>
+            <a:noFill/>
+            <a:ln cap="flat" cmpd="sng" w="76200">
+              <a:solidFill>
+                <a:schemeClr val="accent3"/>
+              </a:solidFill>
+              <a:prstDash val="solid"/>
+              <a:round/>
+              <a:headEnd len="sm" w="sm" type="none"/>
+              <a:tailEnd len="sm" w="sm" type="none"/>
+            </a:ln>
+          </p:spPr>
+        </p:cxnSp>
+        <p:cxnSp>
+          <p:nvCxnSpPr>
+            <p:cNvPr id="17" name="Google Shape;17;p2"/>
+            <p:cNvCxnSpPr/>
+            <p:nvPr/>
+          </p:nvCxnSpPr>
+          <p:spPr>
+            <a:xfrm>
+              <a:off x="1346435" y="3969088"/>
+              <a:ext cx="6452100" cy="0"/>
+            </a:xfrm>
+            <a:prstGeom prst="straightConnector1">
+              <a:avLst/>
+            </a:prstGeom>
+            <a:noFill/>
+            <a:ln cap="flat" cmpd="sng" w="9525">
+              <a:solidFill>
+                <a:schemeClr val="accent3"/>
+              </a:solidFill>
+              <a:prstDash val="solid"/>
+              <a:round/>
+              <a:headEnd len="sm" w="sm" type="none"/>
+              <a:tailEnd len="sm" w="sm" type="none"/>
+            </a:ln>
+          </p:spPr>
+        </p:cxnSp>
+      </p:grpSp>
       <p:sp>
         <p:nvSpPr>
-          <p:cNvPr id="10" name="Google Shape;10;p2"/>
+          <p:cNvPr id="18" name="Google Shape;18;p2"/>
           <p:cNvSpPr txBox="1"/>
           <p:nvPr>
             <p:ph type="ctrTitle"/>
@@ -2310,8 +2610,8 @@
         </p:nvSpPr>
         <p:spPr>
           <a:xfrm>
-            <a:off x="311708" y="744575"/>
-            <a:ext cx="8520600" cy="2052600"/>
+            <a:off x="1004150" y="1751764"/>
+            <a:ext cx="7136700" cy="1022400"/>
           </a:xfrm>
           <a:prstGeom prst="rect">
             <a:avLst/>
@@ -2327,9 +2627,9 @@
               <a:spcAft>
                 <a:spcPts val="0"/>
               </a:spcAft>
-              <a:buSzPts val="5200"/>
-              <a:buNone/>
-              <a:defRPr sz="5200"/>
+              <a:buSzPts val="5400"/>
+              <a:buNone/>
+              <a:defRPr sz="5400"/>
             </a:lvl1pPr>
             <a:lvl2pPr lvl="1" algn="ctr">
               <a:spcBef>
@@ -2338,9 +2638,9 @@
               <a:spcAft>
                 <a:spcPts val="0"/>
               </a:spcAft>
-              <a:buSzPts val="5200"/>
-              <a:buNone/>
-              <a:defRPr sz="5200"/>
+              <a:buSzPts val="5400"/>
+              <a:buNone/>
+              <a:defRPr sz="5400"/>
             </a:lvl2pPr>
             <a:lvl3pPr lvl="2" algn="ctr">
               <a:spcBef>
@@ -2349,9 +2649,9 @@
               <a:spcAft>
                 <a:spcPts val="0"/>
               </a:spcAft>
-              <a:buSzPts val="5200"/>
-              <a:buNone/>
-              <a:defRPr sz="5200"/>
+              <a:buSzPts val="5400"/>
+              <a:buNone/>
+              <a:defRPr sz="5400"/>
             </a:lvl3pPr>
             <a:lvl4pPr lvl="3" algn="ctr">
               <a:spcBef>
@@ -2360,9 +2660,9 @@
               <a:spcAft>
                 <a:spcPts val="0"/>
               </a:spcAft>
-              <a:buSzPts val="5200"/>
-              <a:buNone/>
-              <a:defRPr sz="5200"/>
+              <a:buSzPts val="5400"/>
+              <a:buNone/>
+              <a:defRPr sz="5400"/>
             </a:lvl4pPr>
             <a:lvl5pPr lvl="4" algn="ctr">
               <a:spcBef>
@@ -2371,9 +2671,9 @@
               <a:spcAft>
                 <a:spcPts val="0"/>
               </a:spcAft>
-              <a:buSzPts val="5200"/>
-              <a:buNone/>
-              <a:defRPr sz="5200"/>
+              <a:buSzPts val="5400"/>
+              <a:buNone/>
+              <a:defRPr sz="5400"/>
             </a:lvl5pPr>
             <a:lvl6pPr lvl="5" algn="ctr">
               <a:spcBef>
@@ -2382,9 +2682,9 @@
               <a:spcAft>
                 <a:spcPts val="0"/>
               </a:spcAft>
-              <a:buSzPts val="5200"/>
-              <a:buNone/>
-              <a:defRPr sz="5200"/>
+              <a:buSzPts val="5400"/>
+              <a:buNone/>
+              <a:defRPr sz="5400"/>
             </a:lvl6pPr>
             <a:lvl7pPr lvl="6" algn="ctr">
               <a:spcBef>
@@ -2393,9 +2693,9 @@
               <a:spcAft>
                 <a:spcPts val="0"/>
               </a:spcAft>
-              <a:buSzPts val="5200"/>
-              <a:buNone/>
-              <a:defRPr sz="5200"/>
+              <a:buSzPts val="5400"/>
+              <a:buNone/>
+              <a:defRPr sz="5400"/>
             </a:lvl7pPr>
             <a:lvl8pPr lvl="7" algn="ctr">
               <a:spcBef>
@@ -2404,9 +2704,9 @@
               <a:spcAft>
                 <a:spcPts val="0"/>
               </a:spcAft>
-              <a:buSzPts val="5200"/>
-              <a:buNone/>
-              <a:defRPr sz="5200"/>
+              <a:buSzPts val="5400"/>
+              <a:buNone/>
+              <a:defRPr sz="5400"/>
             </a:lvl8pPr>
             <a:lvl9pPr lvl="8" algn="ctr">
               <a:spcBef>
@@ -2415,9 +2715,9 @@
               <a:spcAft>
                 <a:spcPts val="0"/>
               </a:spcAft>
-              <a:buSzPts val="5200"/>
-              <a:buNone/>
-              <a:defRPr sz="5200"/>
+              <a:buSzPts val="5400"/>
+              <a:buNone/>
+              <a:defRPr sz="5400"/>
             </a:lvl9pPr>
           </a:lstStyle>
           <a:p/>
@@ -2425,7 +2725,7 @@
       </p:sp>
       <p:sp>
         <p:nvSpPr>
-          <p:cNvPr id="11" name="Google Shape;11;p2"/>
+          <p:cNvPr id="19" name="Google Shape;19;p2"/>
           <p:cNvSpPr txBox="1"/>
           <p:nvPr>
             <p:ph idx="1" type="subTitle"/>
@@ -2433,8 +2733,8 @@
         </p:nvSpPr>
         <p:spPr>
           <a:xfrm>
-            <a:off x="311700" y="2834125"/>
-            <a:ext cx="8520600" cy="792600"/>
+            <a:off x="2137225" y="2850039"/>
+            <a:ext cx="4870500" cy="792600"/>
           </a:xfrm>
           <a:prstGeom prst="rect">
             <a:avLst/>
@@ -2453,9 +2753,9 @@
               <a:spcAft>
                 <a:spcPts val="0"/>
               </a:spcAft>
-              <a:buSzPts val="2800"/>
-              <a:buNone/>
-              <a:defRPr sz="2800"/>
+              <a:buSzPts val="2400"/>
+              <a:buNone/>
+              <a:defRPr sz="2400"/>
             </a:lvl1pPr>
             <a:lvl2pPr lvl="1" algn="ctr">
               <a:lnSpc>
@@ -2467,9 +2767,9 @@
               <a:spcAft>
                 <a:spcPts val="0"/>
               </a:spcAft>
-              <a:buSzPts val="2800"/>
-              <a:buNone/>
-              <a:defRPr sz="2800"/>
+              <a:buSzPts val="2400"/>
+              <a:buNone/>
+              <a:defRPr sz="2400"/>
             </a:lvl2pPr>
             <a:lvl3pPr lvl="2" algn="ctr">
               <a:lnSpc>
@@ -2481,9 +2781,9 @@
               <a:spcAft>
                 <a:spcPts val="0"/>
               </a:spcAft>
-              <a:buSzPts val="2800"/>
-              <a:buNone/>
-              <a:defRPr sz="2800"/>
+              <a:buSzPts val="2400"/>
+              <a:buNone/>
+              <a:defRPr sz="2400"/>
             </a:lvl3pPr>
             <a:lvl4pPr lvl="3" algn="ctr">
               <a:lnSpc>
@@ -2495,9 +2795,9 @@
               <a:spcAft>
                 <a:spcPts val="0"/>
               </a:spcAft>
-              <a:buSzPts val="2800"/>
-              <a:buNone/>
-              <a:defRPr sz="2800"/>
+              <a:buSzPts val="2400"/>
+              <a:buNone/>
+              <a:defRPr sz="2400"/>
             </a:lvl4pPr>
             <a:lvl5pPr lvl="4" algn="ctr">
               <a:lnSpc>
@@ -2509,9 +2809,9 @@
               <a:spcAft>
                 <a:spcPts val="0"/>
               </a:spcAft>
-              <a:buSzPts val="2800"/>
-              <a:buNone/>
-              <a:defRPr sz="2800"/>
+              <a:buSzPts val="2400"/>
+              <a:buNone/>
+              <a:defRPr sz="2400"/>
             </a:lvl5pPr>
             <a:lvl6pPr lvl="5" algn="ctr">
               <a:lnSpc>
@@ -2523,9 +2823,9 @@
               <a:spcAft>
                 <a:spcPts val="0"/>
               </a:spcAft>
-              <a:buSzPts val="2800"/>
-              <a:buNone/>
-              <a:defRPr sz="2800"/>
+              <a:buSzPts val="2400"/>
+              <a:buNone/>
+              <a:defRPr sz="2400"/>
             </a:lvl6pPr>
             <a:lvl7pPr lvl="6" algn="ctr">
               <a:lnSpc>
@@ -2537,9 +2837,9 @@
               <a:spcAft>
                 <a:spcPts val="0"/>
               </a:spcAft>
-              <a:buSzPts val="2800"/>
-              <a:buNone/>
-              <a:defRPr sz="2800"/>
+              <a:buSzPts val="2400"/>
+              <a:buNone/>
+              <a:defRPr sz="2400"/>
             </a:lvl7pPr>
             <a:lvl8pPr lvl="7" algn="ctr">
               <a:lnSpc>
@@ -2551,9 +2851,9 @@
               <a:spcAft>
                 <a:spcPts val="0"/>
               </a:spcAft>
-              <a:buSzPts val="2800"/>
-              <a:buNone/>
-              <a:defRPr sz="2800"/>
+              <a:buSzPts val="2400"/>
+              <a:buNone/>
+              <a:defRPr sz="2400"/>
             </a:lvl8pPr>
             <a:lvl9pPr lvl="8" algn="ctr">
               <a:lnSpc>
@@ -2565,9 +2865,9 @@
               <a:spcAft>
                 <a:spcPts val="0"/>
               </a:spcAft>
-              <a:buSzPts val="2800"/>
-              <a:buNone/>
-              <a:defRPr sz="2800"/>
+              <a:buSzPts val="2400"/>
+              <a:buNone/>
+              <a:defRPr sz="2400"/>
             </a:lvl9pPr>
           </a:lstStyle>
           <a:p/>
@@ -2575,7 +2875,7 @@
       </p:sp>
       <p:sp>
         <p:nvSpPr>
-          <p:cNvPr id="12" name="Google Shape;12;p2"/>
+          <p:cNvPr id="20" name="Google Shape;20;p2"/>
           <p:cNvSpPr txBox="1"/>
           <p:nvPr>
             <p:ph idx="12" type="sldNum"/>
@@ -2663,7 +2963,7 @@
   <p:cSld name="BIG_NUMBER">
     <p:spTree>
       <p:nvGrpSpPr>
-        <p:cNvPr id="44" name="Shape 44"/>
+        <p:cNvPr id="55" name="Shape 55"/>
         <p:cNvGrpSpPr/>
         <p:nvPr/>
       </p:nvGrpSpPr>
@@ -2677,7 +2977,50 @@
       </p:grpSpPr>
       <p:sp>
         <p:nvSpPr>
-          <p:cNvPr id="45" name="Google Shape;45;p11"/>
+          <p:cNvPr id="56" name="Google Shape;56;p11"/>
+          <p:cNvSpPr/>
+          <p:nvPr/>
+        </p:nvSpPr>
+        <p:spPr>
+          <a:xfrm>
+            <a:off x="-75" y="5045700"/>
+            <a:ext cx="9144000" cy="97800"/>
+          </a:xfrm>
+          <a:prstGeom prst="rect">
+            <a:avLst/>
+          </a:prstGeom>
+          <a:solidFill>
+            <a:schemeClr val="lt2"/>
+          </a:solidFill>
+          <a:ln>
+            <a:noFill/>
+          </a:ln>
+        </p:spPr>
+        <p:txBody>
+          <a:bodyPr anchorCtr="0" anchor="ctr" bIns="91425" lIns="91425" spcFirstLastPara="1" rIns="91425" wrap="square" tIns="91425">
+            <a:noAutofit/>
+          </a:bodyPr>
+          <a:lstStyle/>
+          <a:p>
+            <a:pPr indent="0" lvl="0" marL="0" rtl="0" algn="l">
+              <a:spcBef>
+                <a:spcPts val="0"/>
+              </a:spcBef>
+              <a:spcAft>
+                <a:spcPts val="0"/>
+              </a:spcAft>
+              <a:buNone/>
+            </a:pPr>
+            <a:r>
+              <a:t/>
+            </a:r>
+            <a:endParaRPr/>
+          </a:p>
+        </p:txBody>
+      </p:sp>
+      <p:sp>
+        <p:nvSpPr>
+          <p:cNvPr id="57" name="Google Shape;57;p11"/>
           <p:cNvSpPr txBox="1"/>
           <p:nvPr>
             <p:ph hasCustomPrompt="1" type="title"/>
@@ -2685,15 +3028,15 @@
         </p:nvSpPr>
         <p:spPr>
           <a:xfrm>
-            <a:off x="311700" y="1106125"/>
-            <a:ext cx="8520600" cy="1963500"/>
+            <a:off x="311700" y="1304850"/>
+            <a:ext cx="8520600" cy="1538400"/>
           </a:xfrm>
           <a:prstGeom prst="rect">
             <a:avLst/>
           </a:prstGeom>
         </p:spPr>
         <p:txBody>
-          <a:bodyPr anchorCtr="0" anchor="b" bIns="91425" lIns="91425" spcFirstLastPara="1" rIns="91425" wrap="square" tIns="91425"/>
+          <a:bodyPr anchorCtr="0" anchor="ctr" bIns="91425" lIns="91425" spcFirstLastPara="1" rIns="91425" wrap="square" tIns="91425"/>
           <a:lstStyle>
             <a:lvl1pPr lvl="0" algn="ctr">
               <a:spcBef>
@@ -2702,9 +3045,16 @@
               <a:spcAft>
                 <a:spcPts val="0"/>
               </a:spcAft>
-              <a:buSzPts val="12000"/>
-              <a:buNone/>
-              <a:defRPr sz="12000"/>
+              <a:buClr>
+                <a:schemeClr val="accent3"/>
+              </a:buClr>
+              <a:buSzPts val="13000"/>
+              <a:buNone/>
+              <a:defRPr sz="13000">
+                <a:solidFill>
+                  <a:schemeClr val="accent3"/>
+                </a:solidFill>
+              </a:defRPr>
             </a:lvl1pPr>
             <a:lvl2pPr lvl="1" algn="ctr">
               <a:spcBef>
@@ -2713,9 +3063,16 @@
               <a:spcAft>
                 <a:spcPts val="0"/>
               </a:spcAft>
-              <a:buSzPts val="12000"/>
-              <a:buNone/>
-              <a:defRPr sz="12000"/>
+              <a:buClr>
+                <a:schemeClr val="accent3"/>
+              </a:buClr>
+              <a:buSzPts val="13000"/>
+              <a:buNone/>
+              <a:defRPr sz="13000">
+                <a:solidFill>
+                  <a:schemeClr val="accent3"/>
+                </a:solidFill>
+              </a:defRPr>
             </a:lvl2pPr>
             <a:lvl3pPr lvl="2" algn="ctr">
               <a:spcBef>
@@ -2724,9 +3081,16 @@
               <a:spcAft>
                 <a:spcPts val="0"/>
               </a:spcAft>
-              <a:buSzPts val="12000"/>
-              <a:buNone/>
-              <a:defRPr sz="12000"/>
+              <a:buClr>
+                <a:schemeClr val="accent3"/>
+              </a:buClr>
+              <a:buSzPts val="13000"/>
+              <a:buNone/>
+              <a:defRPr sz="13000">
+                <a:solidFill>
+                  <a:schemeClr val="accent3"/>
+                </a:solidFill>
+              </a:defRPr>
             </a:lvl3pPr>
             <a:lvl4pPr lvl="3" algn="ctr">
               <a:spcBef>
@@ -2735,9 +3099,16 @@
               <a:spcAft>
                 <a:spcPts val="0"/>
               </a:spcAft>
-              <a:buSzPts val="12000"/>
-              <a:buNone/>
-              <a:defRPr sz="12000"/>
+              <a:buClr>
+                <a:schemeClr val="accent3"/>
+              </a:buClr>
+              <a:buSzPts val="13000"/>
+              <a:buNone/>
+              <a:defRPr sz="13000">
+                <a:solidFill>
+                  <a:schemeClr val="accent3"/>
+                </a:solidFill>
+              </a:defRPr>
             </a:lvl4pPr>
             <a:lvl5pPr lvl="4" algn="ctr">
               <a:spcBef>
@@ -2746,9 +3117,16 @@
               <a:spcAft>
                 <a:spcPts val="0"/>
               </a:spcAft>
-              <a:buSzPts val="12000"/>
-              <a:buNone/>
-              <a:defRPr sz="12000"/>
+              <a:buClr>
+                <a:schemeClr val="accent3"/>
+              </a:buClr>
+              <a:buSzPts val="13000"/>
+              <a:buNone/>
+              <a:defRPr sz="13000">
+                <a:solidFill>
+                  <a:schemeClr val="accent3"/>
+                </a:solidFill>
+              </a:defRPr>
             </a:lvl5pPr>
             <a:lvl6pPr lvl="5" algn="ctr">
               <a:spcBef>
@@ -2757,9 +3135,16 @@
               <a:spcAft>
                 <a:spcPts val="0"/>
               </a:spcAft>
-              <a:buSzPts val="12000"/>
-              <a:buNone/>
-              <a:defRPr sz="12000"/>
+              <a:buClr>
+                <a:schemeClr val="accent3"/>
+              </a:buClr>
+              <a:buSzPts val="13000"/>
+              <a:buNone/>
+              <a:defRPr sz="13000">
+                <a:solidFill>
+                  <a:schemeClr val="accent3"/>
+                </a:solidFill>
+              </a:defRPr>
             </a:lvl6pPr>
             <a:lvl7pPr lvl="6" algn="ctr">
               <a:spcBef>
@@ -2768,9 +3153,16 @@
               <a:spcAft>
                 <a:spcPts val="0"/>
               </a:spcAft>
-              <a:buSzPts val="12000"/>
-              <a:buNone/>
-              <a:defRPr sz="12000"/>
+              <a:buClr>
+                <a:schemeClr val="accent3"/>
+              </a:buClr>
+              <a:buSzPts val="13000"/>
+              <a:buNone/>
+              <a:defRPr sz="13000">
+                <a:solidFill>
+                  <a:schemeClr val="accent3"/>
+                </a:solidFill>
+              </a:defRPr>
             </a:lvl7pPr>
             <a:lvl8pPr lvl="7" algn="ctr">
               <a:spcBef>
@@ -2779,9 +3171,16 @@
               <a:spcAft>
                 <a:spcPts val="0"/>
               </a:spcAft>
-              <a:buSzPts val="12000"/>
-              <a:buNone/>
-              <a:defRPr sz="12000"/>
+              <a:buClr>
+                <a:schemeClr val="accent3"/>
+              </a:buClr>
+              <a:buSzPts val="13000"/>
+              <a:buNone/>
+              <a:defRPr sz="13000">
+                <a:solidFill>
+                  <a:schemeClr val="accent3"/>
+                </a:solidFill>
+              </a:defRPr>
             </a:lvl8pPr>
             <a:lvl9pPr lvl="8" algn="ctr">
               <a:spcBef>
@@ -2790,9 +3189,16 @@
               <a:spcAft>
                 <a:spcPts val="0"/>
               </a:spcAft>
-              <a:buSzPts val="12000"/>
-              <a:buNone/>
-              <a:defRPr sz="12000"/>
+              <a:buClr>
+                <a:schemeClr val="accent3"/>
+              </a:buClr>
+              <a:buSzPts val="13000"/>
+              <a:buNone/>
+              <a:defRPr sz="13000">
+                <a:solidFill>
+                  <a:schemeClr val="accent3"/>
+                </a:solidFill>
+              </a:defRPr>
             </a:lvl9pPr>
           </a:lstStyle>
           <a:p>
@@ -2804,7 +3210,7 @@
       </p:sp>
       <p:sp>
         <p:nvSpPr>
-          <p:cNvPr id="46" name="Google Shape;46;p11"/>
+          <p:cNvPr id="58" name="Google Shape;58;p11"/>
           <p:cNvSpPr txBox="1"/>
           <p:nvPr>
             <p:ph idx="1" type="body"/>
@@ -2812,8 +3218,8 @@
         </p:nvSpPr>
         <p:spPr>
           <a:xfrm>
-            <a:off x="311700" y="3152225"/>
-            <a:ext cx="8520600" cy="1300800"/>
+            <a:off x="311700" y="2995650"/>
+            <a:ext cx="8520600" cy="1071600"/>
           </a:xfrm>
           <a:prstGeom prst="rect">
             <a:avLst/>
@@ -2927,7 +3333,7 @@
       </p:sp>
       <p:sp>
         <p:nvSpPr>
-          <p:cNvPr id="47" name="Google Shape;47;p11"/>
+          <p:cNvPr id="59" name="Google Shape;59;p11"/>
           <p:cNvSpPr txBox="1"/>
           <p:nvPr>
             <p:ph idx="12" type="sldNum"/>
@@ -3015,7 +3421,7 @@
   <p:cSld name="BLANK">
     <p:spTree>
       <p:nvGrpSpPr>
-        <p:cNvPr id="48" name="Shape 48"/>
+        <p:cNvPr id="60" name="Shape 60"/>
         <p:cNvGrpSpPr/>
         <p:nvPr/>
       </p:nvGrpSpPr>
@@ -3029,7 +3435,7 @@
       </p:grpSpPr>
       <p:sp>
         <p:nvSpPr>
-          <p:cNvPr id="49" name="Google Shape;49;p12"/>
+          <p:cNvPr id="61" name="Google Shape;61;p12"/>
           <p:cNvSpPr txBox="1"/>
           <p:nvPr>
             <p:ph idx="12" type="sldNum"/>
@@ -3117,7 +3523,7 @@
   <p:cSld name="SECTION_HEADER">
     <p:spTree>
       <p:nvGrpSpPr>
-        <p:cNvPr id="13" name="Shape 13"/>
+        <p:cNvPr id="21" name="Shape 21"/>
         <p:cNvGrpSpPr/>
         <p:nvPr/>
       </p:nvGrpSpPr>
@@ -3131,7 +3537,50 @@
       </p:grpSpPr>
       <p:sp>
         <p:nvSpPr>
-          <p:cNvPr id="14" name="Google Shape;14;p3"/>
+          <p:cNvPr id="22" name="Google Shape;22;p3"/>
+          <p:cNvSpPr/>
+          <p:nvPr/>
+        </p:nvSpPr>
+        <p:spPr>
+          <a:xfrm>
+            <a:off x="-50" y="2571900"/>
+            <a:ext cx="9144000" cy="2571600"/>
+          </a:xfrm>
+          <a:prstGeom prst="rect">
+            <a:avLst/>
+          </a:prstGeom>
+          <a:solidFill>
+            <a:schemeClr val="accent3"/>
+          </a:solidFill>
+          <a:ln>
+            <a:noFill/>
+          </a:ln>
+        </p:spPr>
+        <p:txBody>
+          <a:bodyPr anchorCtr="0" anchor="ctr" bIns="91425" lIns="91425" spcFirstLastPara="1" rIns="91425" wrap="square" tIns="91425">
+            <a:noAutofit/>
+          </a:bodyPr>
+          <a:lstStyle/>
+          <a:p>
+            <a:pPr indent="0" lvl="0" marL="0" rtl="0" algn="l">
+              <a:spcBef>
+                <a:spcPts val="0"/>
+              </a:spcBef>
+              <a:spcAft>
+                <a:spcPts val="0"/>
+              </a:spcAft>
+              <a:buNone/>
+            </a:pPr>
+            <a:r>
+              <a:t/>
+            </a:r>
+            <a:endParaRPr/>
+          </a:p>
+        </p:txBody>
+      </p:sp>
+      <p:sp>
+        <p:nvSpPr>
+          <p:cNvPr id="23" name="Google Shape;23;p3"/>
           <p:cNvSpPr txBox="1"/>
           <p:nvPr>
             <p:ph type="title"/>
@@ -3139,8 +3588,8 @@
         </p:nvSpPr>
         <p:spPr>
           <a:xfrm>
-            <a:off x="311700" y="2150850"/>
-            <a:ext cx="8520600" cy="841800"/>
+            <a:off x="311700" y="814800"/>
+            <a:ext cx="8571300" cy="942000"/>
           </a:xfrm>
           <a:prstGeom prst="rect">
             <a:avLst/>
@@ -3158,7 +3607,7 @@
               </a:spcAft>
               <a:buSzPts val="3600"/>
               <a:buNone/>
-              <a:defRPr sz="3600"/>
+              <a:defRPr/>
             </a:lvl1pPr>
             <a:lvl2pPr lvl="1" algn="ctr">
               <a:spcBef>
@@ -3169,7 +3618,7 @@
               </a:spcAft>
               <a:buSzPts val="3600"/>
               <a:buNone/>
-              <a:defRPr sz="3600"/>
+              <a:defRPr/>
             </a:lvl2pPr>
             <a:lvl3pPr lvl="2" algn="ctr">
               <a:spcBef>
@@ -3180,7 +3629,7 @@
               </a:spcAft>
               <a:buSzPts val="3600"/>
               <a:buNone/>
-              <a:defRPr sz="3600"/>
+              <a:defRPr/>
             </a:lvl3pPr>
             <a:lvl4pPr lvl="3" algn="ctr">
               <a:spcBef>
@@ -3191,7 +3640,7 @@
               </a:spcAft>
               <a:buSzPts val="3600"/>
               <a:buNone/>
-              <a:defRPr sz="3600"/>
+              <a:defRPr/>
             </a:lvl4pPr>
             <a:lvl5pPr lvl="4" algn="ctr">
               <a:spcBef>
@@ -3202,7 +3651,7 @@
               </a:spcAft>
               <a:buSzPts val="3600"/>
               <a:buNone/>
-              <a:defRPr sz="3600"/>
+              <a:defRPr/>
             </a:lvl5pPr>
             <a:lvl6pPr lvl="5" algn="ctr">
               <a:spcBef>
@@ -3213,7 +3662,7 @@
               </a:spcAft>
               <a:buSzPts val="3600"/>
               <a:buNone/>
-              <a:defRPr sz="3600"/>
+              <a:defRPr/>
             </a:lvl6pPr>
             <a:lvl7pPr lvl="6" algn="ctr">
               <a:spcBef>
@@ -3224,7 +3673,7 @@
               </a:spcAft>
               <a:buSzPts val="3600"/>
               <a:buNone/>
-              <a:defRPr sz="3600"/>
+              <a:defRPr/>
             </a:lvl7pPr>
             <a:lvl8pPr lvl="7" algn="ctr">
               <a:spcBef>
@@ -3235,7 +3684,7 @@
               </a:spcAft>
               <a:buSzPts val="3600"/>
               <a:buNone/>
-              <a:defRPr sz="3600"/>
+              <a:defRPr/>
             </a:lvl8pPr>
             <a:lvl9pPr lvl="8" algn="ctr">
               <a:spcBef>
@@ -3246,7 +3695,7 @@
               </a:spcAft>
               <a:buSzPts val="3600"/>
               <a:buNone/>
-              <a:defRPr sz="3600"/>
+              <a:defRPr/>
             </a:lvl9pPr>
           </a:lstStyle>
           <a:p/>
@@ -3254,7 +3703,7 @@
       </p:sp>
       <p:sp>
         <p:nvSpPr>
-          <p:cNvPr id="15" name="Google Shape;15;p3"/>
+          <p:cNvPr id="24" name="Google Shape;24;p3"/>
           <p:cNvSpPr txBox="1"/>
           <p:nvPr>
             <p:ph idx="12" type="sldNum"/>
@@ -3276,39 +3725,75 @@
           <a:lstStyle>
             <a:lvl1pPr lvl="0">
               <a:buNone/>
-              <a:defRPr/>
+              <a:defRPr>
+                <a:solidFill>
+                  <a:schemeClr val="lt1"/>
+                </a:solidFill>
+              </a:defRPr>
             </a:lvl1pPr>
             <a:lvl2pPr lvl="1">
               <a:buNone/>
-              <a:defRPr/>
+              <a:defRPr>
+                <a:solidFill>
+                  <a:schemeClr val="lt1"/>
+                </a:solidFill>
+              </a:defRPr>
             </a:lvl2pPr>
             <a:lvl3pPr lvl="2">
               <a:buNone/>
-              <a:defRPr/>
+              <a:defRPr>
+                <a:solidFill>
+                  <a:schemeClr val="lt1"/>
+                </a:solidFill>
+              </a:defRPr>
             </a:lvl3pPr>
             <a:lvl4pPr lvl="3">
               <a:buNone/>
-              <a:defRPr/>
+              <a:defRPr>
+                <a:solidFill>
+                  <a:schemeClr val="lt1"/>
+                </a:solidFill>
+              </a:defRPr>
             </a:lvl4pPr>
             <a:lvl5pPr lvl="4">
               <a:buNone/>
-              <a:defRPr/>
+              <a:defRPr>
+                <a:solidFill>
+                  <a:schemeClr val="lt1"/>
+                </a:solidFill>
+              </a:defRPr>
             </a:lvl5pPr>
             <a:lvl6pPr lvl="5">
               <a:buNone/>
-              <a:defRPr/>
+              <a:defRPr>
+                <a:solidFill>
+                  <a:schemeClr val="lt1"/>
+                </a:solidFill>
+              </a:defRPr>
             </a:lvl6pPr>
             <a:lvl7pPr lvl="6">
               <a:buNone/>
-              <a:defRPr/>
+              <a:defRPr>
+                <a:solidFill>
+                  <a:schemeClr val="lt1"/>
+                </a:solidFill>
+              </a:defRPr>
             </a:lvl7pPr>
             <a:lvl8pPr lvl="7">
               <a:buNone/>
-              <a:defRPr/>
+              <a:defRPr>
+                <a:solidFill>
+                  <a:schemeClr val="lt1"/>
+                </a:solidFill>
+              </a:defRPr>
             </a:lvl8pPr>
             <a:lvl9pPr lvl="8">
               <a:buNone/>
-              <a:defRPr/>
+              <a:defRPr>
+                <a:solidFill>
+                  <a:schemeClr val="lt1"/>
+                </a:solidFill>
+              </a:defRPr>
             </a:lvl9pPr>
           </a:lstStyle>
           <a:p>
@@ -3342,7 +3827,7 @@
   <p:cSld name="TITLE_AND_BODY">
     <p:spTree>
       <p:nvGrpSpPr>
-        <p:cNvPr id="16" name="Shape 16"/>
+        <p:cNvPr id="25" name="Shape 25"/>
         <p:cNvGrpSpPr/>
         <p:nvPr/>
       </p:nvGrpSpPr>
@@ -3356,7 +3841,50 @@
       </p:grpSpPr>
       <p:sp>
         <p:nvSpPr>
-          <p:cNvPr id="17" name="Google Shape;17;p4"/>
+          <p:cNvPr id="26" name="Google Shape;26;p4"/>
+          <p:cNvSpPr/>
+          <p:nvPr/>
+        </p:nvSpPr>
+        <p:spPr>
+          <a:xfrm>
+            <a:off x="-75" y="5045700"/>
+            <a:ext cx="9144000" cy="97800"/>
+          </a:xfrm>
+          <a:prstGeom prst="rect">
+            <a:avLst/>
+          </a:prstGeom>
+          <a:solidFill>
+            <a:schemeClr val="accent3"/>
+          </a:solidFill>
+          <a:ln>
+            <a:noFill/>
+          </a:ln>
+        </p:spPr>
+        <p:txBody>
+          <a:bodyPr anchorCtr="0" anchor="ctr" bIns="91425" lIns="91425" spcFirstLastPara="1" rIns="91425" wrap="square" tIns="91425">
+            <a:noAutofit/>
+          </a:bodyPr>
+          <a:lstStyle/>
+          <a:p>
+            <a:pPr indent="0" lvl="0" marL="0" rtl="0" algn="l">
+              <a:spcBef>
+                <a:spcPts val="0"/>
+              </a:spcBef>
+              <a:spcAft>
+                <a:spcPts val="0"/>
+              </a:spcAft>
+              <a:buNone/>
+            </a:pPr>
+            <a:r>
+              <a:t/>
+            </a:r>
+            <a:endParaRPr/>
+          </a:p>
+        </p:txBody>
+      </p:sp>
+      <p:sp>
+        <p:nvSpPr>
+          <p:cNvPr id="27" name="Google Shape;27;p4"/>
           <p:cNvSpPr txBox="1"/>
           <p:nvPr>
             <p:ph type="title"/>
@@ -3365,7 +3893,7 @@
         <p:spPr>
           <a:xfrm>
             <a:off x="311700" y="445025"/>
-            <a:ext cx="8520600" cy="572700"/>
+            <a:ext cx="8520600" cy="707400"/>
           </a:xfrm>
           <a:prstGeom prst="rect">
             <a:avLst/>
@@ -3381,7 +3909,7 @@
               <a:spcAft>
                 <a:spcPts val="0"/>
               </a:spcAft>
-              <a:buSzPts val="2800"/>
+              <a:buSzPts val="3600"/>
               <a:buNone/>
               <a:defRPr/>
             </a:lvl1pPr>
@@ -3392,7 +3920,7 @@
               <a:spcAft>
                 <a:spcPts val="0"/>
               </a:spcAft>
-              <a:buSzPts val="2800"/>
+              <a:buSzPts val="3600"/>
               <a:buNone/>
               <a:defRPr/>
             </a:lvl2pPr>
@@ -3403,7 +3931,7 @@
               <a:spcAft>
                 <a:spcPts val="0"/>
               </a:spcAft>
-              <a:buSzPts val="2800"/>
+              <a:buSzPts val="3600"/>
               <a:buNone/>
               <a:defRPr/>
             </a:lvl3pPr>
@@ -3414,7 +3942,7 @@
               <a:spcAft>
                 <a:spcPts val="0"/>
               </a:spcAft>
-              <a:buSzPts val="2800"/>
+              <a:buSzPts val="3600"/>
               <a:buNone/>
               <a:defRPr/>
             </a:lvl4pPr>
@@ -3425,7 +3953,7 @@
               <a:spcAft>
                 <a:spcPts val="0"/>
               </a:spcAft>
-              <a:buSzPts val="2800"/>
+              <a:buSzPts val="3600"/>
               <a:buNone/>
               <a:defRPr/>
             </a:lvl5pPr>
@@ -3436,7 +3964,7 @@
               <a:spcAft>
                 <a:spcPts val="0"/>
               </a:spcAft>
-              <a:buSzPts val="2800"/>
+              <a:buSzPts val="3600"/>
               <a:buNone/>
               <a:defRPr/>
             </a:lvl6pPr>
@@ -3447,7 +3975,7 @@
               <a:spcAft>
                 <a:spcPts val="0"/>
               </a:spcAft>
-              <a:buSzPts val="2800"/>
+              <a:buSzPts val="3600"/>
               <a:buNone/>
               <a:defRPr/>
             </a:lvl7pPr>
@@ -3458,7 +3986,7 @@
               <a:spcAft>
                 <a:spcPts val="0"/>
               </a:spcAft>
-              <a:buSzPts val="2800"/>
+              <a:buSzPts val="3600"/>
               <a:buNone/>
               <a:defRPr/>
             </a:lvl8pPr>
@@ -3469,7 +3997,7 @@
               <a:spcAft>
                 <a:spcPts val="0"/>
               </a:spcAft>
-              <a:buSzPts val="2800"/>
+              <a:buSzPts val="3600"/>
               <a:buNone/>
               <a:defRPr/>
             </a:lvl9pPr>
@@ -3479,7 +4007,7 @@
       </p:sp>
       <p:sp>
         <p:nvSpPr>
-          <p:cNvPr id="18" name="Google Shape;18;p4"/>
+          <p:cNvPr id="28" name="Google Shape;28;p4"/>
           <p:cNvSpPr txBox="1"/>
           <p:nvPr>
             <p:ph idx="1" type="body"/>
@@ -3487,8 +4015,8 @@
         </p:nvSpPr>
         <p:spPr>
           <a:xfrm>
-            <a:off x="311700" y="1152475"/>
-            <a:ext cx="8520600" cy="3416400"/>
+            <a:off x="311700" y="1266325"/>
+            <a:ext cx="8520600" cy="3302700"/>
           </a:xfrm>
           <a:prstGeom prst="rect">
             <a:avLst/>
@@ -3602,7 +4130,7 @@
       </p:sp>
       <p:sp>
         <p:nvSpPr>
-          <p:cNvPr id="19" name="Google Shape;19;p4"/>
+          <p:cNvPr id="29" name="Google Shape;29;p4"/>
           <p:cNvSpPr txBox="1"/>
           <p:nvPr>
             <p:ph idx="12" type="sldNum"/>
@@ -3690,7 +4218,7 @@
   <p:cSld name="TITLE_AND_TWO_COLUMNS">
     <p:spTree>
       <p:nvGrpSpPr>
-        <p:cNvPr id="20" name="Shape 20"/>
+        <p:cNvPr id="30" name="Shape 30"/>
         <p:cNvGrpSpPr/>
         <p:nvPr/>
       </p:nvGrpSpPr>
@@ -3704,7 +4232,7 @@
       </p:grpSpPr>
       <p:sp>
         <p:nvSpPr>
-          <p:cNvPr id="21" name="Google Shape;21;p5"/>
+          <p:cNvPr id="31" name="Google Shape;31;p5"/>
           <p:cNvSpPr txBox="1"/>
           <p:nvPr>
             <p:ph type="title"/>
@@ -3713,7 +4241,7 @@
         <p:spPr>
           <a:xfrm>
             <a:off x="311700" y="445025"/>
-            <a:ext cx="8520600" cy="572700"/>
+            <a:ext cx="8520600" cy="707400"/>
           </a:xfrm>
           <a:prstGeom prst="rect">
             <a:avLst/>
@@ -3729,7 +4257,7 @@
               <a:spcAft>
                 <a:spcPts val="0"/>
               </a:spcAft>
-              <a:buSzPts val="2800"/>
+              <a:buSzPts val="3600"/>
               <a:buNone/>
               <a:defRPr/>
             </a:lvl1pPr>
@@ -3740,7 +4268,7 @@
               <a:spcAft>
                 <a:spcPts val="0"/>
               </a:spcAft>
-              <a:buSzPts val="2800"/>
+              <a:buSzPts val="3600"/>
               <a:buNone/>
               <a:defRPr/>
             </a:lvl2pPr>
@@ -3751,7 +4279,7 @@
               <a:spcAft>
                 <a:spcPts val="0"/>
               </a:spcAft>
-              <a:buSzPts val="2800"/>
+              <a:buSzPts val="3600"/>
               <a:buNone/>
               <a:defRPr/>
             </a:lvl3pPr>
@@ -3762,7 +4290,7 @@
               <a:spcAft>
                 <a:spcPts val="0"/>
               </a:spcAft>
-              <a:buSzPts val="2800"/>
+              <a:buSzPts val="3600"/>
               <a:buNone/>
               <a:defRPr/>
             </a:lvl4pPr>
@@ -3773,7 +4301,7 @@
               <a:spcAft>
                 <a:spcPts val="0"/>
               </a:spcAft>
-              <a:buSzPts val="2800"/>
+              <a:buSzPts val="3600"/>
               <a:buNone/>
               <a:defRPr/>
             </a:lvl5pPr>
@@ -3784,7 +4312,7 @@
               <a:spcAft>
                 <a:spcPts val="0"/>
               </a:spcAft>
-              <a:buSzPts val="2800"/>
+              <a:buSzPts val="3600"/>
               <a:buNone/>
               <a:defRPr/>
             </a:lvl6pPr>
@@ -3795,7 +4323,7 @@
               <a:spcAft>
                 <a:spcPts val="0"/>
               </a:spcAft>
-              <a:buSzPts val="2800"/>
+              <a:buSzPts val="3600"/>
               <a:buNone/>
               <a:defRPr/>
             </a:lvl7pPr>
@@ -3806,7 +4334,7 @@
               <a:spcAft>
                 <a:spcPts val="0"/>
               </a:spcAft>
-              <a:buSzPts val="2800"/>
+              <a:buSzPts val="3600"/>
               <a:buNone/>
               <a:defRPr/>
             </a:lvl8pPr>
@@ -3817,7 +4345,7 @@
               <a:spcAft>
                 <a:spcPts val="0"/>
               </a:spcAft>
-              <a:buSzPts val="2800"/>
+              <a:buSzPts val="3600"/>
               <a:buNone/>
               <a:defRPr/>
             </a:lvl9pPr>
@@ -3827,7 +4355,7 @@
       </p:sp>
       <p:sp>
         <p:nvSpPr>
-          <p:cNvPr id="22" name="Google Shape;22;p5"/>
+          <p:cNvPr id="32" name="Google Shape;32;p5"/>
           <p:cNvSpPr txBox="1"/>
           <p:nvPr>
             <p:ph idx="1" type="body"/>
@@ -3835,8 +4363,8 @@
         </p:nvSpPr>
         <p:spPr>
           <a:xfrm>
-            <a:off x="311700" y="1152475"/>
-            <a:ext cx="3999900" cy="3416400"/>
+            <a:off x="311700" y="1266175"/>
+            <a:ext cx="3999900" cy="3302700"/>
           </a:xfrm>
           <a:prstGeom prst="rect">
             <a:avLst/>
@@ -3950,7 +4478,7 @@
       </p:sp>
       <p:sp>
         <p:nvSpPr>
-          <p:cNvPr id="23" name="Google Shape;23;p5"/>
+          <p:cNvPr id="33" name="Google Shape;33;p5"/>
           <p:cNvSpPr txBox="1"/>
           <p:nvPr>
             <p:ph idx="2" type="body"/>
@@ -3958,8 +4486,8 @@
         </p:nvSpPr>
         <p:spPr>
           <a:xfrm>
-            <a:off x="4832400" y="1152475"/>
-            <a:ext cx="3999900" cy="3416400"/>
+            <a:off x="4832400" y="1266175"/>
+            <a:ext cx="3999900" cy="3302700"/>
           </a:xfrm>
           <a:prstGeom prst="rect">
             <a:avLst/>
@@ -4073,7 +4601,7 @@
       </p:sp>
       <p:sp>
         <p:nvSpPr>
-          <p:cNvPr id="24" name="Google Shape;24;p5"/>
+          <p:cNvPr id="34" name="Google Shape;34;p5"/>
           <p:cNvSpPr txBox="1"/>
           <p:nvPr>
             <p:ph idx="12" type="sldNum"/>
@@ -4161,7 +4689,7 @@
   <p:cSld name="TITLE_ONLY">
     <p:spTree>
       <p:nvGrpSpPr>
-        <p:cNvPr id="25" name="Shape 25"/>
+        <p:cNvPr id="35" name="Shape 35"/>
         <p:cNvGrpSpPr/>
         <p:nvPr/>
       </p:nvGrpSpPr>
@@ -4175,7 +4703,7 @@
       </p:grpSpPr>
       <p:sp>
         <p:nvSpPr>
-          <p:cNvPr id="26" name="Google Shape;26;p6"/>
+          <p:cNvPr id="36" name="Google Shape;36;p6"/>
           <p:cNvSpPr txBox="1"/>
           <p:nvPr>
             <p:ph type="title"/>
@@ -4184,7 +4712,7 @@
         <p:spPr>
           <a:xfrm>
             <a:off x="311700" y="445025"/>
-            <a:ext cx="8520600" cy="572700"/>
+            <a:ext cx="8520600" cy="707400"/>
           </a:xfrm>
           <a:prstGeom prst="rect">
             <a:avLst/>
@@ -4200,7 +4728,7 @@
               <a:spcAft>
                 <a:spcPts val="0"/>
               </a:spcAft>
-              <a:buSzPts val="2800"/>
+              <a:buSzPts val="3600"/>
               <a:buNone/>
               <a:defRPr/>
             </a:lvl1pPr>
@@ -4211,7 +4739,7 @@
               <a:spcAft>
                 <a:spcPts val="0"/>
               </a:spcAft>
-              <a:buSzPts val="2800"/>
+              <a:buSzPts val="3600"/>
               <a:buNone/>
               <a:defRPr/>
             </a:lvl2pPr>
@@ -4222,7 +4750,7 @@
               <a:spcAft>
                 <a:spcPts val="0"/>
               </a:spcAft>
-              <a:buSzPts val="2800"/>
+              <a:buSzPts val="3600"/>
               <a:buNone/>
               <a:defRPr/>
             </a:lvl3pPr>
@@ -4233,7 +4761,7 @@
               <a:spcAft>
                 <a:spcPts val="0"/>
               </a:spcAft>
-              <a:buSzPts val="2800"/>
+              <a:buSzPts val="3600"/>
               <a:buNone/>
               <a:defRPr/>
             </a:lvl4pPr>
@@ -4244,7 +4772,7 @@
               <a:spcAft>
                 <a:spcPts val="0"/>
               </a:spcAft>
-              <a:buSzPts val="2800"/>
+              <a:buSzPts val="3600"/>
               <a:buNone/>
               <a:defRPr/>
             </a:lvl5pPr>
@@ -4255,7 +4783,7 @@
               <a:spcAft>
                 <a:spcPts val="0"/>
               </a:spcAft>
-              <a:buSzPts val="2800"/>
+              <a:buSzPts val="3600"/>
               <a:buNone/>
               <a:defRPr/>
             </a:lvl6pPr>
@@ -4266,7 +4794,7 @@
               <a:spcAft>
                 <a:spcPts val="0"/>
               </a:spcAft>
-              <a:buSzPts val="2800"/>
+              <a:buSzPts val="3600"/>
               <a:buNone/>
               <a:defRPr/>
             </a:lvl7pPr>
@@ -4277,7 +4805,7 @@
               <a:spcAft>
                 <a:spcPts val="0"/>
               </a:spcAft>
-              <a:buSzPts val="2800"/>
+              <a:buSzPts val="3600"/>
               <a:buNone/>
               <a:defRPr/>
             </a:lvl8pPr>
@@ -4288,7 +4816,7 @@
               <a:spcAft>
                 <a:spcPts val="0"/>
               </a:spcAft>
-              <a:buSzPts val="2800"/>
+              <a:buSzPts val="3600"/>
               <a:buNone/>
               <a:defRPr/>
             </a:lvl9pPr>
@@ -4298,7 +4826,7 @@
       </p:sp>
       <p:sp>
         <p:nvSpPr>
-          <p:cNvPr id="27" name="Google Shape;27;p6"/>
+          <p:cNvPr id="37" name="Google Shape;37;p6"/>
           <p:cNvSpPr txBox="1"/>
           <p:nvPr>
             <p:ph idx="12" type="sldNum"/>
@@ -4386,7 +4914,7 @@
   <p:cSld name="ONE_COLUMN_TEXT">
     <p:spTree>
       <p:nvGrpSpPr>
-        <p:cNvPr id="28" name="Shape 28"/>
+        <p:cNvPr id="38" name="Shape 38"/>
         <p:cNvGrpSpPr/>
         <p:nvPr/>
       </p:nvGrpSpPr>
@@ -4400,7 +4928,7 @@
       </p:grpSpPr>
       <p:sp>
         <p:nvSpPr>
-          <p:cNvPr id="29" name="Google Shape;29;p7"/>
+          <p:cNvPr id="39" name="Google Shape;39;p7"/>
           <p:cNvSpPr txBox="1"/>
           <p:nvPr>
             <p:ph type="title"/>
@@ -4523,7 +5051,7 @@
       </p:sp>
       <p:sp>
         <p:nvSpPr>
-          <p:cNvPr id="30" name="Google Shape;30;p7"/>
+          <p:cNvPr id="40" name="Google Shape;40;p7"/>
           <p:cNvSpPr txBox="1"/>
           <p:nvPr>
             <p:ph idx="1" type="body"/>
@@ -4646,7 +5174,7 @@
       </p:sp>
       <p:sp>
         <p:nvSpPr>
-          <p:cNvPr id="31" name="Google Shape;31;p7"/>
+          <p:cNvPr id="41" name="Google Shape;41;p7"/>
           <p:cNvSpPr txBox="1"/>
           <p:nvPr>
             <p:ph idx="12" type="sldNum"/>
@@ -4732,9 +5260,16 @@
 <file path=ppt/slideLayouts/slideLayout7.xml><?xml version="1.0" encoding="utf-8"?>
 <p:sldLayout xmlns:a="http://schemas.openxmlformats.org/drawingml/2006/main" xmlns:r="http://schemas.openxmlformats.org/officeDocument/2006/relationships" xmlns:mc="http://schemas.openxmlformats.org/markup-compatibility/2006" xmlns:mv="urn:schemas-microsoft-com:mac:vml" xmlns:p="http://schemas.openxmlformats.org/presentationml/2006/main" xmlns:c="http://schemas.openxmlformats.org/drawingml/2006/chart" xmlns:dgm="http://schemas.openxmlformats.org/drawingml/2006/diagram" xmlns:o="urn:schemas-microsoft-com:office:office" xmlns:v="urn:schemas-microsoft-com:vml" xmlns:pvml="urn:schemas-microsoft-com:office:powerpoint" xmlns:com="http://schemas.openxmlformats.org/drawingml/2006/compatibility" xmlns:p14="http://schemas.microsoft.com/office/powerpoint/2010/main" xmlns:p15="http://schemas.microsoft.com/office/powerpoint/2012/main" matchingName="Main point">
   <p:cSld name="MAIN_POINT">
+    <p:bg>
+      <p:bgPr>
+        <a:solidFill>
+          <a:schemeClr val="accent6"/>
+        </a:solidFill>
+      </p:bgPr>
+    </p:bg>
     <p:spTree>
       <p:nvGrpSpPr>
-        <p:cNvPr id="32" name="Shape 32"/>
+        <p:cNvPr id="42" name="Shape 42"/>
         <p:cNvGrpSpPr/>
         <p:nvPr/>
       </p:nvGrpSpPr>
@@ -4748,7 +5283,7 @@
       </p:grpSpPr>
       <p:sp>
         <p:nvSpPr>
-          <p:cNvPr id="33" name="Google Shape;33;p8"/>
+          <p:cNvPr id="43" name="Google Shape;43;p8"/>
           <p:cNvSpPr txBox="1"/>
           <p:nvPr>
             <p:ph type="title"/>
@@ -4756,8 +5291,8 @@
         </p:nvSpPr>
         <p:spPr>
           <a:xfrm>
-            <a:off x="490250" y="450150"/>
-            <a:ext cx="6367800" cy="4090800"/>
+            <a:off x="490250" y="526350"/>
+            <a:ext cx="5613600" cy="4090800"/>
           </a:xfrm>
           <a:prstGeom prst="rect">
             <a:avLst/>
@@ -4773,9 +5308,16 @@
               <a:spcAft>
                 <a:spcPts val="0"/>
               </a:spcAft>
-              <a:buSzPts val="4800"/>
-              <a:buNone/>
-              <a:defRPr sz="4800"/>
+              <a:buClr>
+                <a:schemeClr val="dk2"/>
+              </a:buClr>
+              <a:buSzPts val="5400"/>
+              <a:buNone/>
+              <a:defRPr b="0" sz="5400">
+                <a:solidFill>
+                  <a:schemeClr val="dk2"/>
+                </a:solidFill>
+              </a:defRPr>
             </a:lvl1pPr>
             <a:lvl2pPr lvl="1">
               <a:spcBef>
@@ -4784,9 +5326,16 @@
               <a:spcAft>
                 <a:spcPts val="0"/>
               </a:spcAft>
-              <a:buSzPts val="4800"/>
-              <a:buNone/>
-              <a:defRPr sz="4800"/>
+              <a:buClr>
+                <a:schemeClr val="dk2"/>
+              </a:buClr>
+              <a:buSzPts val="5400"/>
+              <a:buNone/>
+              <a:defRPr b="0" sz="5400">
+                <a:solidFill>
+                  <a:schemeClr val="dk2"/>
+                </a:solidFill>
+              </a:defRPr>
             </a:lvl2pPr>
             <a:lvl3pPr lvl="2">
               <a:spcBef>
@@ -4795,9 +5344,16 @@
               <a:spcAft>
                 <a:spcPts val="0"/>
               </a:spcAft>
-              <a:buSzPts val="4800"/>
-              <a:buNone/>
-              <a:defRPr sz="4800"/>
+              <a:buClr>
+                <a:schemeClr val="dk2"/>
+              </a:buClr>
+              <a:buSzPts val="5400"/>
+              <a:buNone/>
+              <a:defRPr b="0" sz="5400">
+                <a:solidFill>
+                  <a:schemeClr val="dk2"/>
+                </a:solidFill>
+              </a:defRPr>
             </a:lvl3pPr>
             <a:lvl4pPr lvl="3">
               <a:spcBef>
@@ -4806,9 +5362,16 @@
               <a:spcAft>
                 <a:spcPts val="0"/>
               </a:spcAft>
-              <a:buSzPts val="4800"/>
-              <a:buNone/>
-              <a:defRPr sz="4800"/>
+              <a:buClr>
+                <a:schemeClr val="dk2"/>
+              </a:buClr>
+              <a:buSzPts val="5400"/>
+              <a:buNone/>
+              <a:defRPr b="0" sz="5400">
+                <a:solidFill>
+                  <a:schemeClr val="dk2"/>
+                </a:solidFill>
+              </a:defRPr>
             </a:lvl4pPr>
             <a:lvl5pPr lvl="4">
               <a:spcBef>
@@ -4817,9 +5380,16 @@
               <a:spcAft>
                 <a:spcPts val="0"/>
               </a:spcAft>
-              <a:buSzPts val="4800"/>
-              <a:buNone/>
-              <a:defRPr sz="4800"/>
+              <a:buClr>
+                <a:schemeClr val="dk2"/>
+              </a:buClr>
+              <a:buSzPts val="5400"/>
+              <a:buNone/>
+              <a:defRPr b="0" sz="5400">
+                <a:solidFill>
+                  <a:schemeClr val="dk2"/>
+                </a:solidFill>
+              </a:defRPr>
             </a:lvl5pPr>
             <a:lvl6pPr lvl="5">
               <a:spcBef>
@@ -4828,9 +5398,16 @@
               <a:spcAft>
                 <a:spcPts val="0"/>
               </a:spcAft>
-              <a:buSzPts val="4800"/>
-              <a:buNone/>
-              <a:defRPr sz="4800"/>
+              <a:buClr>
+                <a:schemeClr val="dk2"/>
+              </a:buClr>
+              <a:buSzPts val="5400"/>
+              <a:buNone/>
+              <a:defRPr b="0" sz="5400">
+                <a:solidFill>
+                  <a:schemeClr val="dk2"/>
+                </a:solidFill>
+              </a:defRPr>
             </a:lvl6pPr>
             <a:lvl7pPr lvl="6">
               <a:spcBef>
@@ -4839,9 +5416,16 @@
               <a:spcAft>
                 <a:spcPts val="0"/>
               </a:spcAft>
-              <a:buSzPts val="4800"/>
-              <a:buNone/>
-              <a:defRPr sz="4800"/>
+              <a:buClr>
+                <a:schemeClr val="dk2"/>
+              </a:buClr>
+              <a:buSzPts val="5400"/>
+              <a:buNone/>
+              <a:defRPr b="0" sz="5400">
+                <a:solidFill>
+                  <a:schemeClr val="dk2"/>
+                </a:solidFill>
+              </a:defRPr>
             </a:lvl7pPr>
             <a:lvl8pPr lvl="7">
               <a:spcBef>
@@ -4850,9 +5434,16 @@
               <a:spcAft>
                 <a:spcPts val="0"/>
               </a:spcAft>
-              <a:buSzPts val="4800"/>
-              <a:buNone/>
-              <a:defRPr sz="4800"/>
+              <a:buClr>
+                <a:schemeClr val="dk2"/>
+              </a:buClr>
+              <a:buSzPts val="5400"/>
+              <a:buNone/>
+              <a:defRPr b="0" sz="5400">
+                <a:solidFill>
+                  <a:schemeClr val="dk2"/>
+                </a:solidFill>
+              </a:defRPr>
             </a:lvl8pPr>
             <a:lvl9pPr lvl="8">
               <a:spcBef>
@@ -4861,9 +5452,16 @@
               <a:spcAft>
                 <a:spcPts val="0"/>
               </a:spcAft>
-              <a:buSzPts val="4800"/>
-              <a:buNone/>
-              <a:defRPr sz="4800"/>
+              <a:buClr>
+                <a:schemeClr val="dk2"/>
+              </a:buClr>
+              <a:buSzPts val="5400"/>
+              <a:buNone/>
+              <a:defRPr b="0" sz="5400">
+                <a:solidFill>
+                  <a:schemeClr val="dk2"/>
+                </a:solidFill>
+              </a:defRPr>
             </a:lvl9pPr>
           </a:lstStyle>
           <a:p/>
@@ -4871,7 +5469,7 @@
       </p:sp>
       <p:sp>
         <p:nvSpPr>
-          <p:cNvPr id="34" name="Google Shape;34;p8"/>
+          <p:cNvPr id="44" name="Google Shape;44;p8"/>
           <p:cNvSpPr txBox="1"/>
           <p:nvPr>
             <p:ph idx="12" type="sldNum"/>
@@ -4959,7 +5557,7 @@
   <p:cSld name="SECTION_TITLE_AND_DESCRIPTION">
     <p:spTree>
       <p:nvGrpSpPr>
-        <p:cNvPr id="35" name="Shape 35"/>
+        <p:cNvPr id="45" name="Shape 45"/>
         <p:cNvGrpSpPr/>
         <p:nvPr/>
       </p:nvGrpSpPr>
@@ -4973,20 +5571,20 @@
       </p:grpSpPr>
       <p:sp>
         <p:nvSpPr>
-          <p:cNvPr id="36" name="Google Shape;36;p9"/>
+          <p:cNvPr id="46" name="Google Shape;46;p9"/>
           <p:cNvSpPr/>
           <p:nvPr/>
         </p:nvSpPr>
         <p:spPr>
           <a:xfrm>
-            <a:off x="4572000" y="-125"/>
+            <a:off x="4572000" y="0"/>
             <a:ext cx="4572000" cy="5143500"/>
           </a:xfrm>
           <a:prstGeom prst="rect">
             <a:avLst/>
           </a:prstGeom>
           <a:solidFill>
-            <a:schemeClr val="lt2"/>
+            <a:schemeClr val="accent3"/>
           </a:solidFill>
           <a:ln>
             <a:noFill/>
@@ -5014,9 +5612,35 @@
           </a:p>
         </p:txBody>
       </p:sp>
+      <p:cxnSp>
+        <p:nvCxnSpPr>
+          <p:cNvPr id="47" name="Google Shape;47;p9"/>
+          <p:cNvCxnSpPr/>
+          <p:nvPr/>
+        </p:nvCxnSpPr>
+        <p:spPr>
+          <a:xfrm>
+            <a:off x="5029675" y="4495500"/>
+            <a:ext cx="468300" cy="0"/>
+          </a:xfrm>
+          <a:prstGeom prst="straightConnector1">
+            <a:avLst/>
+          </a:prstGeom>
+          <a:noFill/>
+          <a:ln cap="flat" cmpd="sng" w="19050">
+            <a:solidFill>
+              <a:schemeClr val="lt1"/>
+            </a:solidFill>
+            <a:prstDash val="solid"/>
+            <a:round/>
+            <a:headEnd len="sm" w="sm" type="none"/>
+            <a:tailEnd len="sm" w="sm" type="none"/>
+          </a:ln>
+        </p:spPr>
+      </p:cxnSp>
       <p:sp>
         <p:nvSpPr>
-          <p:cNvPr id="37" name="Google Shape;37;p9"/>
+          <p:cNvPr id="48" name="Google Shape;48;p9"/>
           <p:cNvSpPr txBox="1"/>
           <p:nvPr>
             <p:ph type="title"/>
@@ -5024,8 +5648,8 @@
         </p:nvSpPr>
         <p:spPr>
           <a:xfrm>
-            <a:off x="265500" y="1233175"/>
-            <a:ext cx="4045200" cy="1482300"/>
+            <a:off x="265500" y="1039675"/>
+            <a:ext cx="4045200" cy="1675800"/>
           </a:xfrm>
           <a:prstGeom prst="rect">
             <a:avLst/>
@@ -5139,7 +5763,7 @@
       </p:sp>
       <p:sp>
         <p:nvSpPr>
-          <p:cNvPr id="38" name="Google Shape;38;p9"/>
+          <p:cNvPr id="49" name="Google Shape;49;p9"/>
           <p:cNvSpPr txBox="1"/>
           <p:nvPr>
             <p:ph idx="1" type="subTitle"/>
@@ -5147,7 +5771,7 @@
         </p:nvSpPr>
         <p:spPr>
           <a:xfrm>
-            <a:off x="265500" y="2803075"/>
+            <a:off x="265500" y="2726875"/>
             <a:ext cx="4045200" cy="1235100"/>
           </a:xfrm>
           <a:prstGeom prst="rect">
@@ -5289,7 +5913,7 @@
       </p:sp>
       <p:sp>
         <p:nvSpPr>
-          <p:cNvPr id="39" name="Google Shape;39;p9"/>
+          <p:cNvPr id="50" name="Google Shape;50;p9"/>
           <p:cNvSpPr txBox="1"/>
           <p:nvPr>
             <p:ph idx="2" type="body"/>
@@ -5297,7 +5921,7 @@
         </p:nvSpPr>
         <p:spPr>
           <a:xfrm>
-            <a:off x="4939500" y="724075"/>
+            <a:off x="4939500" y="724200"/>
             <a:ext cx="3837000" cy="3695100"/>
           </a:xfrm>
           <a:prstGeom prst="rect">
@@ -5314,9 +5938,16 @@
               <a:spcAft>
                 <a:spcPts val="0"/>
               </a:spcAft>
+              <a:buClr>
+                <a:schemeClr val="lt1"/>
+              </a:buClr>
               <a:buSzPts val="1800"/>
               <a:buChar char="●"/>
-              <a:defRPr/>
+              <a:defRPr>
+                <a:solidFill>
+                  <a:schemeClr val="lt1"/>
+                </a:solidFill>
+              </a:defRPr>
             </a:lvl1pPr>
             <a:lvl2pPr indent="-317500" lvl="1" marL="914400">
               <a:spcBef>
@@ -5325,9 +5956,16 @@
               <a:spcAft>
                 <a:spcPts val="0"/>
               </a:spcAft>
+              <a:buClr>
+                <a:schemeClr val="lt1"/>
+              </a:buClr>
               <a:buSzPts val="1400"/>
               <a:buChar char="○"/>
-              <a:defRPr/>
+              <a:defRPr>
+                <a:solidFill>
+                  <a:schemeClr val="lt1"/>
+                </a:solidFill>
+              </a:defRPr>
             </a:lvl2pPr>
             <a:lvl3pPr indent="-317500" lvl="2" marL="1371600">
               <a:spcBef>
@@ -5336,9 +5974,16 @@
               <a:spcAft>
                 <a:spcPts val="0"/>
               </a:spcAft>
+              <a:buClr>
+                <a:schemeClr val="lt1"/>
+              </a:buClr>
               <a:buSzPts val="1400"/>
               <a:buChar char="■"/>
-              <a:defRPr/>
+              <a:defRPr>
+                <a:solidFill>
+                  <a:schemeClr val="lt1"/>
+                </a:solidFill>
+              </a:defRPr>
             </a:lvl3pPr>
             <a:lvl4pPr indent="-317500" lvl="3" marL="1828800">
               <a:spcBef>
@@ -5347,9 +5992,16 @@
               <a:spcAft>
                 <a:spcPts val="0"/>
               </a:spcAft>
+              <a:buClr>
+                <a:schemeClr val="lt1"/>
+              </a:buClr>
               <a:buSzPts val="1400"/>
               <a:buChar char="●"/>
-              <a:defRPr/>
+              <a:defRPr>
+                <a:solidFill>
+                  <a:schemeClr val="lt1"/>
+                </a:solidFill>
+              </a:defRPr>
             </a:lvl4pPr>
             <a:lvl5pPr indent="-317500" lvl="4" marL="2286000">
               <a:spcBef>
@@ -5358,9 +6010,16 @@
               <a:spcAft>
                 <a:spcPts val="0"/>
               </a:spcAft>
+              <a:buClr>
+                <a:schemeClr val="lt1"/>
+              </a:buClr>
               <a:buSzPts val="1400"/>
               <a:buChar char="○"/>
-              <a:defRPr/>
+              <a:defRPr>
+                <a:solidFill>
+                  <a:schemeClr val="lt1"/>
+                </a:solidFill>
+              </a:defRPr>
             </a:lvl5pPr>
             <a:lvl6pPr indent="-317500" lvl="5" marL="2743200">
               <a:spcBef>
@@ -5369,9 +6028,16 @@
               <a:spcAft>
                 <a:spcPts val="0"/>
               </a:spcAft>
+              <a:buClr>
+                <a:schemeClr val="lt1"/>
+              </a:buClr>
               <a:buSzPts val="1400"/>
               <a:buChar char="■"/>
-              <a:defRPr/>
+              <a:defRPr>
+                <a:solidFill>
+                  <a:schemeClr val="lt1"/>
+                </a:solidFill>
+              </a:defRPr>
             </a:lvl6pPr>
             <a:lvl7pPr indent="-317500" lvl="6" marL="3200400">
               <a:spcBef>
@@ -5380,9 +6046,16 @@
               <a:spcAft>
                 <a:spcPts val="0"/>
               </a:spcAft>
+              <a:buClr>
+                <a:schemeClr val="lt1"/>
+              </a:buClr>
               <a:buSzPts val="1400"/>
               <a:buChar char="●"/>
-              <a:defRPr/>
+              <a:defRPr>
+                <a:solidFill>
+                  <a:schemeClr val="lt1"/>
+                </a:solidFill>
+              </a:defRPr>
             </a:lvl7pPr>
             <a:lvl8pPr indent="-317500" lvl="7" marL="3657600">
               <a:spcBef>
@@ -5391,9 +6064,16 @@
               <a:spcAft>
                 <a:spcPts val="0"/>
               </a:spcAft>
+              <a:buClr>
+                <a:schemeClr val="lt1"/>
+              </a:buClr>
               <a:buSzPts val="1400"/>
               <a:buChar char="○"/>
-              <a:defRPr/>
+              <a:defRPr>
+                <a:solidFill>
+                  <a:schemeClr val="lt1"/>
+                </a:solidFill>
+              </a:defRPr>
             </a:lvl8pPr>
             <a:lvl9pPr indent="-317500" lvl="8" marL="4114800">
               <a:spcBef>
@@ -5402,9 +6082,16 @@
               <a:spcAft>
                 <a:spcPts val="1600"/>
               </a:spcAft>
+              <a:buClr>
+                <a:schemeClr val="lt1"/>
+              </a:buClr>
               <a:buSzPts val="1400"/>
               <a:buChar char="■"/>
-              <a:defRPr/>
+              <a:defRPr>
+                <a:solidFill>
+                  <a:schemeClr val="lt1"/>
+                </a:solidFill>
+              </a:defRPr>
             </a:lvl9pPr>
           </a:lstStyle>
           <a:p/>
@@ -5412,7 +6099,7 @@
       </p:sp>
       <p:sp>
         <p:nvSpPr>
-          <p:cNvPr id="40" name="Google Shape;40;p9"/>
+          <p:cNvPr id="51" name="Google Shape;51;p9"/>
           <p:cNvSpPr txBox="1"/>
           <p:nvPr>
             <p:ph idx="12" type="sldNum"/>
@@ -5434,39 +6121,75 @@
           <a:lstStyle>
             <a:lvl1pPr lvl="0">
               <a:buNone/>
-              <a:defRPr/>
+              <a:defRPr>
+                <a:solidFill>
+                  <a:schemeClr val="lt1"/>
+                </a:solidFill>
+              </a:defRPr>
             </a:lvl1pPr>
             <a:lvl2pPr lvl="1">
               <a:buNone/>
-              <a:defRPr/>
+              <a:defRPr>
+                <a:solidFill>
+                  <a:schemeClr val="lt1"/>
+                </a:solidFill>
+              </a:defRPr>
             </a:lvl2pPr>
             <a:lvl3pPr lvl="2">
               <a:buNone/>
-              <a:defRPr/>
+              <a:defRPr>
+                <a:solidFill>
+                  <a:schemeClr val="lt1"/>
+                </a:solidFill>
+              </a:defRPr>
             </a:lvl3pPr>
             <a:lvl4pPr lvl="3">
               <a:buNone/>
-              <a:defRPr/>
+              <a:defRPr>
+                <a:solidFill>
+                  <a:schemeClr val="lt1"/>
+                </a:solidFill>
+              </a:defRPr>
             </a:lvl4pPr>
             <a:lvl5pPr lvl="4">
               <a:buNone/>
-              <a:defRPr/>
+              <a:defRPr>
+                <a:solidFill>
+                  <a:schemeClr val="lt1"/>
+                </a:solidFill>
+              </a:defRPr>
             </a:lvl5pPr>
             <a:lvl6pPr lvl="5">
               <a:buNone/>
-              <a:defRPr/>
+              <a:defRPr>
+                <a:solidFill>
+                  <a:schemeClr val="lt1"/>
+                </a:solidFill>
+              </a:defRPr>
             </a:lvl6pPr>
             <a:lvl7pPr lvl="6">
               <a:buNone/>
-              <a:defRPr/>
+              <a:defRPr>
+                <a:solidFill>
+                  <a:schemeClr val="lt1"/>
+                </a:solidFill>
+              </a:defRPr>
             </a:lvl7pPr>
             <a:lvl8pPr lvl="7">
               <a:buNone/>
-              <a:defRPr/>
+              <a:defRPr>
+                <a:solidFill>
+                  <a:schemeClr val="lt1"/>
+                </a:solidFill>
+              </a:defRPr>
             </a:lvl8pPr>
             <a:lvl9pPr lvl="8">
               <a:buNone/>
-              <a:defRPr/>
+              <a:defRPr>
+                <a:solidFill>
+                  <a:schemeClr val="lt1"/>
+                </a:solidFill>
+              </a:defRPr>
             </a:lvl9pPr>
           </a:lstStyle>
           <a:p>
@@ -5500,7 +6223,7 @@
   <p:cSld name="CAPTION_ONLY">
     <p:spTree>
       <p:nvGrpSpPr>
-        <p:cNvPr id="41" name="Shape 41"/>
+        <p:cNvPr id="52" name="Shape 52"/>
         <p:cNvGrpSpPr/>
         <p:nvPr/>
       </p:nvGrpSpPr>
@@ -5514,7 +6237,7 @@
       </p:grpSpPr>
       <p:sp>
         <p:nvSpPr>
-          <p:cNvPr id="42" name="Google Shape;42;p10"/>
+          <p:cNvPr id="53" name="Google Shape;53;p10"/>
           <p:cNvSpPr txBox="1"/>
           <p:nvPr>
             <p:ph idx="1" type="body"/>
@@ -5522,8 +6245,8 @@
         </p:nvSpPr>
         <p:spPr>
           <a:xfrm>
-            <a:off x="311700" y="4230575"/>
-            <a:ext cx="5998800" cy="605100"/>
+            <a:off x="311700" y="4230725"/>
+            <a:ext cx="5998800" cy="598800"/>
           </a:xfrm>
           <a:prstGeom prst="rect">
             <a:avLst/>
@@ -5542,9 +6265,15 @@
               <a:spcAft>
                 <a:spcPts val="0"/>
               </a:spcAft>
-              <a:buSzPts val="1800"/>
-              <a:buNone/>
-              <a:defRPr/>
+              <a:buSzPts val="2400"/>
+              <a:buFont typeface="PT Sans Narrow"/>
+              <a:buNone/>
+              <a:defRPr sz="2400">
+                <a:latin typeface="PT Sans Narrow"/>
+                <a:ea typeface="PT Sans Narrow"/>
+                <a:cs typeface="PT Sans Narrow"/>
+                <a:sym typeface="PT Sans Narrow"/>
+              </a:defRPr>
             </a:lvl1pPr>
           </a:lstStyle>
           <a:p/>
@@ -5552,7 +6281,7 @@
       </p:sp>
       <p:sp>
         <p:nvSpPr>
-          <p:cNvPr id="43" name="Google Shape;43;p10"/>
+          <p:cNvPr id="54" name="Google Shape;54;p10"/>
           <p:cNvSpPr txBox="1"/>
           <p:nvPr>
             <p:ph idx="12" type="sldNum"/>
@@ -5637,7 +6366,7 @@
 
 <file path=ppt/slideMasters/slideMaster1.xml><?xml version="1.0" encoding="utf-8"?>
 <p:sldMaster xmlns:a="http://schemas.openxmlformats.org/drawingml/2006/main" xmlns:r="http://schemas.openxmlformats.org/officeDocument/2006/relationships" xmlns:mc="http://schemas.openxmlformats.org/markup-compatibility/2006" xmlns:mv="urn:schemas-microsoft-com:mac:vml" xmlns:p="http://schemas.openxmlformats.org/presentationml/2006/main" xmlns:c="http://schemas.openxmlformats.org/drawingml/2006/chart" xmlns:dgm="http://schemas.openxmlformats.org/drawingml/2006/diagram" xmlns:o="urn:schemas-microsoft-com:office:office" xmlns:v="urn:schemas-microsoft-com:vml" xmlns:pvml="urn:schemas-microsoft-com:office:powerpoint" xmlns:com="http://schemas.openxmlformats.org/drawingml/2006/compatibility" xmlns:p14="http://schemas.microsoft.com/office/powerpoint/2010/main" xmlns:p15="http://schemas.microsoft.com/office/powerpoint/2012/main">
-  <p:cSld name="simple-light-2">
+  <p:cSld name="tropic">
     <p:bg>
       <p:bgPr>
         <a:solidFill>
@@ -5670,7 +6399,7 @@
         <p:spPr>
           <a:xfrm>
             <a:off x="311700" y="445025"/>
-            <a:ext cx="8520600" cy="572700"/>
+            <a:ext cx="8520600" cy="707400"/>
           </a:xfrm>
           <a:prstGeom prst="rect">
             <a:avLst/>
@@ -5691,14 +6420,19 @@
                 <a:spcPts val="0"/>
               </a:spcAft>
               <a:buClr>
-                <a:schemeClr val="dk1"/>
+                <a:schemeClr val="accent1"/>
               </a:buClr>
-              <a:buSzPts val="2800"/>
-              <a:buNone/>
-              <a:defRPr sz="2800">
+              <a:buSzPts val="3600"/>
+              <a:buFont typeface="PT Sans Narrow"/>
+              <a:buNone/>
+              <a:defRPr b="1" sz="3600">
                 <a:solidFill>
-                  <a:schemeClr val="dk1"/>
+                  <a:schemeClr val="accent1"/>
                 </a:solidFill>
+                <a:latin typeface="PT Sans Narrow"/>
+                <a:ea typeface="PT Sans Narrow"/>
+                <a:cs typeface="PT Sans Narrow"/>
+                <a:sym typeface="PT Sans Narrow"/>
               </a:defRPr>
             </a:lvl1pPr>
             <a:lvl2pPr lvl="1">
@@ -5709,14 +6443,19 @@
                 <a:spcPts val="0"/>
               </a:spcAft>
               <a:buClr>
-                <a:schemeClr val="dk1"/>
+                <a:schemeClr val="accent1"/>
               </a:buClr>
-              <a:buSzPts val="2800"/>
-              <a:buNone/>
-              <a:defRPr sz="2800">
+              <a:buSzPts val="3600"/>
+              <a:buFont typeface="PT Sans Narrow"/>
+              <a:buNone/>
+              <a:defRPr b="1" sz="3600">
                 <a:solidFill>
-                  <a:schemeClr val="dk1"/>
+                  <a:schemeClr val="accent1"/>
                 </a:solidFill>
+                <a:latin typeface="PT Sans Narrow"/>
+                <a:ea typeface="PT Sans Narrow"/>
+                <a:cs typeface="PT Sans Narrow"/>
+                <a:sym typeface="PT Sans Narrow"/>
               </a:defRPr>
             </a:lvl2pPr>
             <a:lvl3pPr lvl="2">
@@ -5727,14 +6466,19 @@
                 <a:spcPts val="0"/>
               </a:spcAft>
               <a:buClr>
-                <a:schemeClr val="dk1"/>
+                <a:schemeClr val="accent1"/>
               </a:buClr>
-              <a:buSzPts val="2800"/>
-              <a:buNone/>
-              <a:defRPr sz="2800">
+              <a:buSzPts val="3600"/>
+              <a:buFont typeface="PT Sans Narrow"/>
+              <a:buNone/>
+              <a:defRPr b="1" sz="3600">
                 <a:solidFill>
-                  <a:schemeClr val="dk1"/>
+                  <a:schemeClr val="accent1"/>
                 </a:solidFill>
+                <a:latin typeface="PT Sans Narrow"/>
+                <a:ea typeface="PT Sans Narrow"/>
+                <a:cs typeface="PT Sans Narrow"/>
+                <a:sym typeface="PT Sans Narrow"/>
               </a:defRPr>
             </a:lvl3pPr>
             <a:lvl4pPr lvl="3">
@@ -5745,14 +6489,19 @@
                 <a:spcPts val="0"/>
               </a:spcAft>
               <a:buClr>
-                <a:schemeClr val="dk1"/>
+                <a:schemeClr val="accent1"/>
               </a:buClr>
-              <a:buSzPts val="2800"/>
-              <a:buNone/>
-              <a:defRPr sz="2800">
+              <a:buSzPts val="3600"/>
+              <a:buFont typeface="PT Sans Narrow"/>
+              <a:buNone/>
+              <a:defRPr b="1" sz="3600">
                 <a:solidFill>
-                  <a:schemeClr val="dk1"/>
+                  <a:schemeClr val="accent1"/>
                 </a:solidFill>
+                <a:latin typeface="PT Sans Narrow"/>
+                <a:ea typeface="PT Sans Narrow"/>
+                <a:cs typeface="PT Sans Narrow"/>
+                <a:sym typeface="PT Sans Narrow"/>
               </a:defRPr>
             </a:lvl4pPr>
             <a:lvl5pPr lvl="4">
@@ -5763,14 +6512,19 @@
                 <a:spcPts val="0"/>
               </a:spcAft>
               <a:buClr>
-                <a:schemeClr val="dk1"/>
+                <a:schemeClr val="accent1"/>
               </a:buClr>
-              <a:buSzPts val="2800"/>
-              <a:buNone/>
-              <a:defRPr sz="2800">
+              <a:buSzPts val="3600"/>
+              <a:buFont typeface="PT Sans Narrow"/>
+              <a:buNone/>
+              <a:defRPr b="1" sz="3600">
                 <a:solidFill>
-                  <a:schemeClr val="dk1"/>
+                  <a:schemeClr val="accent1"/>
                 </a:solidFill>
+                <a:latin typeface="PT Sans Narrow"/>
+                <a:ea typeface="PT Sans Narrow"/>
+                <a:cs typeface="PT Sans Narrow"/>
+                <a:sym typeface="PT Sans Narrow"/>
               </a:defRPr>
             </a:lvl5pPr>
             <a:lvl6pPr lvl="5">
@@ -5781,14 +6535,19 @@
                 <a:spcPts val="0"/>
               </a:spcAft>
               <a:buClr>
-                <a:schemeClr val="dk1"/>
+                <a:schemeClr val="accent1"/>
               </a:buClr>
-              <a:buSzPts val="2800"/>
-              <a:buNone/>
-              <a:defRPr sz="2800">
+              <a:buSzPts val="3600"/>
+              <a:buFont typeface="PT Sans Narrow"/>
+              <a:buNone/>
+              <a:defRPr b="1" sz="3600">
                 <a:solidFill>
-                  <a:schemeClr val="dk1"/>
+                  <a:schemeClr val="accent1"/>
                 </a:solidFill>
+                <a:latin typeface="PT Sans Narrow"/>
+                <a:ea typeface="PT Sans Narrow"/>
+                <a:cs typeface="PT Sans Narrow"/>
+                <a:sym typeface="PT Sans Narrow"/>
               </a:defRPr>
             </a:lvl6pPr>
             <a:lvl7pPr lvl="6">
@@ -5799,14 +6558,19 @@
                 <a:spcPts val="0"/>
               </a:spcAft>
               <a:buClr>
-                <a:schemeClr val="dk1"/>
+                <a:schemeClr val="accent1"/>
               </a:buClr>
-              <a:buSzPts val="2800"/>
-              <a:buNone/>
-              <a:defRPr sz="2800">
+              <a:buSzPts val="3600"/>
+              <a:buFont typeface="PT Sans Narrow"/>
+              <a:buNone/>
+              <a:defRPr b="1" sz="3600">
                 <a:solidFill>
-                  <a:schemeClr val="dk1"/>
+                  <a:schemeClr val="accent1"/>
                 </a:solidFill>
+                <a:latin typeface="PT Sans Narrow"/>
+                <a:ea typeface="PT Sans Narrow"/>
+                <a:cs typeface="PT Sans Narrow"/>
+                <a:sym typeface="PT Sans Narrow"/>
               </a:defRPr>
             </a:lvl7pPr>
             <a:lvl8pPr lvl="7">
@@ -5817,14 +6581,19 @@
                 <a:spcPts val="0"/>
               </a:spcAft>
               <a:buClr>
-                <a:schemeClr val="dk1"/>
+                <a:schemeClr val="accent1"/>
               </a:buClr>
-              <a:buSzPts val="2800"/>
-              <a:buNone/>
-              <a:defRPr sz="2800">
+              <a:buSzPts val="3600"/>
+              <a:buFont typeface="PT Sans Narrow"/>
+              <a:buNone/>
+              <a:defRPr b="1" sz="3600">
                 <a:solidFill>
-                  <a:schemeClr val="dk1"/>
+                  <a:schemeClr val="accent1"/>
                 </a:solidFill>
+                <a:latin typeface="PT Sans Narrow"/>
+                <a:ea typeface="PT Sans Narrow"/>
+                <a:cs typeface="PT Sans Narrow"/>
+                <a:sym typeface="PT Sans Narrow"/>
               </a:defRPr>
             </a:lvl8pPr>
             <a:lvl9pPr lvl="8">
@@ -5835,14 +6604,19 @@
                 <a:spcPts val="0"/>
               </a:spcAft>
               <a:buClr>
-                <a:schemeClr val="dk1"/>
+                <a:schemeClr val="accent1"/>
               </a:buClr>
-              <a:buSzPts val="2800"/>
-              <a:buNone/>
-              <a:defRPr sz="2800">
+              <a:buSzPts val="3600"/>
+              <a:buFont typeface="PT Sans Narrow"/>
+              <a:buNone/>
+              <a:defRPr b="1" sz="3600">
                 <a:solidFill>
-                  <a:schemeClr val="dk1"/>
+                  <a:schemeClr val="accent1"/>
                 </a:solidFill>
+                <a:latin typeface="PT Sans Narrow"/>
+                <a:ea typeface="PT Sans Narrow"/>
+                <a:cs typeface="PT Sans Narrow"/>
+                <a:sym typeface="PT Sans Narrow"/>
               </a:defRPr>
             </a:lvl9pPr>
           </a:lstStyle>
@@ -5859,8 +6633,8 @@
         </p:nvSpPr>
         <p:spPr>
           <a:xfrm>
-            <a:off x="311700" y="1152475"/>
-            <a:ext cx="8520600" cy="3416400"/>
+            <a:off x="311700" y="1266325"/>
+            <a:ext cx="8520600" cy="3302700"/>
           </a:xfrm>
           <a:prstGeom prst="rect">
             <a:avLst/>
@@ -5887,11 +6661,16 @@
                 <a:schemeClr val="dk2"/>
               </a:buClr>
               <a:buSzPts val="1800"/>
+              <a:buFont typeface="Open Sans"/>
               <a:buChar char="●"/>
               <a:defRPr sz="1800">
                 <a:solidFill>
                   <a:schemeClr val="dk2"/>
                 </a:solidFill>
+                <a:latin typeface="Open Sans"/>
+                <a:ea typeface="Open Sans"/>
+                <a:cs typeface="Open Sans"/>
+                <a:sym typeface="Open Sans"/>
               </a:defRPr>
             </a:lvl1pPr>
             <a:lvl2pPr indent="-317500" lvl="1" marL="914400">
@@ -5908,11 +6687,16 @@
                 <a:schemeClr val="dk2"/>
               </a:buClr>
               <a:buSzPts val="1400"/>
+              <a:buFont typeface="Open Sans"/>
               <a:buChar char="○"/>
               <a:defRPr>
                 <a:solidFill>
                   <a:schemeClr val="dk2"/>
                 </a:solidFill>
+                <a:latin typeface="Open Sans"/>
+                <a:ea typeface="Open Sans"/>
+                <a:cs typeface="Open Sans"/>
+                <a:sym typeface="Open Sans"/>
               </a:defRPr>
             </a:lvl2pPr>
             <a:lvl3pPr indent="-317500" lvl="2" marL="1371600">
@@ -5929,11 +6713,16 @@
                 <a:schemeClr val="dk2"/>
               </a:buClr>
               <a:buSzPts val="1400"/>
+              <a:buFont typeface="Open Sans"/>
               <a:buChar char="■"/>
               <a:defRPr>
                 <a:solidFill>
                   <a:schemeClr val="dk2"/>
                 </a:solidFill>
+                <a:latin typeface="Open Sans"/>
+                <a:ea typeface="Open Sans"/>
+                <a:cs typeface="Open Sans"/>
+                <a:sym typeface="Open Sans"/>
               </a:defRPr>
             </a:lvl3pPr>
             <a:lvl4pPr indent="-317500" lvl="3" marL="1828800">
@@ -5950,11 +6739,16 @@
                 <a:schemeClr val="dk2"/>
               </a:buClr>
               <a:buSzPts val="1400"/>
+              <a:buFont typeface="Open Sans"/>
               <a:buChar char="●"/>
               <a:defRPr>
                 <a:solidFill>
                   <a:schemeClr val="dk2"/>
                 </a:solidFill>
+                <a:latin typeface="Open Sans"/>
+                <a:ea typeface="Open Sans"/>
+                <a:cs typeface="Open Sans"/>
+                <a:sym typeface="Open Sans"/>
               </a:defRPr>
             </a:lvl4pPr>
             <a:lvl5pPr indent="-317500" lvl="4" marL="2286000">
@@ -5971,11 +6765,16 @@
                 <a:schemeClr val="dk2"/>
               </a:buClr>
               <a:buSzPts val="1400"/>
+              <a:buFont typeface="Open Sans"/>
               <a:buChar char="○"/>
               <a:defRPr>
                 <a:solidFill>
                   <a:schemeClr val="dk2"/>
                 </a:solidFill>
+                <a:latin typeface="Open Sans"/>
+                <a:ea typeface="Open Sans"/>
+                <a:cs typeface="Open Sans"/>
+                <a:sym typeface="Open Sans"/>
               </a:defRPr>
             </a:lvl5pPr>
             <a:lvl6pPr indent="-317500" lvl="5" marL="2743200">
@@ -5992,11 +6791,16 @@
                 <a:schemeClr val="dk2"/>
               </a:buClr>
               <a:buSzPts val="1400"/>
+              <a:buFont typeface="Open Sans"/>
               <a:buChar char="■"/>
               <a:defRPr>
                 <a:solidFill>
                   <a:schemeClr val="dk2"/>
                 </a:solidFill>
+                <a:latin typeface="Open Sans"/>
+                <a:ea typeface="Open Sans"/>
+                <a:cs typeface="Open Sans"/>
+                <a:sym typeface="Open Sans"/>
               </a:defRPr>
             </a:lvl6pPr>
             <a:lvl7pPr indent="-317500" lvl="6" marL="3200400">
@@ -6013,11 +6817,16 @@
                 <a:schemeClr val="dk2"/>
               </a:buClr>
               <a:buSzPts val="1400"/>
+              <a:buFont typeface="Open Sans"/>
               <a:buChar char="●"/>
               <a:defRPr>
                 <a:solidFill>
                   <a:schemeClr val="dk2"/>
                 </a:solidFill>
+                <a:latin typeface="Open Sans"/>
+                <a:ea typeface="Open Sans"/>
+                <a:cs typeface="Open Sans"/>
+                <a:sym typeface="Open Sans"/>
               </a:defRPr>
             </a:lvl7pPr>
             <a:lvl8pPr indent="-317500" lvl="7" marL="3657600">
@@ -6034,11 +6843,16 @@
                 <a:schemeClr val="dk2"/>
               </a:buClr>
               <a:buSzPts val="1400"/>
+              <a:buFont typeface="Open Sans"/>
               <a:buChar char="○"/>
               <a:defRPr>
                 <a:solidFill>
                   <a:schemeClr val="dk2"/>
                 </a:solidFill>
+                <a:latin typeface="Open Sans"/>
+                <a:ea typeface="Open Sans"/>
+                <a:cs typeface="Open Sans"/>
+                <a:sym typeface="Open Sans"/>
               </a:defRPr>
             </a:lvl8pPr>
             <a:lvl9pPr indent="-317500" lvl="8" marL="4114800">
@@ -6055,11 +6869,16 @@
                 <a:schemeClr val="dk2"/>
               </a:buClr>
               <a:buSzPts val="1400"/>
+              <a:buFont typeface="Open Sans"/>
               <a:buChar char="■"/>
               <a:defRPr>
                 <a:solidFill>
                   <a:schemeClr val="dk2"/>
                 </a:solidFill>
+                <a:latin typeface="Open Sans"/>
+                <a:ea typeface="Open Sans"/>
+                <a:cs typeface="Open Sans"/>
+                <a:sym typeface="Open Sans"/>
               </a:defRPr>
             </a:lvl9pPr>
           </a:lstStyle>
@@ -6098,6 +6917,10 @@
                 <a:solidFill>
                   <a:schemeClr val="dk2"/>
                 </a:solidFill>
+                <a:latin typeface="Open Sans"/>
+                <a:ea typeface="Open Sans"/>
+                <a:cs typeface="Open Sans"/>
+                <a:sym typeface="Open Sans"/>
               </a:defRPr>
             </a:lvl1pPr>
             <a:lvl2pPr lvl="1" algn="r">
@@ -6106,6 +6929,10 @@
                 <a:solidFill>
                   <a:schemeClr val="dk2"/>
                 </a:solidFill>
+                <a:latin typeface="Open Sans"/>
+                <a:ea typeface="Open Sans"/>
+                <a:cs typeface="Open Sans"/>
+                <a:sym typeface="Open Sans"/>
               </a:defRPr>
             </a:lvl2pPr>
             <a:lvl3pPr lvl="2" algn="r">
@@ -6114,6 +6941,10 @@
                 <a:solidFill>
                   <a:schemeClr val="dk2"/>
                 </a:solidFill>
+                <a:latin typeface="Open Sans"/>
+                <a:ea typeface="Open Sans"/>
+                <a:cs typeface="Open Sans"/>
+                <a:sym typeface="Open Sans"/>
               </a:defRPr>
             </a:lvl3pPr>
             <a:lvl4pPr lvl="3" algn="r">
@@ -6122,6 +6953,10 @@
                 <a:solidFill>
                   <a:schemeClr val="dk2"/>
                 </a:solidFill>
+                <a:latin typeface="Open Sans"/>
+                <a:ea typeface="Open Sans"/>
+                <a:cs typeface="Open Sans"/>
+                <a:sym typeface="Open Sans"/>
               </a:defRPr>
             </a:lvl4pPr>
             <a:lvl5pPr lvl="4" algn="r">
@@ -6130,6 +6965,10 @@
                 <a:solidFill>
                   <a:schemeClr val="dk2"/>
                 </a:solidFill>
+                <a:latin typeface="Open Sans"/>
+                <a:ea typeface="Open Sans"/>
+                <a:cs typeface="Open Sans"/>
+                <a:sym typeface="Open Sans"/>
               </a:defRPr>
             </a:lvl5pPr>
             <a:lvl6pPr lvl="5" algn="r">
@@ -6138,6 +6977,10 @@
                 <a:solidFill>
                   <a:schemeClr val="dk2"/>
                 </a:solidFill>
+                <a:latin typeface="Open Sans"/>
+                <a:ea typeface="Open Sans"/>
+                <a:cs typeface="Open Sans"/>
+                <a:sym typeface="Open Sans"/>
               </a:defRPr>
             </a:lvl6pPr>
             <a:lvl7pPr lvl="6" algn="r">
@@ -6146,6 +6989,10 @@
                 <a:solidFill>
                   <a:schemeClr val="dk2"/>
                 </a:solidFill>
+                <a:latin typeface="Open Sans"/>
+                <a:ea typeface="Open Sans"/>
+                <a:cs typeface="Open Sans"/>
+                <a:sym typeface="Open Sans"/>
               </a:defRPr>
             </a:lvl7pPr>
             <a:lvl8pPr lvl="7" algn="r">
@@ -6154,6 +7001,10 @@
                 <a:solidFill>
                   <a:schemeClr val="dk2"/>
                 </a:solidFill>
+                <a:latin typeface="Open Sans"/>
+                <a:ea typeface="Open Sans"/>
+                <a:cs typeface="Open Sans"/>
+                <a:sym typeface="Open Sans"/>
               </a:defRPr>
             </a:lvl8pPr>
             <a:lvl9pPr lvl="8" algn="r">
@@ -6162,6 +7013,10 @@
                 <a:solidFill>
                   <a:schemeClr val="dk2"/>
                 </a:solidFill>
+                <a:latin typeface="Open Sans"/>
+                <a:ea typeface="Open Sans"/>
+                <a:cs typeface="Open Sans"/>
+                <a:sym typeface="Open Sans"/>
               </a:defRPr>
             </a:lvl9pPr>
           </a:lstStyle>
@@ -6895,9 +7750,16 @@
 <file path=ppt/slides/slide1.xml><?xml version="1.0" encoding="utf-8"?>
 <p:sld xmlns:a="http://schemas.openxmlformats.org/drawingml/2006/main" xmlns:r="http://schemas.openxmlformats.org/officeDocument/2006/relationships" xmlns:mc="http://schemas.openxmlformats.org/markup-compatibility/2006" xmlns:mv="urn:schemas-microsoft-com:mac:vml" xmlns:p="http://schemas.openxmlformats.org/presentationml/2006/main" xmlns:c="http://schemas.openxmlformats.org/drawingml/2006/chart" xmlns:dgm="http://schemas.openxmlformats.org/drawingml/2006/diagram" xmlns:o="urn:schemas-microsoft-com:office:office" xmlns:v="urn:schemas-microsoft-com:vml" xmlns:pvml="urn:schemas-microsoft-com:office:powerpoint" xmlns:com="http://schemas.openxmlformats.org/drawingml/2006/compatibility" xmlns:p14="http://schemas.microsoft.com/office/powerpoint/2010/main" xmlns:p15="http://schemas.microsoft.com/office/powerpoint/2012/main">
   <p:cSld>
+    <p:bg>
+      <p:bgPr>
+        <a:solidFill>
+          <a:srgbClr val="FFFFFF"/>
+        </a:solidFill>
+      </p:bgPr>
+    </p:bg>
     <p:spTree>
       <p:nvGrpSpPr>
-        <p:cNvPr id="53" name="Shape 53"/>
+        <p:cNvPr id="65" name="Shape 65"/>
         <p:cNvGrpSpPr/>
         <p:nvPr/>
       </p:nvGrpSpPr>
@@ -6911,7 +7773,7 @@
       </p:grpSpPr>
       <p:sp>
         <p:nvSpPr>
-          <p:cNvPr id="54" name="Google Shape;54;p13"/>
+          <p:cNvPr id="66" name="Google Shape;66;p13"/>
           <p:cNvSpPr txBox="1"/>
           <p:nvPr>
             <p:ph type="ctrTitle"/>
@@ -6919,8 +7781,8 @@
         </p:nvSpPr>
         <p:spPr>
           <a:xfrm>
-            <a:off x="311708" y="744575"/>
-            <a:ext cx="8520600" cy="2052600"/>
+            <a:off x="1004150" y="235101"/>
+            <a:ext cx="7136700" cy="2793300"/>
           </a:xfrm>
           <a:prstGeom prst="rect">
             <a:avLst/>
@@ -6966,7 +7828,7 @@
       </p:sp>
       <p:sp>
         <p:nvSpPr>
-          <p:cNvPr id="55" name="Google Shape;55;p13"/>
+          <p:cNvPr id="67" name="Google Shape;67;p13"/>
           <p:cNvSpPr txBox="1"/>
           <p:nvPr>
             <p:ph idx="1" type="subTitle"/>
@@ -6974,8 +7836,8 @@
         </p:nvSpPr>
         <p:spPr>
           <a:xfrm>
-            <a:off x="311700" y="2834125"/>
-            <a:ext cx="8520600" cy="1453200"/>
+            <a:off x="311700" y="2992775"/>
+            <a:ext cx="8520600" cy="1661400"/>
           </a:xfrm>
           <a:prstGeom prst="rect">
             <a:avLst/>
@@ -7048,7 +7910,7 @@
   <p:cSld>
     <p:spTree>
       <p:nvGrpSpPr>
-        <p:cNvPr id="115" name="Shape 115"/>
+        <p:cNvPr id="127" name="Shape 127"/>
         <p:cNvGrpSpPr/>
         <p:nvPr/>
       </p:nvGrpSpPr>
@@ -7062,7 +7924,7 @@
       </p:grpSpPr>
       <p:pic>
         <p:nvPicPr>
-          <p:cNvPr id="116" name="Google Shape;116;p22"/>
+          <p:cNvPr id="128" name="Google Shape;128;p22"/>
           <p:cNvPicPr preferRelativeResize="0"/>
           <p:nvPr/>
         </p:nvPicPr>
@@ -7090,7 +7952,7 @@
       </p:pic>
       <p:sp>
         <p:nvSpPr>
-          <p:cNvPr id="117" name="Google Shape;117;p22"/>
+          <p:cNvPr id="129" name="Google Shape;129;p22"/>
           <p:cNvSpPr txBox="1"/>
           <p:nvPr/>
         </p:nvSpPr>
@@ -7140,7 +8002,7 @@
       </p:sp>
       <p:sp>
         <p:nvSpPr>
-          <p:cNvPr id="118" name="Google Shape;118;p22"/>
+          <p:cNvPr id="130" name="Google Shape;130;p22"/>
           <p:cNvSpPr txBox="1"/>
           <p:nvPr/>
         </p:nvSpPr>
@@ -7182,7 +8044,7 @@
       </p:sp>
       <p:pic>
         <p:nvPicPr>
-          <p:cNvPr id="119" name="Google Shape;119;p22"/>
+          <p:cNvPr id="131" name="Google Shape;131;p22"/>
           <p:cNvPicPr preferRelativeResize="0"/>
           <p:nvPr/>
         </p:nvPicPr>
@@ -7221,7 +8083,7 @@
   <p:cSld>
     <p:spTree>
       <p:nvGrpSpPr>
-        <p:cNvPr id="123" name="Shape 123"/>
+        <p:cNvPr id="135" name="Shape 135"/>
         <p:cNvGrpSpPr/>
         <p:nvPr/>
       </p:nvGrpSpPr>
@@ -7235,7 +8097,7 @@
       </p:grpSpPr>
       <p:pic>
         <p:nvPicPr>
-          <p:cNvPr id="124" name="Google Shape;124;p23"/>
+          <p:cNvPr id="136" name="Google Shape;136;p23"/>
           <p:cNvPicPr preferRelativeResize="0"/>
           <p:nvPr/>
         </p:nvPicPr>
@@ -7263,7 +8125,7 @@
       </p:pic>
       <p:sp>
         <p:nvSpPr>
-          <p:cNvPr id="125" name="Google Shape;125;p23"/>
+          <p:cNvPr id="137" name="Google Shape;137;p23"/>
           <p:cNvSpPr txBox="1"/>
           <p:nvPr/>
         </p:nvSpPr>
@@ -7305,7 +8167,7 @@
       </p:sp>
       <p:sp>
         <p:nvSpPr>
-          <p:cNvPr id="126" name="Google Shape;126;p23"/>
+          <p:cNvPr id="138" name="Google Shape;138;p23"/>
           <p:cNvSpPr txBox="1"/>
           <p:nvPr/>
         </p:nvSpPr>
@@ -7347,7 +8209,7 @@
       </p:sp>
       <p:pic>
         <p:nvPicPr>
-          <p:cNvPr id="127" name="Google Shape;127;p23"/>
+          <p:cNvPr id="139" name="Google Shape;139;p23"/>
           <p:cNvPicPr preferRelativeResize="0"/>
           <p:nvPr/>
         </p:nvPicPr>
@@ -7386,7 +8248,7 @@
   <p:cSld>
     <p:spTree>
       <p:nvGrpSpPr>
-        <p:cNvPr id="131" name="Shape 131"/>
+        <p:cNvPr id="143" name="Shape 143"/>
         <p:cNvGrpSpPr/>
         <p:nvPr/>
       </p:nvGrpSpPr>
@@ -7400,7 +8262,7 @@
       </p:grpSpPr>
       <p:sp>
         <p:nvSpPr>
-          <p:cNvPr id="132" name="Google Shape;132;p24"/>
+          <p:cNvPr id="144" name="Google Shape;144;p24"/>
           <p:cNvSpPr txBox="1"/>
           <p:nvPr>
             <p:ph type="title"/>
@@ -7464,7 +8326,7 @@
       </p:sp>
       <p:sp>
         <p:nvSpPr>
-          <p:cNvPr id="133" name="Google Shape;133;p24"/>
+          <p:cNvPr id="145" name="Google Shape;145;p24"/>
           <p:cNvSpPr txBox="1"/>
           <p:nvPr>
             <p:ph idx="1" type="body"/>
@@ -7473,7 +8335,7 @@
         <p:spPr>
           <a:xfrm>
             <a:off x="311700" y="759675"/>
-            <a:ext cx="8520600" cy="3056400"/>
+            <a:ext cx="8520600" cy="4179900"/>
           </a:xfrm>
           <a:prstGeom prst="rect">
             <a:avLst/>
@@ -7497,27 +8359,10 @@
             <a:r>
               <a:t/>
             </a:r>
-            <a:endParaRPr i="1" sz="3000"/>
+            <a:endParaRPr i="1"/>
           </a:p>
           <a:p>
-            <a:pPr indent="-419100" lvl="0" marL="457200" rtl="0" algn="l">
-              <a:spcBef>
-                <a:spcPts val="1600"/>
-              </a:spcBef>
-              <a:spcAft>
-                <a:spcPts val="0"/>
-              </a:spcAft>
-              <a:buSzPts val="3000"/>
-              <a:buAutoNum type="arabicPeriod"/>
-            </a:pPr>
-            <a:r>
-              <a:rPr i="1" lang="en" sz="3000"/>
-              <a:t> An Iterative method to move toward the minimum point(using Gradient).</a:t>
-            </a:r>
-            <a:endParaRPr i="1" sz="3000"/>
-          </a:p>
-          <a:p>
-            <a:pPr indent="0" lvl="0" marL="457200" rtl="0" algn="l">
+            <a:pPr indent="0" lvl="0" marL="0" rtl="0" algn="l">
               <a:spcBef>
                 <a:spcPts val="1600"/>
               </a:spcBef>
@@ -7529,7 +8374,39 @@
             <a:r>
               <a:t/>
             </a:r>
-            <a:endParaRPr i="1" sz="3000"/>
+            <a:endParaRPr i="1"/>
+          </a:p>
+          <a:p>
+            <a:pPr indent="-342900" lvl="0" marL="457200" rtl="0" algn="l">
+              <a:spcBef>
+                <a:spcPts val="1600"/>
+              </a:spcBef>
+              <a:spcAft>
+                <a:spcPts val="0"/>
+              </a:spcAft>
+              <a:buSzPts val="1800"/>
+              <a:buAutoNum type="arabicPeriod"/>
+            </a:pPr>
+            <a:r>
+              <a:rPr i="1" lang="en"/>
+              <a:t> An Iterative method to move toward the minimum point(using Gradient).</a:t>
+            </a:r>
+            <a:endParaRPr i="1"/>
+          </a:p>
+          <a:p>
+            <a:pPr indent="0" lvl="0" marL="457200" rtl="0" algn="l">
+              <a:spcBef>
+                <a:spcPts val="1600"/>
+              </a:spcBef>
+              <a:spcAft>
+                <a:spcPts val="0"/>
+              </a:spcAft>
+              <a:buNone/>
+            </a:pPr>
+            <a:r>
+              <a:t/>
+            </a:r>
+            <a:endParaRPr i="1"/>
           </a:p>
           <a:p>
             <a:pPr indent="-342900" lvl="0" marL="457200" rtl="0" algn="l">
@@ -7636,13 +8513,13 @@
       </p:sp>
       <p:sp>
         <p:nvSpPr>
-          <p:cNvPr id="134" name="Google Shape;134;p24"/>
+          <p:cNvPr id="146" name="Google Shape;146;p24"/>
           <p:cNvSpPr/>
           <p:nvPr/>
         </p:nvSpPr>
         <p:spPr>
           <a:xfrm>
-            <a:off x="2696750" y="906675"/>
+            <a:off x="399425" y="1110550"/>
             <a:ext cx="3238200" cy="447000"/>
           </a:xfrm>
           <a:prstGeom prst="roundRect">
@@ -7699,7 +8576,7 @@
   <p:cSld>
     <p:spTree>
       <p:nvGrpSpPr>
-        <p:cNvPr id="138" name="Shape 138"/>
+        <p:cNvPr id="150" name="Shape 150"/>
         <p:cNvGrpSpPr/>
         <p:nvPr/>
       </p:nvGrpSpPr>
@@ -7711,9 +8588,49 @@
           <a:chExt cx="0" cy="0"/>
         </a:xfrm>
       </p:grpSpPr>
+      <p:sp>
+        <p:nvSpPr>
+          <p:cNvPr id="151" name="Google Shape;151;p25"/>
+          <p:cNvSpPr txBox="1"/>
+          <p:nvPr>
+            <p:ph type="title"/>
+          </p:nvPr>
+        </p:nvSpPr>
+        <p:spPr>
+          <a:xfrm>
+            <a:off x="264650" y="0"/>
+            <a:ext cx="8520600" cy="707400"/>
+          </a:xfrm>
+          <a:prstGeom prst="rect">
+            <a:avLst/>
+          </a:prstGeom>
+        </p:spPr>
+        <p:txBody>
+          <a:bodyPr anchorCtr="0" anchor="t" bIns="91425" lIns="91425" spcFirstLastPara="1" rIns="91425" wrap="square" tIns="91425">
+            <a:noAutofit/>
+          </a:bodyPr>
+          <a:lstStyle/>
+          <a:p>
+            <a:pPr indent="0" lvl="0" marL="0" rtl="0" algn="l">
+              <a:spcBef>
+                <a:spcPts val="0"/>
+              </a:spcBef>
+              <a:spcAft>
+                <a:spcPts val="0"/>
+              </a:spcAft>
+              <a:buNone/>
+            </a:pPr>
+            <a:r>
+              <a:rPr lang="en"/>
+              <a:t>How we got the formulas of Gradient Descent ? </a:t>
+            </a:r>
+            <a:endParaRPr/>
+          </a:p>
+        </p:txBody>
+      </p:sp>
       <p:pic>
         <p:nvPicPr>
-          <p:cNvPr id="139" name="Google Shape;139;p25"/>
+          <p:cNvPr id="152" name="Google Shape;152;p25"/>
           <p:cNvPicPr preferRelativeResize="0"/>
           <p:nvPr/>
         </p:nvPicPr>
@@ -7727,8 +8644,8 @@
         </p:blipFill>
         <p:spPr>
           <a:xfrm>
-            <a:off x="-102250" y="512172"/>
-            <a:ext cx="9144000" cy="4745803"/>
+            <a:off x="362250" y="752550"/>
+            <a:ext cx="8156425" cy="4042675"/>
           </a:xfrm>
           <a:prstGeom prst="rect">
             <a:avLst/>
@@ -7752,7 +8669,7 @@
   <p:cSld>
     <p:spTree>
       <p:nvGrpSpPr>
-        <p:cNvPr id="143" name="Shape 143"/>
+        <p:cNvPr id="156" name="Shape 156"/>
         <p:cNvGrpSpPr/>
         <p:nvPr/>
       </p:nvGrpSpPr>
@@ -7766,7 +8683,7 @@
       </p:grpSpPr>
       <p:sp>
         <p:nvSpPr>
-          <p:cNvPr id="144" name="Google Shape;144;p26"/>
+          <p:cNvPr id="157" name="Google Shape;157;p26"/>
           <p:cNvSpPr txBox="1"/>
           <p:nvPr>
             <p:ph type="title"/>
@@ -7775,7 +8692,7 @@
         <p:spPr>
           <a:xfrm>
             <a:off x="311700" y="445025"/>
-            <a:ext cx="8520600" cy="572700"/>
+            <a:ext cx="8520600" cy="707400"/>
           </a:xfrm>
           <a:prstGeom prst="rect">
             <a:avLst/>
@@ -7806,7 +8723,7 @@
       </p:sp>
       <p:pic>
         <p:nvPicPr>
-          <p:cNvPr id="145" name="Google Shape;145;p26"/>
+          <p:cNvPr id="158" name="Google Shape;158;p26"/>
           <p:cNvPicPr preferRelativeResize="0"/>
           <p:nvPr/>
         </p:nvPicPr>
@@ -7834,7 +8751,7 @@
       </p:pic>
       <p:pic>
         <p:nvPicPr>
-          <p:cNvPr id="146" name="Google Shape;146;p26"/>
+          <p:cNvPr id="159" name="Google Shape;159;p26"/>
           <p:cNvPicPr preferRelativeResize="0"/>
           <p:nvPr/>
         </p:nvPicPr>
@@ -7873,7 +8790,7 @@
   <p:cSld>
     <p:spTree>
       <p:nvGrpSpPr>
-        <p:cNvPr id="150" name="Shape 150"/>
+        <p:cNvPr id="163" name="Shape 163"/>
         <p:cNvGrpSpPr/>
         <p:nvPr/>
       </p:nvGrpSpPr>
@@ -7887,7 +8804,7 @@
       </p:grpSpPr>
       <p:sp>
         <p:nvSpPr>
-          <p:cNvPr id="151" name="Google Shape;151;p27"/>
+          <p:cNvPr id="164" name="Google Shape;164;p27"/>
           <p:cNvSpPr txBox="1"/>
           <p:nvPr>
             <p:ph type="title"/>
@@ -7895,8 +8812,101 @@
         </p:nvSpPr>
         <p:spPr>
           <a:xfrm>
+            <a:off x="256800" y="123550"/>
+            <a:ext cx="8520600" cy="707400"/>
+          </a:xfrm>
+          <a:prstGeom prst="rect">
+            <a:avLst/>
+          </a:prstGeom>
+        </p:spPr>
+        <p:txBody>
+          <a:bodyPr anchorCtr="0" anchor="t" bIns="91425" lIns="91425" spcFirstLastPara="1" rIns="91425" wrap="square" tIns="91425">
+            <a:noAutofit/>
+          </a:bodyPr>
+          <a:lstStyle/>
+          <a:p>
+            <a:pPr indent="0" lvl="0" marL="0" rtl="0" algn="l">
+              <a:spcBef>
+                <a:spcPts val="0"/>
+              </a:spcBef>
+              <a:spcAft>
+                <a:spcPts val="0"/>
+              </a:spcAft>
+              <a:buNone/>
+            </a:pPr>
+            <a:r>
+              <a:rPr lang="en"/>
+              <a:t>Derivative Derivation</a:t>
+            </a:r>
+            <a:endParaRPr/>
+          </a:p>
+        </p:txBody>
+      </p:sp>
+      <p:pic>
+        <p:nvPicPr>
+          <p:cNvPr id="165" name="Google Shape;165;p27"/>
+          <p:cNvPicPr preferRelativeResize="0"/>
+          <p:nvPr/>
+        </p:nvPicPr>
+        <p:blipFill>
+          <a:blip r:embed="rId3">
+            <a:alphaModFix/>
+          </a:blip>
+          <a:stretch>
+            <a:fillRect/>
+          </a:stretch>
+        </p:blipFill>
+        <p:spPr>
+          <a:xfrm>
+            <a:off x="1021075" y="1273475"/>
+            <a:ext cx="6992050" cy="3138650"/>
+          </a:xfrm>
+          <a:prstGeom prst="rect">
+            <a:avLst/>
+          </a:prstGeom>
+          <a:noFill/>
+          <a:ln>
+            <a:noFill/>
+          </a:ln>
+        </p:spPr>
+      </p:pic>
+    </p:spTree>
+  </p:cSld>
+  <p:clrMapOvr>
+    <a:masterClrMapping/>
+  </p:clrMapOvr>
+</p:sld>
+</file>
+
+<file path=ppt/slides/slide16.xml><?xml version="1.0" encoding="utf-8"?>
+<p:sld xmlns:a="http://schemas.openxmlformats.org/drawingml/2006/main" xmlns:r="http://schemas.openxmlformats.org/officeDocument/2006/relationships" xmlns:mc="http://schemas.openxmlformats.org/markup-compatibility/2006" xmlns:mv="urn:schemas-microsoft-com:mac:vml" xmlns:p="http://schemas.openxmlformats.org/presentationml/2006/main" xmlns:c="http://schemas.openxmlformats.org/drawingml/2006/chart" xmlns:dgm="http://schemas.openxmlformats.org/drawingml/2006/diagram" xmlns:o="urn:schemas-microsoft-com:office:office" xmlns:v="urn:schemas-microsoft-com:vml" xmlns:pvml="urn:schemas-microsoft-com:office:powerpoint" xmlns:com="http://schemas.openxmlformats.org/drawingml/2006/compatibility" xmlns:p14="http://schemas.microsoft.com/office/powerpoint/2010/main" xmlns:p15="http://schemas.microsoft.com/office/powerpoint/2012/main">
+  <p:cSld>
+    <p:spTree>
+      <p:nvGrpSpPr>
+        <p:cNvPr id="169" name="Shape 169"/>
+        <p:cNvGrpSpPr/>
+        <p:nvPr/>
+      </p:nvGrpSpPr>
+      <p:grpSpPr>
+        <a:xfrm>
+          <a:off x="0" y="0"/>
+          <a:ext cx="0" cy="0"/>
+          <a:chOff x="0" y="0"/>
+          <a:chExt cx="0" cy="0"/>
+        </a:xfrm>
+      </p:grpSpPr>
+      <p:sp>
+        <p:nvSpPr>
+          <p:cNvPr id="170" name="Google Shape;170;p28"/>
+          <p:cNvSpPr txBox="1"/>
+          <p:nvPr>
+            <p:ph type="title"/>
+          </p:nvPr>
+        </p:nvSpPr>
+        <p:spPr>
+          <a:xfrm>
             <a:off x="311700" y="445025"/>
-            <a:ext cx="8520600" cy="572700"/>
+            <a:ext cx="8520600" cy="707400"/>
           </a:xfrm>
           <a:prstGeom prst="rect">
             <a:avLst/>
@@ -7927,7 +8937,7 @@
       </p:sp>
       <p:sp>
         <p:nvSpPr>
-          <p:cNvPr id="152" name="Google Shape;152;p27"/>
+          <p:cNvPr id="171" name="Google Shape;171;p28"/>
           <p:cNvSpPr txBox="1"/>
           <p:nvPr>
             <p:ph idx="1" type="body"/>
@@ -8006,12 +9016,12 @@
 </p:sld>
 </file>
 
-<file path=ppt/slides/slide16.xml><?xml version="1.0" encoding="utf-8"?>
+<file path=ppt/slides/slide17.xml><?xml version="1.0" encoding="utf-8"?>
 <p:sld xmlns:a="http://schemas.openxmlformats.org/drawingml/2006/main" xmlns:r="http://schemas.openxmlformats.org/officeDocument/2006/relationships" xmlns:mc="http://schemas.openxmlformats.org/markup-compatibility/2006" xmlns:mv="urn:schemas-microsoft-com:mac:vml" xmlns:p="http://schemas.openxmlformats.org/presentationml/2006/main" xmlns:c="http://schemas.openxmlformats.org/drawingml/2006/chart" xmlns:dgm="http://schemas.openxmlformats.org/drawingml/2006/diagram" xmlns:o="urn:schemas-microsoft-com:office:office" xmlns:v="urn:schemas-microsoft-com:vml" xmlns:pvml="urn:schemas-microsoft-com:office:powerpoint" xmlns:com="http://schemas.openxmlformats.org/drawingml/2006/compatibility" xmlns:p14="http://schemas.microsoft.com/office/powerpoint/2010/main" xmlns:p15="http://schemas.microsoft.com/office/powerpoint/2012/main">
   <p:cSld>
     <p:spTree>
       <p:nvGrpSpPr>
-        <p:cNvPr id="156" name="Shape 156"/>
+        <p:cNvPr id="175" name="Shape 175"/>
         <p:cNvGrpSpPr/>
         <p:nvPr/>
       </p:nvGrpSpPr>
@@ -8025,7 +9035,7 @@
       </p:grpSpPr>
       <p:sp>
         <p:nvSpPr>
-          <p:cNvPr id="157" name="Google Shape;157;p28"/>
+          <p:cNvPr id="176" name="Google Shape;176;p29"/>
           <p:cNvSpPr txBox="1"/>
           <p:nvPr>
             <p:ph type="title"/>
@@ -8034,7 +9044,7 @@
         <p:spPr>
           <a:xfrm>
             <a:off x="311700" y="445025"/>
-            <a:ext cx="8520600" cy="572700"/>
+            <a:ext cx="8520600" cy="707400"/>
           </a:xfrm>
           <a:prstGeom prst="rect">
             <a:avLst/>
@@ -8061,8 +9071,116 @@
             </a:r>
             <a:endParaRPr/>
           </a:p>
+        </p:txBody>
+      </p:sp>
+      <p:sp>
+        <p:nvSpPr>
+          <p:cNvPr id="177" name="Google Shape;177;p29"/>
+          <p:cNvSpPr txBox="1"/>
+          <p:nvPr>
+            <p:ph idx="1" type="body"/>
+          </p:nvPr>
+        </p:nvSpPr>
+        <p:spPr>
+          <a:xfrm>
+            <a:off x="280325" y="1336975"/>
+            <a:ext cx="8520600" cy="3457800"/>
+          </a:xfrm>
+          <a:prstGeom prst="rect">
+            <a:avLst/>
+          </a:prstGeom>
+          <a:noFill/>
+        </p:spPr>
+        <p:txBody>
+          <a:bodyPr anchorCtr="0" anchor="t" bIns="91425" lIns="91425" spcFirstLastPara="1" rIns="91425" wrap="square" tIns="91425">
+            <a:noAutofit/>
+          </a:bodyPr>
+          <a:lstStyle/>
           <a:p>
-            <a:pPr indent="0" lvl="0" marL="1828800" rtl="0" algn="l">
+            <a:pPr indent="-457200" lvl="0" marL="457200" rtl="0" algn="l">
+              <a:lnSpc>
+                <a:spcPct val="100000"/>
+              </a:lnSpc>
+              <a:spcBef>
+                <a:spcPts val="0"/>
+              </a:spcBef>
+              <a:spcAft>
+                <a:spcPts val="0"/>
+              </a:spcAft>
+              <a:buClr>
+                <a:srgbClr val="000000"/>
+              </a:buClr>
+              <a:buSzPts val="3600"/>
+              <a:buFont typeface="PT Sans Narrow"/>
+              <a:buChar char="-"/>
+            </a:pPr>
+            <a:r>
+              <a:rPr b="1" lang="en" sz="3600">
+                <a:solidFill>
+                  <a:srgbClr val="000000"/>
+                </a:solidFill>
+                <a:latin typeface="PT Sans Narrow"/>
+                <a:ea typeface="PT Sans Narrow"/>
+                <a:cs typeface="PT Sans Narrow"/>
+                <a:sym typeface="PT Sans Narrow"/>
+              </a:rPr>
+              <a:t>Visualizing Line(Hypothesis)</a:t>
+            </a:r>
+            <a:endParaRPr b="1" sz="3600">
+              <a:solidFill>
+                <a:srgbClr val="000000"/>
+              </a:solidFill>
+              <a:latin typeface="PT Sans Narrow"/>
+              <a:ea typeface="PT Sans Narrow"/>
+              <a:cs typeface="PT Sans Narrow"/>
+              <a:sym typeface="PT Sans Narrow"/>
+            </a:endParaRPr>
+          </a:p>
+          <a:p>
+            <a:pPr indent="-457200" lvl="0" marL="457200" rtl="0" algn="l">
+              <a:lnSpc>
+                <a:spcPct val="100000"/>
+              </a:lnSpc>
+              <a:spcBef>
+                <a:spcPts val="0"/>
+              </a:spcBef>
+              <a:spcAft>
+                <a:spcPts val="0"/>
+              </a:spcAft>
+              <a:buClr>
+                <a:srgbClr val="000000"/>
+              </a:buClr>
+              <a:buSzPts val="3600"/>
+              <a:buFont typeface="PT Sans Narrow"/>
+              <a:buChar char="-"/>
+            </a:pPr>
+            <a:r>
+              <a:rPr b="1" lang="en" sz="3600">
+                <a:solidFill>
+                  <a:srgbClr val="000000"/>
+                </a:solidFill>
+                <a:latin typeface="PT Sans Narrow"/>
+                <a:ea typeface="PT Sans Narrow"/>
+                <a:cs typeface="PT Sans Narrow"/>
+                <a:sym typeface="PT Sans Narrow"/>
+              </a:rPr>
+              <a:t>Behaviour of Error Function using no. of iteration, change in error.</a:t>
+            </a:r>
+            <a:endParaRPr b="1" sz="3600">
+              <a:solidFill>
+                <a:srgbClr val="000000"/>
+              </a:solidFill>
+              <a:latin typeface="PT Sans Narrow"/>
+              <a:ea typeface="PT Sans Narrow"/>
+              <a:cs typeface="PT Sans Narrow"/>
+              <a:sym typeface="PT Sans Narrow"/>
+            </a:endParaRPr>
+          </a:p>
+          <a:p>
+            <a:pPr indent="0" lvl="0" marL="2286000" rtl="0" algn="l">
+              <a:lnSpc>
+                <a:spcPct val="100000"/>
+              </a:lnSpc>
               <a:spcBef>
                 <a:spcPts val="0"/>
               </a:spcBef>
@@ -8074,120 +9192,114 @@
             <a:r>
               <a:t/>
             </a:r>
-            <a:endParaRPr/>
+            <a:endParaRPr b="1" sz="3600">
+              <a:solidFill>
+                <a:srgbClr val="000000"/>
+              </a:solidFill>
+              <a:latin typeface="PT Sans Narrow"/>
+              <a:ea typeface="PT Sans Narrow"/>
+              <a:cs typeface="PT Sans Narrow"/>
+              <a:sym typeface="PT Sans Narrow"/>
+            </a:endParaRPr>
           </a:p>
           <a:p>
-            <a:pPr indent="-406400" lvl="0" marL="457200" rtl="0" algn="l">
-              <a:spcBef>
-                <a:spcPts val="0"/>
-              </a:spcBef>
-              <a:spcAft>
-                <a:spcPts val="0"/>
-              </a:spcAft>
-              <a:buSzPts val="2800"/>
+            <a:pPr indent="-457200" lvl="0" marL="457200" rtl="0" algn="l">
+              <a:lnSpc>
+                <a:spcPct val="100000"/>
+              </a:lnSpc>
+              <a:spcBef>
+                <a:spcPts val="0"/>
+              </a:spcBef>
+              <a:spcAft>
+                <a:spcPts val="0"/>
+              </a:spcAft>
+              <a:buClr>
+                <a:srgbClr val="000000"/>
+              </a:buClr>
+              <a:buSzPts val="3600"/>
+              <a:buFont typeface="PT Sans Narrow"/>
               <a:buChar char="-"/>
             </a:pPr>
             <a:r>
-              <a:rPr lang="en"/>
-              <a:t>Visualizing Line(Hypothesis)</a:t>
+              <a:rPr b="1" lang="en" sz="3600">
+                <a:solidFill>
+                  <a:srgbClr val="000000"/>
+                </a:solidFill>
+                <a:latin typeface="PT Sans Narrow"/>
+                <a:ea typeface="PT Sans Narrow"/>
+                <a:cs typeface="PT Sans Narrow"/>
+                <a:sym typeface="PT Sans Narrow"/>
+              </a:rPr>
+              <a:t>Variation of Learning rate </a:t>
             </a:r>
-            <a:endParaRPr/>
+            <a:endParaRPr b="1" sz="3600">
+              <a:solidFill>
+                <a:srgbClr val="000000"/>
+              </a:solidFill>
+              <a:latin typeface="PT Sans Narrow"/>
+              <a:ea typeface="PT Sans Narrow"/>
+              <a:cs typeface="PT Sans Narrow"/>
+              <a:sym typeface="PT Sans Narrow"/>
+            </a:endParaRPr>
           </a:p>
           <a:p>
-            <a:pPr indent="0" lvl="0" marL="2286000" rtl="0" algn="l">
-              <a:spcBef>
-                <a:spcPts val="0"/>
-              </a:spcBef>
-              <a:spcAft>
-                <a:spcPts val="0"/>
+            <a:pPr indent="-457200" lvl="0" marL="457200" rtl="0" algn="l">
+              <a:lnSpc>
+                <a:spcPct val="100000"/>
+              </a:lnSpc>
+              <a:spcBef>
+                <a:spcPts val="0"/>
+              </a:spcBef>
+              <a:spcAft>
+                <a:spcPts val="0"/>
+              </a:spcAft>
+              <a:buClr>
+                <a:srgbClr val="000000"/>
+              </a:buClr>
+              <a:buSzPts val="3600"/>
+              <a:buFont typeface="PT Sans Narrow"/>
+              <a:buChar char="-"/>
+            </a:pPr>
+            <a:r>
+              <a:rPr b="1" lang="en" sz="3600">
+                <a:solidFill>
+                  <a:srgbClr val="000000"/>
+                </a:solidFill>
+                <a:latin typeface="PT Sans Narrow"/>
+                <a:ea typeface="PT Sans Narrow"/>
+                <a:cs typeface="PT Sans Narrow"/>
+                <a:sym typeface="PT Sans Narrow"/>
+              </a:rPr>
+              <a:t>Visualizing Convex Function</a:t>
+            </a:r>
+            <a:endParaRPr b="1" sz="3600">
+              <a:solidFill>
+                <a:srgbClr val="000000"/>
+              </a:solidFill>
+              <a:latin typeface="PT Sans Narrow"/>
+              <a:ea typeface="PT Sans Narrow"/>
+              <a:cs typeface="PT Sans Narrow"/>
+              <a:sym typeface="PT Sans Narrow"/>
+            </a:endParaRPr>
+          </a:p>
+          <a:p>
+            <a:pPr indent="0" lvl="0" marL="0" rtl="0" algn="l">
+              <a:spcBef>
+                <a:spcPts val="0"/>
+              </a:spcBef>
+              <a:spcAft>
+                <a:spcPts val="1600"/>
               </a:spcAft>
               <a:buNone/>
             </a:pPr>
             <a:r>
               <a:t/>
             </a:r>
-            <a:endParaRPr/>
-          </a:p>
-          <a:p>
-            <a:pPr indent="-406400" lvl="0" marL="457200" rtl="0" algn="l">
-              <a:spcBef>
-                <a:spcPts val="0"/>
-              </a:spcBef>
-              <a:spcAft>
-                <a:spcPts val="0"/>
-              </a:spcAft>
-              <a:buSzPts val="2800"/>
-              <a:buChar char="-"/>
-            </a:pPr>
-            <a:r>
-              <a:rPr lang="en"/>
-              <a:t>Behaviour of Error Function using no. of iteration, change in error.</a:t>
-            </a:r>
-            <a:endParaRPr/>
-          </a:p>
-          <a:p>
-            <a:pPr indent="0" lvl="0" marL="2286000" rtl="0" algn="l">
-              <a:spcBef>
-                <a:spcPts val="0"/>
-              </a:spcBef>
-              <a:spcAft>
-                <a:spcPts val="0"/>
-              </a:spcAft>
-              <a:buNone/>
-            </a:pPr>
-            <a:r>
-              <a:t/>
-            </a:r>
-            <a:endParaRPr/>
-          </a:p>
-          <a:p>
-            <a:pPr indent="-406400" lvl="0" marL="457200" rtl="0" algn="l">
-              <a:spcBef>
-                <a:spcPts val="0"/>
-              </a:spcBef>
-              <a:spcAft>
-                <a:spcPts val="0"/>
-              </a:spcAft>
-              <a:buSzPts val="2800"/>
-              <a:buChar char="-"/>
-            </a:pPr>
-            <a:r>
-              <a:rPr lang="en"/>
-              <a:t>Learning rate Variation</a:t>
-            </a:r>
-            <a:endParaRPr/>
-          </a:p>
-          <a:p>
-            <a:pPr indent="0" lvl="0" marL="2286000" rtl="0" algn="l">
-              <a:spcBef>
-                <a:spcPts val="0"/>
-              </a:spcBef>
-              <a:spcAft>
-                <a:spcPts val="0"/>
-              </a:spcAft>
-              <a:buNone/>
-            </a:pPr>
-            <a:r>
-              <a:t/>
-            </a:r>
-            <a:endParaRPr/>
-          </a:p>
-          <a:p>
-            <a:pPr indent="-406400" lvl="0" marL="457200" rtl="0" algn="l">
-              <a:spcBef>
-                <a:spcPts val="0"/>
-              </a:spcBef>
-              <a:spcAft>
-                <a:spcPts val="0"/>
-              </a:spcAft>
-              <a:buSzPts val="2800"/>
-              <a:buChar char="-"/>
-            </a:pPr>
-            <a:r>
-              <a:rPr lang="en"/>
-              <a:t>Visualizing Convex Function</a:t>
-            </a:r>
-            <a:endParaRPr/>
+            <a:endParaRPr b="1">
+              <a:solidFill>
+                <a:srgbClr val="000000"/>
+              </a:solidFill>
+            </a:endParaRPr>
           </a:p>
         </p:txBody>
       </p:sp>
@@ -8204,7 +9316,60 @@
   <p:cSld>
     <p:spTree>
       <p:nvGrpSpPr>
-        <p:cNvPr id="59" name="Shape 59"/>
+        <p:cNvPr id="71" name="Shape 71"/>
+        <p:cNvGrpSpPr/>
+        <p:nvPr/>
+      </p:nvGrpSpPr>
+      <p:grpSpPr>
+        <a:xfrm>
+          <a:off x="0" y="0"/>
+          <a:ext cx="0" cy="0"/>
+          <a:chOff x="0" y="0"/>
+          <a:chExt cx="0" cy="0"/>
+        </a:xfrm>
+      </p:grpSpPr>
+      <p:pic>
+        <p:nvPicPr>
+          <p:cNvPr id="72" name="Google Shape;72;p14"/>
+          <p:cNvPicPr preferRelativeResize="0"/>
+          <p:nvPr/>
+        </p:nvPicPr>
+        <p:blipFill>
+          <a:blip r:embed="rId3">
+            <a:alphaModFix/>
+          </a:blip>
+          <a:stretch>
+            <a:fillRect/>
+          </a:stretch>
+        </p:blipFill>
+        <p:spPr>
+          <a:xfrm>
+            <a:off x="371925" y="0"/>
+            <a:ext cx="8497476" cy="5066350"/>
+          </a:xfrm>
+          <a:prstGeom prst="rect">
+            <a:avLst/>
+          </a:prstGeom>
+          <a:noFill/>
+          <a:ln>
+            <a:noFill/>
+          </a:ln>
+        </p:spPr>
+      </p:pic>
+    </p:spTree>
+  </p:cSld>
+  <p:clrMapOvr>
+    <a:masterClrMapping/>
+  </p:clrMapOvr>
+</p:sld>
+</file>
+
+<file path=ppt/slides/slide3.xml><?xml version="1.0" encoding="utf-8"?>
+<p:sld xmlns:a="http://schemas.openxmlformats.org/drawingml/2006/main" xmlns:r="http://schemas.openxmlformats.org/officeDocument/2006/relationships" xmlns:mc="http://schemas.openxmlformats.org/markup-compatibility/2006" xmlns:mv="urn:schemas-microsoft-com:mac:vml" xmlns:p="http://schemas.openxmlformats.org/presentationml/2006/main" xmlns:c="http://schemas.openxmlformats.org/drawingml/2006/chart" xmlns:dgm="http://schemas.openxmlformats.org/drawingml/2006/diagram" xmlns:o="urn:schemas-microsoft-com:office:office" xmlns:v="urn:schemas-microsoft-com:vml" xmlns:pvml="urn:schemas-microsoft-com:office:powerpoint" xmlns:com="http://schemas.openxmlformats.org/drawingml/2006/compatibility" xmlns:p14="http://schemas.microsoft.com/office/powerpoint/2010/main" xmlns:p15="http://schemas.microsoft.com/office/powerpoint/2012/main">
+  <p:cSld>
+    <p:spTree>
+      <p:nvGrpSpPr>
+        <p:cNvPr id="76" name="Shape 76"/>
         <p:cNvGrpSpPr/>
         <p:nvPr/>
       </p:nvGrpSpPr>
@@ -8218,168 +9383,20 @@
       </p:grpSpPr>
       <p:sp>
         <p:nvSpPr>
-          <p:cNvPr id="60" name="Google Shape;60;p14"/>
+          <p:cNvPr id="77" name="Google Shape;77;p15"/>
           <p:cNvSpPr txBox="1"/>
           <p:nvPr>
-            <p:ph type="ctrTitle"/>
+            <p:ph type="title"/>
           </p:nvPr>
         </p:nvSpPr>
         <p:spPr>
           <a:xfrm>
-            <a:off x="383050" y="156950"/>
-            <a:ext cx="8520600" cy="885300"/>
+            <a:off x="311700" y="445025"/>
+            <a:ext cx="8520600" cy="707400"/>
           </a:xfrm>
           <a:prstGeom prst="rect">
             <a:avLst/>
           </a:prstGeom>
-        </p:spPr>
-        <p:txBody>
-          <a:bodyPr anchorCtr="0" anchor="b" bIns="91425" lIns="91425" spcFirstLastPara="1" rIns="91425" wrap="square" tIns="91425">
-            <a:noAutofit/>
-          </a:bodyPr>
-          <a:lstStyle/>
-          <a:p>
-            <a:pPr indent="0" lvl="0" marL="0" rtl="0" algn="ctr">
-              <a:spcBef>
-                <a:spcPts val="0"/>
-              </a:spcBef>
-              <a:spcAft>
-                <a:spcPts val="0"/>
-              </a:spcAft>
-              <a:buNone/>
-            </a:pPr>
-            <a:r>
-              <a:rPr lang="en"/>
-              <a:t>Types of ML</a:t>
-            </a:r>
-            <a:endParaRPr/>
-          </a:p>
-        </p:txBody>
-      </p:sp>
-      <p:sp>
-        <p:nvSpPr>
-          <p:cNvPr id="61" name="Google Shape;61;p14"/>
-          <p:cNvSpPr txBox="1"/>
-          <p:nvPr>
-            <p:ph idx="1" type="subTitle"/>
-          </p:nvPr>
-        </p:nvSpPr>
-        <p:spPr>
-          <a:xfrm>
-            <a:off x="147625" y="1949525"/>
-            <a:ext cx="8520600" cy="792600"/>
-          </a:xfrm>
-          <a:prstGeom prst="rect">
-            <a:avLst/>
-          </a:prstGeom>
-        </p:spPr>
-        <p:txBody>
-          <a:bodyPr anchorCtr="0" anchor="t" bIns="91425" lIns="91425" spcFirstLastPara="1" rIns="91425" wrap="square" tIns="91425">
-            <a:noAutofit/>
-          </a:bodyPr>
-          <a:lstStyle/>
-          <a:p>
-            <a:pPr indent="0" lvl="0" marL="0" rtl="0" algn="ctr">
-              <a:spcBef>
-                <a:spcPts val="0"/>
-              </a:spcBef>
-              <a:spcAft>
-                <a:spcPts val="0"/>
-              </a:spcAft>
-              <a:buNone/>
-            </a:pPr>
-            <a:r>
-              <a:rPr b="1" lang="en"/>
-              <a:t>Supervised Learning</a:t>
-            </a:r>
-            <a:r>
-              <a:rPr lang="en"/>
-              <a:t> </a:t>
-            </a:r>
-            <a:endParaRPr/>
-          </a:p>
-          <a:p>
-            <a:pPr indent="0" lvl="0" marL="0" rtl="0" algn="ctr">
-              <a:spcBef>
-                <a:spcPts val="0"/>
-              </a:spcBef>
-              <a:spcAft>
-                <a:spcPts val="0"/>
-              </a:spcAft>
-              <a:buNone/>
-            </a:pPr>
-            <a:r>
-              <a:t/>
-            </a:r>
-            <a:endParaRPr/>
-          </a:p>
-          <a:p>
-            <a:pPr indent="0" lvl="0" marL="0" rtl="0" algn="ctr">
-              <a:spcBef>
-                <a:spcPts val="0"/>
-              </a:spcBef>
-              <a:spcAft>
-                <a:spcPts val="0"/>
-              </a:spcAft>
-              <a:buNone/>
-            </a:pPr>
-            <a:r>
-              <a:rPr lang="en"/>
-              <a:t>Unsupervised Learning</a:t>
-            </a:r>
-            <a:endParaRPr/>
-          </a:p>
-          <a:p>
-            <a:pPr indent="0" lvl="0" marL="0" rtl="0" algn="ctr">
-              <a:spcBef>
-                <a:spcPts val="0"/>
-              </a:spcBef>
-              <a:spcAft>
-                <a:spcPts val="0"/>
-              </a:spcAft>
-              <a:buNone/>
-            </a:pPr>
-            <a:r>
-              <a:t/>
-            </a:r>
-            <a:endParaRPr/>
-          </a:p>
-          <a:p>
-            <a:pPr indent="0" lvl="0" marL="0" rtl="0" algn="ctr">
-              <a:spcBef>
-                <a:spcPts val="0"/>
-              </a:spcBef>
-              <a:spcAft>
-                <a:spcPts val="0"/>
-              </a:spcAft>
-              <a:buNone/>
-            </a:pPr>
-            <a:r>
-              <a:rPr lang="en"/>
-              <a:t>Reinforcement Learning</a:t>
-            </a:r>
-            <a:endParaRPr/>
-          </a:p>
-        </p:txBody>
-      </p:sp>
-      <p:sp>
-        <p:nvSpPr>
-          <p:cNvPr id="62" name="Google Shape;62;p14"/>
-          <p:cNvSpPr txBox="1"/>
-          <p:nvPr/>
-        </p:nvSpPr>
-        <p:spPr>
-          <a:xfrm>
-            <a:off x="2419800" y="2011750"/>
-            <a:ext cx="3816600" cy="528000"/>
-          </a:xfrm>
-          <a:prstGeom prst="rect">
-            <a:avLst/>
-          </a:prstGeom>
-          <a:noFill/>
-          <a:ln>
-            <a:noFill/>
-          </a:ln>
         </p:spPr>
         <p:txBody>
           <a:bodyPr anchorCtr="0" anchor="t" bIns="91425" lIns="91425" spcFirstLastPara="1" rIns="91425" wrap="square" tIns="91425">
@@ -8397,124 +9414,9 @@
               <a:buNone/>
             </a:pPr>
             <a:r>
-              <a:rPr lang="en"/>
-              <a:t>SuperVised Learning</a:t>
-            </a:r>
-            <a:endParaRPr/>
-          </a:p>
-        </p:txBody>
-      </p:sp>
-      <p:sp>
-        <p:nvSpPr>
-          <p:cNvPr id="63" name="Google Shape;63;p14"/>
-          <p:cNvSpPr/>
-          <p:nvPr/>
-        </p:nvSpPr>
-        <p:spPr>
-          <a:xfrm>
-            <a:off x="2426925" y="2004600"/>
-            <a:ext cx="3773700" cy="567000"/>
-          </a:xfrm>
-          <a:prstGeom prst="rect">
-            <a:avLst/>
-          </a:prstGeom>
-          <a:solidFill>
-            <a:srgbClr val="D9EAD3"/>
-          </a:solidFill>
-          <a:ln cap="flat" cmpd="sng" w="9525">
-            <a:solidFill>
-              <a:schemeClr val="dk2"/>
-            </a:solidFill>
-            <a:prstDash val="solid"/>
-            <a:round/>
-            <a:headEnd len="sm" w="sm" type="none"/>
-            <a:tailEnd len="sm" w="sm" type="none"/>
-          </a:ln>
-        </p:spPr>
-        <p:txBody>
-          <a:bodyPr anchorCtr="0" anchor="ctr" bIns="91425" lIns="91425" spcFirstLastPara="1" rIns="91425" wrap="square" tIns="91425">
-            <a:noAutofit/>
-          </a:bodyPr>
-          <a:lstStyle/>
-          <a:p>
-            <a:pPr indent="0" lvl="0" marL="0" rtl="0" algn="ctr">
-              <a:spcBef>
-                <a:spcPts val="0"/>
-              </a:spcBef>
-              <a:spcAft>
-                <a:spcPts val="0"/>
-              </a:spcAft>
-              <a:buNone/>
-            </a:pPr>
-            <a:r>
-              <a:rPr b="1" lang="en" sz="2400" u="sng"/>
-              <a:t>Supervised Learning</a:t>
-            </a:r>
-            <a:endParaRPr b="1" sz="2400" u="sng"/>
-          </a:p>
-        </p:txBody>
-      </p:sp>
-    </p:spTree>
-  </p:cSld>
-  <p:clrMapOvr>
-    <a:masterClrMapping/>
-  </p:clrMapOvr>
-</p:sld>
-</file>
-
-<file path=ppt/slides/slide3.xml><?xml version="1.0" encoding="utf-8"?>
-<p:sld xmlns:a="http://schemas.openxmlformats.org/drawingml/2006/main" xmlns:r="http://schemas.openxmlformats.org/officeDocument/2006/relationships" xmlns:mc="http://schemas.openxmlformats.org/markup-compatibility/2006" xmlns:mv="urn:schemas-microsoft-com:mac:vml" xmlns:p="http://schemas.openxmlformats.org/presentationml/2006/main" xmlns:c="http://schemas.openxmlformats.org/drawingml/2006/chart" xmlns:dgm="http://schemas.openxmlformats.org/drawingml/2006/diagram" xmlns:o="urn:schemas-microsoft-com:office:office" xmlns:v="urn:schemas-microsoft-com:vml" xmlns:pvml="urn:schemas-microsoft-com:office:powerpoint" xmlns:com="http://schemas.openxmlformats.org/drawingml/2006/compatibility" xmlns:p14="http://schemas.microsoft.com/office/powerpoint/2010/main" xmlns:p15="http://schemas.microsoft.com/office/powerpoint/2012/main">
-  <p:cSld>
-    <p:spTree>
-      <p:nvGrpSpPr>
-        <p:cNvPr id="67" name="Shape 67"/>
-        <p:cNvGrpSpPr/>
-        <p:nvPr/>
-      </p:nvGrpSpPr>
-      <p:grpSpPr>
-        <a:xfrm>
-          <a:off x="0" y="0"/>
-          <a:ext cx="0" cy="0"/>
-          <a:chOff x="0" y="0"/>
-          <a:chExt cx="0" cy="0"/>
-        </a:xfrm>
-      </p:grpSpPr>
-      <p:sp>
-        <p:nvSpPr>
-          <p:cNvPr id="68" name="Google Shape;68;p15"/>
-          <p:cNvSpPr txBox="1"/>
-          <p:nvPr>
-            <p:ph type="title"/>
-          </p:nvPr>
-        </p:nvSpPr>
-        <p:spPr>
-          <a:xfrm>
-            <a:off x="311700" y="445025"/>
-            <a:ext cx="8520600" cy="572700"/>
-          </a:xfrm>
-          <a:prstGeom prst="rect">
-            <a:avLst/>
-          </a:prstGeom>
-        </p:spPr>
-        <p:txBody>
-          <a:bodyPr anchorCtr="0" anchor="t" bIns="91425" lIns="91425" spcFirstLastPara="1" rIns="91425" wrap="square" tIns="91425">
-            <a:noAutofit/>
-          </a:bodyPr>
-          <a:lstStyle/>
-          <a:p>
-            <a:pPr indent="0" lvl="0" marL="0" rtl="0" algn="l">
-              <a:spcBef>
-                <a:spcPts val="0"/>
-              </a:spcBef>
-              <a:spcAft>
-                <a:spcPts val="0"/>
-              </a:spcAft>
-              <a:buNone/>
-            </a:pPr>
-            <a:r>
               <a:t/>
             </a:r>
-            <a:endParaRPr/>
+            <a:endParaRPr b="0" i="1" sz="2400"/>
           </a:p>
           <a:p>
             <a:pPr indent="0" lvl="0" marL="0" rtl="0" algn="l">
@@ -8527,7 +9429,7 @@
               <a:buNone/>
             </a:pPr>
             <a:r>
-              <a:rPr b="1" lang="en" sz="1200">
+              <a:rPr b="0" i="1" lang="en" sz="2400">
                 <a:solidFill>
                   <a:srgbClr val="222222"/>
                 </a:solidFill>
@@ -8535,75 +9437,23 @@
                   <a:srgbClr val="FFFFFF"/>
                 </a:highlight>
               </a:rPr>
-              <a:t>Univariate linear regression</a:t>
-            </a:r>
-            <a:r>
-              <a:rPr lang="en" sz="1200">
-                <a:solidFill>
-                  <a:srgbClr val="222222"/>
-                </a:solidFill>
-                <a:highlight>
-                  <a:srgbClr val="FFFFFF"/>
-                </a:highlight>
-              </a:rPr>
-              <a:t> focuses on determining relationship between one independent variable(X) and one dependent variable(Y).</a:t>
+              <a:t>Univariate linear regression focuses on determining relationship between one independent variable(X) and one dependent variable(Y).</a:t>
             </a:r>
             <a:br>
-              <a:rPr lang="en"/>
+              <a:rPr b="0" i="1" lang="en" sz="2400"/>
             </a:br>
-            <a:endParaRPr/>
-          </a:p>
-        </p:txBody>
-      </p:sp>
-      <p:sp>
-        <p:nvSpPr>
-          <p:cNvPr id="69" name="Google Shape;69;p15"/>
-          <p:cNvSpPr txBox="1"/>
-          <p:nvPr/>
-        </p:nvSpPr>
-        <p:spPr>
-          <a:xfrm>
-            <a:off x="1271250" y="1419625"/>
-            <a:ext cx="1141500" cy="1633500"/>
-          </a:xfrm>
-          <a:prstGeom prst="rect">
-            <a:avLst/>
-          </a:prstGeom>
-          <a:noFill/>
-          <a:ln>
-            <a:noFill/>
-          </a:ln>
-        </p:spPr>
-        <p:txBody>
-          <a:bodyPr anchorCtr="0" anchor="t" bIns="91425" lIns="91425" spcFirstLastPara="1" rIns="91425" wrap="square" tIns="91425">
-            <a:noAutofit/>
-          </a:bodyPr>
-          <a:lstStyle/>
-          <a:p>
-            <a:pPr indent="0" lvl="0" marL="0" rtl="0" algn="l">
-              <a:spcBef>
-                <a:spcPts val="0"/>
-              </a:spcBef>
-              <a:spcAft>
-                <a:spcPts val="0"/>
-              </a:spcAft>
-              <a:buNone/>
-            </a:pPr>
-            <a:r>
-              <a:t/>
-            </a:r>
-            <a:endParaRPr/>
+            <a:endParaRPr b="0" i="1" sz="2400"/>
           </a:p>
         </p:txBody>
       </p:sp>
       <p:graphicFrame>
         <p:nvGraphicFramePr>
-          <p:cNvPr id="70" name="Google Shape;70;p15"/>
+          <p:cNvPr id="78" name="Google Shape;78;p15"/>
           <p:cNvGraphicFramePr/>
           <p:nvPr/>
         </p:nvGraphicFramePr>
         <p:xfrm>
-          <a:off x="2772200" y="1677300"/>
+          <a:off x="2793600" y="1855650"/>
           <a:ext cx="3000000" cy="3000000"/>
         </p:xfrm>
         <a:graphic>
@@ -8611,7 +9461,7 @@
             <a:tbl>
               <a:tblPr>
                 <a:noFill/>
-                <a:tableStyleId>{A95B35AE-FD42-4B92-8402-3172755C3CC3}</a:tableStyleId>
+                <a:tableStyleId>{4E56C288-0662-4D47-A41E-B35D74420177}</a:tableStyleId>
               </a:tblPr>
               <a:tblGrid>
                 <a:gridCol w="1141500"/>
@@ -8815,7 +9665,7 @@
       </p:graphicFrame>
       <p:sp>
         <p:nvSpPr>
-          <p:cNvPr id="71" name="Google Shape;71;p15"/>
+          <p:cNvPr id="79" name="Google Shape;79;p15"/>
           <p:cNvSpPr/>
           <p:nvPr/>
         </p:nvSpPr>
@@ -8890,7 +9740,7 @@
       </p:sp>
       <p:sp>
         <p:nvSpPr>
-          <p:cNvPr id="72" name="Google Shape;72;p15"/>
+          <p:cNvPr id="80" name="Google Shape;80;p15"/>
           <p:cNvSpPr txBox="1"/>
           <p:nvPr/>
         </p:nvSpPr>
@@ -8932,12 +9782,12 @@
       </p:sp>
       <p:graphicFrame>
         <p:nvGraphicFramePr>
-          <p:cNvPr id="73" name="Google Shape;73;p15"/>
+          <p:cNvPr id="81" name="Google Shape;81;p15"/>
           <p:cNvGraphicFramePr/>
           <p:nvPr/>
         </p:nvGraphicFramePr>
         <p:xfrm>
-          <a:off x="3888275" y="1677325"/>
+          <a:off x="3909675" y="1846500"/>
           <a:ext cx="3000000" cy="3000000"/>
         </p:xfrm>
         <a:graphic>
@@ -8945,7 +9795,7 @@
             <a:tbl>
               <a:tblPr>
                 <a:noFill/>
-                <a:tableStyleId>{A95B35AE-FD42-4B92-8402-3172755C3CC3}</a:tableStyleId>
+                <a:tableStyleId>{4E56C288-0662-4D47-A41E-B35D74420177}</a:tableStyleId>
               </a:tblPr>
               <a:tblGrid>
                 <a:gridCol w="1141500"/>
@@ -9176,7 +10026,7 @@
   <p:cSld>
     <p:spTree>
       <p:nvGrpSpPr>
-        <p:cNvPr id="77" name="Shape 77"/>
+        <p:cNvPr id="85" name="Shape 85"/>
         <p:cNvGrpSpPr/>
         <p:nvPr/>
       </p:nvGrpSpPr>
@@ -9190,7 +10040,7 @@
       </p:grpSpPr>
       <p:sp>
         <p:nvSpPr>
-          <p:cNvPr id="78" name="Google Shape;78;p16"/>
+          <p:cNvPr id="86" name="Google Shape;86;p16"/>
           <p:cNvSpPr txBox="1"/>
           <p:nvPr>
             <p:ph type="title"/>
@@ -9198,8 +10048,8 @@
         </p:nvSpPr>
         <p:spPr>
           <a:xfrm>
-            <a:off x="283150" y="31250"/>
-            <a:ext cx="8520600" cy="572700"/>
+            <a:off x="40775" y="31250"/>
+            <a:ext cx="9103200" cy="917400"/>
           </a:xfrm>
           <a:prstGeom prst="rect">
             <a:avLst/>
@@ -9211,7 +10061,7 @@
           </a:bodyPr>
           <a:lstStyle/>
           <a:p>
-            <a:pPr indent="0" lvl="0" marL="3657600" rtl="0" algn="l">
+            <a:pPr indent="0" lvl="0" marL="2286000" rtl="0" algn="l">
               <a:spcBef>
                 <a:spcPts val="0"/>
               </a:spcBef>
@@ -9222,7 +10072,11 @@
             </a:pPr>
             <a:r>
               <a:rPr b="1" lang="en" sz="1800" u="sng"/>
-              <a:t>Dataset</a:t>
+              <a:t>Dataset - How </a:t>
+            </a:r>
+            <a:r>
+              <a:rPr lang="en" sz="1800" u="sng"/>
+              <a:t>univariate data Looks like</a:t>
             </a:r>
             <a:endParaRPr b="1" sz="1800" u="sng"/>
           </a:p>
@@ -9242,7 +10096,7 @@
             <a:endParaRPr sz="1800"/>
           </a:p>
           <a:p>
-            <a:pPr indent="0" lvl="0" marL="1371600" rtl="0" algn="l">
+            <a:pPr indent="457200" lvl="0" marL="1828800" rtl="0" algn="l">
               <a:spcBef>
                 <a:spcPts val="0"/>
               </a:spcBef>
@@ -9253,7 +10107,7 @@
             </a:pPr>
             <a:r>
               <a:rPr lang="en" sz="1800"/>
-              <a:t>Focus  : -  CGPA Vs Hours of Study(</a:t>
+              <a:t>Example : - CGPA Vs Hours of Study  (</a:t>
             </a:r>
             <a:r>
               <a:rPr lang="en" sz="1800" u="sng"/>
@@ -9269,7 +10123,7 @@
       </p:sp>
       <p:pic>
         <p:nvPicPr>
-          <p:cNvPr id="79" name="Google Shape;79;p16"/>
+          <p:cNvPr id="87" name="Google Shape;87;p16"/>
           <p:cNvPicPr preferRelativeResize="0"/>
           <p:nvPr/>
         </p:nvPicPr>
@@ -9283,8 +10137,8 @@
         </p:blipFill>
         <p:spPr>
           <a:xfrm>
-            <a:off x="283150" y="1074775"/>
-            <a:ext cx="8607051" cy="3887825"/>
+            <a:off x="315200" y="1080250"/>
+            <a:ext cx="8531774" cy="3853826"/>
           </a:xfrm>
           <a:prstGeom prst="rect">
             <a:avLst/>
@@ -9308,7 +10162,7 @@
   <p:cSld>
     <p:spTree>
       <p:nvGrpSpPr>
-        <p:cNvPr id="83" name="Shape 83"/>
+        <p:cNvPr id="91" name="Shape 91"/>
         <p:cNvGrpSpPr/>
         <p:nvPr/>
       </p:nvGrpSpPr>
@@ -9320,34 +10174,155 @@
           <a:chExt cx="0" cy="0"/>
         </a:xfrm>
       </p:grpSpPr>
-      <p:pic>
-        <p:nvPicPr>
-          <p:cNvPr id="84" name="Google Shape;84;p17"/>
-          <p:cNvPicPr preferRelativeResize="0"/>
-          <p:nvPr/>
-        </p:nvPicPr>
-        <p:blipFill>
-          <a:blip r:embed="rId3">
-            <a:alphaModFix/>
-          </a:blip>
-          <a:stretch>
-            <a:fillRect/>
-          </a:stretch>
-        </p:blipFill>
-        <p:spPr>
-          <a:xfrm>
-            <a:off x="959663" y="557200"/>
-            <a:ext cx="6315075" cy="4029075"/>
+      <p:sp>
+        <p:nvSpPr>
+          <p:cNvPr id="92" name="Google Shape;92;p17"/>
+          <p:cNvSpPr txBox="1"/>
+          <p:nvPr>
+            <p:ph type="ctrTitle"/>
+          </p:nvPr>
+        </p:nvSpPr>
+        <p:spPr>
+          <a:xfrm>
+            <a:off x="811525" y="96725"/>
+            <a:ext cx="7978800" cy="1022400"/>
           </a:xfrm>
           <a:prstGeom prst="rect">
             <a:avLst/>
           </a:prstGeom>
-          <a:noFill/>
-          <a:ln>
-            <a:noFill/>
-          </a:ln>
-        </p:spPr>
-      </p:pic>
+        </p:spPr>
+        <p:txBody>
+          <a:bodyPr anchorCtr="0" anchor="b" bIns="91425" lIns="91425" spcFirstLastPara="1" rIns="91425" wrap="square" tIns="91425">
+            <a:noAutofit/>
+          </a:bodyPr>
+          <a:lstStyle/>
+          <a:p>
+            <a:pPr indent="0" lvl="0" marL="0" rtl="0" algn="ctr">
+              <a:spcBef>
+                <a:spcPts val="0"/>
+              </a:spcBef>
+              <a:spcAft>
+                <a:spcPts val="0"/>
+              </a:spcAft>
+              <a:buNone/>
+            </a:pPr>
+            <a:r>
+              <a:rPr lang="en"/>
+              <a:t>Dataset Common Terminology</a:t>
+            </a:r>
+            <a:endParaRPr/>
+          </a:p>
+        </p:txBody>
+      </p:sp>
+      <p:sp>
+        <p:nvSpPr>
+          <p:cNvPr id="93" name="Google Shape;93;p17"/>
+          <p:cNvSpPr txBox="1"/>
+          <p:nvPr>
+            <p:ph idx="1" type="subTitle"/>
+          </p:nvPr>
+        </p:nvSpPr>
+        <p:spPr>
+          <a:xfrm>
+            <a:off x="1381050" y="1216400"/>
+            <a:ext cx="4870500" cy="2628600"/>
+          </a:xfrm>
+          <a:prstGeom prst="rect">
+            <a:avLst/>
+          </a:prstGeom>
+        </p:spPr>
+        <p:txBody>
+          <a:bodyPr anchorCtr="0" anchor="t" bIns="91425" lIns="91425" spcFirstLastPara="1" rIns="91425" wrap="square" tIns="91425">
+            <a:noAutofit/>
+          </a:bodyPr>
+          <a:lstStyle/>
+          <a:p>
+            <a:pPr indent="-419100" lvl="0" marL="457200" rtl="0" algn="l">
+              <a:spcBef>
+                <a:spcPts val="0"/>
+              </a:spcBef>
+              <a:spcAft>
+                <a:spcPts val="0"/>
+              </a:spcAft>
+              <a:buSzPts val="3000"/>
+              <a:buAutoNum type="arabicPeriod"/>
+            </a:pPr>
+            <a:r>
+              <a:rPr lang="en" sz="3000"/>
+              <a:t>No. of Samples(m)</a:t>
+            </a:r>
+            <a:endParaRPr sz="3000"/>
+          </a:p>
+          <a:p>
+            <a:pPr indent="-419100" lvl="0" marL="457200" rtl="0" algn="l">
+              <a:spcBef>
+                <a:spcPts val="0"/>
+              </a:spcBef>
+              <a:spcAft>
+                <a:spcPts val="0"/>
+              </a:spcAft>
+              <a:buSzPts val="3000"/>
+              <a:buAutoNum type="arabicPeriod"/>
+            </a:pPr>
+            <a:r>
+              <a:rPr lang="en" sz="3000"/>
+              <a:t>Input Features(n)</a:t>
+            </a:r>
+            <a:endParaRPr sz="3000"/>
+          </a:p>
+          <a:p>
+            <a:pPr indent="-419100" lvl="0" marL="457200" rtl="0" algn="l">
+              <a:spcBef>
+                <a:spcPts val="0"/>
+              </a:spcBef>
+              <a:spcAft>
+                <a:spcPts val="0"/>
+              </a:spcAft>
+              <a:buSzPts val="3000"/>
+              <a:buAutoNum type="arabicPeriod"/>
+            </a:pPr>
+            <a:r>
+              <a:rPr lang="en" sz="3000"/>
+              <a:t>Training set </a:t>
+            </a:r>
+            <a:endParaRPr sz="3000"/>
+          </a:p>
+          <a:p>
+            <a:pPr indent="-419100" lvl="0" marL="457200" rtl="0" algn="l">
+              <a:spcBef>
+                <a:spcPts val="0"/>
+              </a:spcBef>
+              <a:spcAft>
+                <a:spcPts val="0"/>
+              </a:spcAft>
+              <a:buSzPts val="3000"/>
+              <a:buAutoNum type="arabicPeriod"/>
+            </a:pPr>
+            <a:r>
+              <a:rPr lang="en" sz="3000"/>
+              <a:t>Test set</a:t>
+            </a:r>
+            <a:endParaRPr sz="3000"/>
+          </a:p>
+          <a:p>
+            <a:pPr indent="-419100" lvl="0" marL="457200" rtl="0" algn="l">
+              <a:spcBef>
+                <a:spcPts val="0"/>
+              </a:spcBef>
+              <a:spcAft>
+                <a:spcPts val="0"/>
+              </a:spcAft>
+              <a:buSzPts val="3000"/>
+              <a:buAutoNum type="arabicPeriod"/>
+            </a:pPr>
+            <a:r>
+              <a:rPr lang="en" sz="3000"/>
+              <a:t>Hypothesis </a:t>
+            </a:r>
+            <a:endParaRPr sz="3000"/>
+          </a:p>
+        </p:txBody>
+      </p:sp>
     </p:spTree>
   </p:cSld>
   <p:clrMapOvr>
@@ -9361,7 +10336,7 @@
   <p:cSld>
     <p:spTree>
       <p:nvGrpSpPr>
-        <p:cNvPr id="88" name="Shape 88"/>
+        <p:cNvPr id="97" name="Shape 97"/>
         <p:cNvGrpSpPr/>
         <p:nvPr/>
       </p:nvGrpSpPr>
@@ -9373,9 +10348,49 @@
           <a:chExt cx="0" cy="0"/>
         </a:xfrm>
       </p:grpSpPr>
+      <p:sp>
+        <p:nvSpPr>
+          <p:cNvPr id="98" name="Google Shape;98;p18"/>
+          <p:cNvSpPr txBox="1"/>
+          <p:nvPr>
+            <p:ph type="ctrTitle"/>
+          </p:nvPr>
+        </p:nvSpPr>
+        <p:spPr>
+          <a:xfrm>
+            <a:off x="1004125" y="39649"/>
+            <a:ext cx="7136700" cy="885600"/>
+          </a:xfrm>
+          <a:prstGeom prst="rect">
+            <a:avLst/>
+          </a:prstGeom>
+        </p:spPr>
+        <p:txBody>
+          <a:bodyPr anchorCtr="0" anchor="b" bIns="91425" lIns="91425" spcFirstLastPara="1" rIns="91425" wrap="square" tIns="91425">
+            <a:noAutofit/>
+          </a:bodyPr>
+          <a:lstStyle/>
+          <a:p>
+            <a:pPr indent="0" lvl="0" marL="0" rtl="0" algn="ctr">
+              <a:spcBef>
+                <a:spcPts val="0"/>
+              </a:spcBef>
+              <a:spcAft>
+                <a:spcPts val="0"/>
+              </a:spcAft>
+              <a:buNone/>
+            </a:pPr>
+            <a:r>
+              <a:rPr lang="en"/>
+              <a:t>Aim and working (Pipeline)</a:t>
+            </a:r>
+            <a:endParaRPr/>
+          </a:p>
+        </p:txBody>
+      </p:sp>
       <p:pic>
         <p:nvPicPr>
-          <p:cNvPr id="89" name="Google Shape;89;p18"/>
+          <p:cNvPr id="99" name="Google Shape;99;p18"/>
           <p:cNvPicPr preferRelativeResize="0"/>
           <p:nvPr/>
         </p:nvPicPr>
@@ -9389,8 +10404,8 @@
         </p:blipFill>
         <p:spPr>
           <a:xfrm>
-            <a:off x="1608900" y="415550"/>
-            <a:ext cx="5817800" cy="4147750"/>
+            <a:off x="409274" y="1206625"/>
+            <a:ext cx="8177850" cy="3776651"/>
           </a:xfrm>
           <a:prstGeom prst="rect">
             <a:avLst/>
@@ -9414,7 +10429,7 @@
   <p:cSld>
     <p:spTree>
       <p:nvGrpSpPr>
-        <p:cNvPr id="93" name="Shape 93"/>
+        <p:cNvPr id="103" name="Shape 103"/>
         <p:cNvGrpSpPr/>
         <p:nvPr/>
       </p:nvGrpSpPr>
@@ -9426,9 +10441,49 @@
           <a:chExt cx="0" cy="0"/>
         </a:xfrm>
       </p:grpSpPr>
+      <p:sp>
+        <p:nvSpPr>
+          <p:cNvPr id="104" name="Google Shape;104;p19"/>
+          <p:cNvSpPr txBox="1"/>
+          <p:nvPr>
+            <p:ph type="ctrTitle"/>
+          </p:nvPr>
+        </p:nvSpPr>
+        <p:spPr>
+          <a:xfrm>
+            <a:off x="1003650" y="42498"/>
+            <a:ext cx="7136700" cy="843600"/>
+          </a:xfrm>
+          <a:prstGeom prst="rect">
+            <a:avLst/>
+          </a:prstGeom>
+        </p:spPr>
+        <p:txBody>
+          <a:bodyPr anchorCtr="0" anchor="b" bIns="91425" lIns="91425" spcFirstLastPara="1" rIns="91425" wrap="square" tIns="91425">
+            <a:noAutofit/>
+          </a:bodyPr>
+          <a:lstStyle/>
+          <a:p>
+            <a:pPr indent="0" lvl="0" marL="0" rtl="0" algn="ctr">
+              <a:spcBef>
+                <a:spcPts val="0"/>
+              </a:spcBef>
+              <a:spcAft>
+                <a:spcPts val="0"/>
+              </a:spcAft>
+              <a:buNone/>
+            </a:pPr>
+            <a:r>
+              <a:rPr lang="en"/>
+              <a:t>Which line seems right ?</a:t>
+            </a:r>
+            <a:endParaRPr/>
+          </a:p>
+        </p:txBody>
+      </p:sp>
       <p:pic>
         <p:nvPicPr>
-          <p:cNvPr id="94" name="Google Shape;94;p19"/>
+          <p:cNvPr id="105" name="Google Shape;105;p19"/>
           <p:cNvPicPr preferRelativeResize="0"/>
           <p:nvPr/>
         </p:nvPicPr>
@@ -9442,8 +10497,36 @@
         </p:blipFill>
         <p:spPr>
           <a:xfrm>
-            <a:off x="838200" y="405499"/>
-            <a:ext cx="7467600" cy="4077175"/>
+            <a:off x="1516675" y="1156025"/>
+            <a:ext cx="5972175" cy="742950"/>
+          </a:xfrm>
+          <a:prstGeom prst="rect">
+            <a:avLst/>
+          </a:prstGeom>
+          <a:noFill/>
+          <a:ln>
+            <a:noFill/>
+          </a:ln>
+        </p:spPr>
+      </p:pic>
+      <p:pic>
+        <p:nvPicPr>
+          <p:cNvPr id="106" name="Google Shape;106;p19"/>
+          <p:cNvPicPr preferRelativeResize="0"/>
+          <p:nvPr/>
+        </p:nvPicPr>
+        <p:blipFill>
+          <a:blip r:embed="rId4">
+            <a:alphaModFix/>
+          </a:blip>
+          <a:stretch>
+            <a:fillRect/>
+          </a:stretch>
+        </p:blipFill>
+        <p:spPr>
+          <a:xfrm>
+            <a:off x="1003650" y="1977400"/>
+            <a:ext cx="7230649" cy="3021050"/>
           </a:xfrm>
           <a:prstGeom prst="rect">
             <a:avLst/>
@@ -9467,7 +10550,7 @@
   <p:cSld>
     <p:spTree>
       <p:nvGrpSpPr>
-        <p:cNvPr id="98" name="Shape 98"/>
+        <p:cNvPr id="110" name="Shape 110"/>
         <p:cNvGrpSpPr/>
         <p:nvPr/>
       </p:nvGrpSpPr>
@@ -9481,7 +10564,7 @@
       </p:grpSpPr>
       <p:pic>
         <p:nvPicPr>
-          <p:cNvPr id="99" name="Google Shape;99;p20"/>
+          <p:cNvPr id="111" name="Google Shape;111;p20"/>
           <p:cNvPicPr preferRelativeResize="0"/>
           <p:nvPr/>
         </p:nvPicPr>
@@ -9509,14 +10592,14 @@
       </p:pic>
       <p:sp>
         <p:nvSpPr>
-          <p:cNvPr id="100" name="Google Shape;100;p20"/>
+          <p:cNvPr id="112" name="Google Shape;112;p20"/>
           <p:cNvSpPr txBox="1"/>
           <p:nvPr/>
         </p:nvSpPr>
         <p:spPr>
           <a:xfrm>
-            <a:off x="543600" y="456575"/>
-            <a:ext cx="7711800" cy="549300"/>
+            <a:off x="511225" y="148975"/>
+            <a:ext cx="7744200" cy="1081800"/>
           </a:xfrm>
           <a:prstGeom prst="rect">
             <a:avLst/>
@@ -9542,10 +10625,10 @@
               <a:buNone/>
             </a:pPr>
             <a:r>
-              <a:rPr lang="en"/>
-              <a:t>Q - How to find line(hypothesis)?</a:t>
+              <a:rPr b="1" lang="en"/>
+              <a:t>Q - How to find parameters(hypothesis) ?</a:t>
             </a:r>
-            <a:endParaRPr/>
+            <a:endParaRPr b="1"/>
           </a:p>
           <a:p>
             <a:pPr indent="0" lvl="0" marL="0" rtl="0" algn="l">
@@ -9560,7 +10643,7 @@
             <a:r>
               <a:t/>
             </a:r>
-            <a:endParaRPr/>
+            <a:endParaRPr b="1"/>
           </a:p>
           <a:p>
             <a:pPr indent="0" lvl="0" marL="0" rtl="0" algn="l">
@@ -9573,10 +10656,10 @@
               <a:buNone/>
             </a:pPr>
             <a:r>
-              <a:rPr lang="en"/>
+              <a:rPr b="1" lang="en"/>
               <a:t>Q - What is the measure of finding Best line ? </a:t>
             </a:r>
-            <a:endParaRPr/>
+            <a:endParaRPr b="1"/>
           </a:p>
           <a:p>
             <a:pPr indent="0" lvl="0" marL="0" rtl="0" algn="l">
@@ -9591,7 +10674,7 @@
             <a:r>
               <a:t/>
             </a:r>
-            <a:endParaRPr/>
+            <a:endParaRPr b="1"/>
           </a:p>
           <a:p>
             <a:pPr indent="0" lvl="0" marL="0" rtl="0" algn="l">
@@ -9606,13 +10689,13 @@
             <a:r>
               <a:t/>
             </a:r>
-            <a:endParaRPr/>
+            <a:endParaRPr b="1"/>
           </a:p>
         </p:txBody>
       </p:sp>
       <p:sp>
         <p:nvSpPr>
-          <p:cNvPr id="101" name="Google Shape;101;p20"/>
+          <p:cNvPr id="113" name="Google Shape;113;p20"/>
           <p:cNvSpPr txBox="1"/>
           <p:nvPr/>
         </p:nvSpPr>
@@ -9645,10 +10728,10 @@
               <a:buNone/>
             </a:pPr>
             <a:r>
-              <a:rPr lang="en"/>
+              <a:rPr b="1" lang="en"/>
               <a:t>Ans - Error Function (How?)</a:t>
             </a:r>
-            <a:endParaRPr/>
+            <a:endParaRPr b="1"/>
           </a:p>
         </p:txBody>
       </p:sp>
@@ -9665,7 +10748,7 @@
   <p:cSld>
     <p:spTree>
       <p:nvGrpSpPr>
-        <p:cNvPr id="105" name="Shape 105"/>
+        <p:cNvPr id="117" name="Shape 117"/>
         <p:cNvGrpSpPr/>
         <p:nvPr/>
       </p:nvGrpSpPr>
@@ -9679,7 +10762,7 @@
       </p:grpSpPr>
       <p:sp>
         <p:nvSpPr>
-          <p:cNvPr id="106" name="Google Shape;106;p21"/>
+          <p:cNvPr id="118" name="Google Shape;118;p21"/>
           <p:cNvSpPr txBox="1"/>
           <p:nvPr>
             <p:ph type="title"/>
@@ -9688,7 +10771,7 @@
         <p:spPr>
           <a:xfrm>
             <a:off x="311700" y="445025"/>
-            <a:ext cx="8520600" cy="572700"/>
+            <a:ext cx="8520600" cy="707400"/>
           </a:xfrm>
           <a:prstGeom prst="rect">
             <a:avLst/>
@@ -9719,7 +10802,7 @@
       </p:sp>
       <p:sp>
         <p:nvSpPr>
-          <p:cNvPr id="107" name="Google Shape;107;p21"/>
+          <p:cNvPr id="119" name="Google Shape;119;p21"/>
           <p:cNvSpPr txBox="1"/>
           <p:nvPr>
             <p:ph idx="1" type="body"/>
@@ -9773,7 +10856,7 @@
       </p:sp>
       <p:pic>
         <p:nvPicPr>
-          <p:cNvPr id="108" name="Google Shape;108;p21"/>
+          <p:cNvPr id="120" name="Google Shape;120;p21"/>
           <p:cNvPicPr preferRelativeResize="0"/>
           <p:nvPr/>
         </p:nvPicPr>
@@ -9801,7 +10884,7 @@
       </p:pic>
       <p:sp>
         <p:nvSpPr>
-          <p:cNvPr id="109" name="Google Shape;109;p21"/>
+          <p:cNvPr id="121" name="Google Shape;121;p21"/>
           <p:cNvSpPr txBox="1"/>
           <p:nvPr/>
         </p:nvSpPr>
@@ -9843,7 +10926,7 @@
       </p:sp>
       <p:sp>
         <p:nvSpPr>
-          <p:cNvPr id="110" name="Google Shape;110;p21"/>
+          <p:cNvPr id="122" name="Google Shape;122;p21"/>
           <p:cNvSpPr txBox="1"/>
           <p:nvPr/>
         </p:nvSpPr>
@@ -9885,7 +10968,7 @@
       </p:sp>
       <p:pic>
         <p:nvPicPr>
-          <p:cNvPr id="111" name="Google Shape;111;p21"/>
+          <p:cNvPr id="123" name="Google Shape;123;p21"/>
           <p:cNvPicPr preferRelativeResize="0"/>
           <p:nvPr/>
         </p:nvPicPr>
@@ -9920,6 +11003,285 @@
 </file>
 
 <file path=ppt/theme/theme1.xml><?xml version="1.0" encoding="utf-8"?>
+<a:theme xmlns:a="http://schemas.openxmlformats.org/drawingml/2006/main" xmlns:r="http://schemas.openxmlformats.org/officeDocument/2006/relationships" name="Tropic">
+  <a:themeElements>
+    <a:clrScheme name="Tropic">
+      <a:dk1>
+        <a:srgbClr val="A1E8D9"/>
+      </a:dk1>
+      <a:lt1>
+        <a:srgbClr val="FFFFFF"/>
+      </a:lt1>
+      <a:dk2>
+        <a:srgbClr val="695D46"/>
+      </a:dk2>
+      <a:lt2>
+        <a:srgbClr val="B3A77D"/>
+      </a:lt2>
+      <a:accent1>
+        <a:srgbClr val="EF6C00"/>
+      </a:accent1>
+      <a:accent2>
+        <a:srgbClr val="009668"/>
+      </a:accent2>
+      <a:accent3>
+        <a:srgbClr val="4DB6AC"/>
+      </a:accent3>
+      <a:accent4>
+        <a:srgbClr val="FF9800"/>
+      </a:accent4>
+      <a:accent5>
+        <a:srgbClr val="CE93D8"/>
+      </a:accent5>
+      <a:accent6>
+        <a:srgbClr val="EEFF41"/>
+      </a:accent6>
+      <a:hlink>
+        <a:srgbClr val="CE93D8"/>
+      </a:hlink>
+      <a:folHlink>
+        <a:srgbClr val="CE93D8"/>
+      </a:folHlink>
+    </a:clrScheme>
+    <a:fontScheme name="Office">
+      <a:majorFont>
+        <a:latin typeface="Arial"/>
+        <a:ea typeface=""/>
+        <a:cs typeface=""/>
+        <a:font script="Jpan" typeface="ＭＳ Ｐゴシック"/>
+        <a:font script="Hang" typeface="맑은 고딕"/>
+        <a:font script="Hans" typeface="宋体"/>
+        <a:font script="Hant" typeface="新細明體"/>
+        <a:font script="Arab" typeface="Times New Roman"/>
+        <a:font script="Hebr" typeface="Times New Roman"/>
+        <a:font script="Thai" typeface="Angsana New"/>
+        <a:font script="Ethi" typeface="Nyala"/>
+        <a:font script="Beng" typeface="Vrinda"/>
+        <a:font script="Gujr" typeface="Shruti"/>
+        <a:font script="Khmr" typeface="MoolBoran"/>
+        <a:font script="Knda" typeface="Tunga"/>
+        <a:font script="Guru" typeface="Raavi"/>
+        <a:font script="Cans" typeface="Euphemia"/>
+        <a:font script="Cher" typeface="Plantagenet Cherokee"/>
+        <a:font script="Yiii" typeface="Microsoft Yi Baiti"/>
+        <a:font script="Tibt" typeface="Microsoft Himalaya"/>
+        <a:font script="Thaa" typeface="MV Boli"/>
+        <a:font script="Deva" typeface="Mangal"/>
+        <a:font script="Telu" typeface="Gautami"/>
+        <a:font script="Taml" typeface="Latha"/>
+        <a:font script="Syrc" typeface="Estrangelo Edessa"/>
+        <a:font script="Orya" typeface="Kalinga"/>
+        <a:font script="Mlym" typeface="Kartika"/>
+        <a:font script="Laoo" typeface="DokChampa"/>
+        <a:font script="Sinh" typeface="Iskoola Pota"/>
+        <a:font script="Mong" typeface="Mongolian Baiti"/>
+        <a:font script="Viet" typeface="Times New Roman"/>
+        <a:font script="Uigh" typeface="Microsoft Uighur"/>
+        <a:font script="Geor" typeface="Sylfaen"/>
+      </a:majorFont>
+      <a:minorFont>
+        <a:latin typeface="Arial"/>
+        <a:ea typeface=""/>
+        <a:cs typeface=""/>
+        <a:font script="Jpan" typeface="ＭＳ Ｐゴシック"/>
+        <a:font script="Hang" typeface="맑은 고딕"/>
+        <a:font script="Hans" typeface="宋体"/>
+        <a:font script="Hant" typeface="新細明體"/>
+        <a:font script="Arab" typeface="Arial"/>
+        <a:font script="Hebr" typeface="Arial"/>
+        <a:font script="Thai" typeface="Cordia New"/>
+        <a:font script="Ethi" typeface="Nyala"/>
+        <a:font script="Beng" typeface="Vrinda"/>
+        <a:font script="Gujr" typeface="Shruti"/>
+        <a:font script="Khmr" typeface="DaunPenh"/>
+        <a:font script="Knda" typeface="Tunga"/>
+        <a:font script="Guru" typeface="Raavi"/>
+        <a:font script="Cans" typeface="Euphemia"/>
+        <a:font script="Cher" typeface="Plantagenet Cherokee"/>
+        <a:font script="Yiii" typeface="Microsoft Yi Baiti"/>
+        <a:font script="Tibt" typeface="Microsoft Himalaya"/>
+        <a:font script="Thaa" typeface="MV Boli"/>
+        <a:font script="Deva" typeface="Mangal"/>
+        <a:font script="Telu" typeface="Gautami"/>
+        <a:font script="Taml" typeface="Latha"/>
+        <a:font script="Syrc" typeface="Estrangelo Edessa"/>
+        <a:font script="Orya" typeface="Kalinga"/>
+        <a:font script="Mlym" typeface="Kartika"/>
+        <a:font script="Laoo" typeface="DokChampa"/>
+        <a:font script="Sinh" typeface="Iskoola Pota"/>
+        <a:font script="Mong" typeface="Mongolian Baiti"/>
+        <a:font script="Viet" typeface="Arial"/>
+        <a:font script="Uigh" typeface="Microsoft Uighur"/>
+        <a:font script="Geor" typeface="Sylfaen"/>
+      </a:minorFont>
+    </a:fontScheme>
+    <a:fmtScheme name="Office">
+      <a:fillStyleLst>
+        <a:solidFill>
+          <a:schemeClr val="phClr"/>
+        </a:solidFill>
+        <a:gradFill rotWithShape="1">
+          <a:gsLst>
+            <a:gs pos="0">
+              <a:schemeClr val="phClr">
+                <a:tint val="50000"/>
+                <a:satMod val="300000"/>
+              </a:schemeClr>
+            </a:gs>
+            <a:gs pos="35000">
+              <a:schemeClr val="phClr">
+                <a:tint val="37000"/>
+                <a:satMod val="300000"/>
+              </a:schemeClr>
+            </a:gs>
+            <a:gs pos="100000">
+              <a:schemeClr val="phClr">
+                <a:tint val="15000"/>
+                <a:satMod val="350000"/>
+              </a:schemeClr>
+            </a:gs>
+          </a:gsLst>
+          <a:lin ang="16200000" scaled="1"/>
+        </a:gradFill>
+        <a:gradFill rotWithShape="1">
+          <a:gsLst>
+            <a:gs pos="0">
+              <a:schemeClr val="phClr">
+                <a:tint val="100000"/>
+                <a:shade val="100000"/>
+                <a:satMod val="130000"/>
+              </a:schemeClr>
+            </a:gs>
+            <a:gs pos="100000">
+              <a:schemeClr val="phClr">
+                <a:tint val="50000"/>
+                <a:shade val="100000"/>
+                <a:satMod val="350000"/>
+              </a:schemeClr>
+            </a:gs>
+          </a:gsLst>
+          <a:lin ang="16200000" scaled="0"/>
+        </a:gradFill>
+      </a:fillStyleLst>
+      <a:lnStyleLst>
+        <a:ln w="9525" cap="flat" cmpd="sng" algn="ctr">
+          <a:solidFill>
+            <a:schemeClr val="phClr">
+              <a:shade val="95000"/>
+              <a:satMod val="105000"/>
+            </a:schemeClr>
+          </a:solidFill>
+          <a:prstDash val="solid"/>
+        </a:ln>
+        <a:ln w="25400" cap="flat" cmpd="sng" algn="ctr">
+          <a:solidFill>
+            <a:schemeClr val="phClr"/>
+          </a:solidFill>
+          <a:prstDash val="solid"/>
+        </a:ln>
+        <a:ln w="38100" cap="flat" cmpd="sng" algn="ctr">
+          <a:solidFill>
+            <a:schemeClr val="phClr"/>
+          </a:solidFill>
+          <a:prstDash val="solid"/>
+        </a:ln>
+      </a:lnStyleLst>
+      <a:effectStyleLst>
+        <a:effectStyle>
+          <a:effectLst>
+            <a:outerShdw blurRad="40000" dist="20000" dir="5400000" rotWithShape="0">
+              <a:srgbClr val="000000">
+                <a:alpha val="38000"/>
+              </a:srgbClr>
+            </a:outerShdw>
+          </a:effectLst>
+        </a:effectStyle>
+        <a:effectStyle>
+          <a:effectLst>
+            <a:outerShdw blurRad="40000" dist="23000" dir="5400000" rotWithShape="0">
+              <a:srgbClr val="000000">
+                <a:alpha val="35000"/>
+              </a:srgbClr>
+            </a:outerShdw>
+          </a:effectLst>
+        </a:effectStyle>
+        <a:effectStyle>
+          <a:effectLst>
+            <a:outerShdw blurRad="40000" dist="23000" dir="5400000" rotWithShape="0">
+              <a:srgbClr val="000000">
+                <a:alpha val="35000"/>
+              </a:srgbClr>
+            </a:outerShdw>
+          </a:effectLst>
+          <a:scene3d>
+            <a:camera prst="orthographicFront">
+              <a:rot lat="0" lon="0" rev="0"/>
+            </a:camera>
+            <a:lightRig rig="threePt" dir="t">
+              <a:rot lat="0" lon="0" rev="1200000"/>
+            </a:lightRig>
+          </a:scene3d>
+          <a:sp3d>
+            <a:bevelT w="63500" h="25400"/>
+          </a:sp3d>
+        </a:effectStyle>
+      </a:effectStyleLst>
+      <a:bgFillStyleLst>
+        <a:solidFill>
+          <a:schemeClr val="phClr"/>
+        </a:solidFill>
+        <a:gradFill rotWithShape="1">
+          <a:gsLst>
+            <a:gs pos="0">
+              <a:schemeClr val="phClr">
+                <a:tint val="40000"/>
+                <a:satMod val="350000"/>
+              </a:schemeClr>
+            </a:gs>
+            <a:gs pos="40000">
+              <a:schemeClr val="phClr">
+                <a:tint val="45000"/>
+                <a:shade val="99000"/>
+                <a:satMod val="350000"/>
+              </a:schemeClr>
+            </a:gs>
+            <a:gs pos="100000">
+              <a:schemeClr val="phClr">
+                <a:shade val="20000"/>
+                <a:satMod val="255000"/>
+              </a:schemeClr>
+            </a:gs>
+          </a:gsLst>
+          <a:path path="circle">
+            <a:fillToRect l="50000" t="-80000" r="50000" b="180000"/>
+          </a:path>
+        </a:gradFill>
+        <a:gradFill rotWithShape="1">
+          <a:gsLst>
+            <a:gs pos="0">
+              <a:schemeClr val="phClr">
+                <a:tint val="80000"/>
+                <a:satMod val="300000"/>
+              </a:schemeClr>
+            </a:gs>
+            <a:gs pos="100000">
+              <a:schemeClr val="phClr">
+                <a:shade val="30000"/>
+                <a:satMod val="200000"/>
+              </a:schemeClr>
+            </a:gs>
+          </a:gsLst>
+          <a:path path="circle">
+            <a:fillToRect l="50000" t="50000" r="50000" b="50000"/>
+          </a:path>
+        </a:gradFill>
+      </a:bgFillStyleLst>
+    </a:fmtScheme>
+  </a:themeElements>
+</a:theme>
+</file>
+
+<file path=ppt/theme/theme2.xml><?xml version="1.0" encoding="utf-8"?>
 <a:theme xmlns:a="http://schemas.openxmlformats.org/drawingml/2006/main" xmlns:r="http://schemas.openxmlformats.org/officeDocument/2006/relationships">
   <a:themeElements>
     <a:clrScheme name="Default">
@@ -10196,283 +11558,4 @@
     </a:fmtScheme>
   </a:themeElements>
 </a:theme>
-</file>
-
-<file path=ppt/theme/theme2.xml><?xml version="1.0" encoding="utf-8"?>
-<a:theme xmlns:a="http://schemas.openxmlformats.org/drawingml/2006/main" xmlns:r="http://schemas.openxmlformats.org/officeDocument/2006/relationships" name="Simple Light">
-  <a:themeElements>
-    <a:clrScheme name="Simple Light">
-      <a:dk1>
-        <a:srgbClr val="000000"/>
-      </a:dk1>
-      <a:lt1>
-        <a:srgbClr val="FFFFFF"/>
-      </a:lt1>
-      <a:dk2>
-        <a:srgbClr val="595959"/>
-      </a:dk2>
-      <a:lt2>
-        <a:srgbClr val="EEEEEE"/>
-      </a:lt2>
-      <a:accent1>
-        <a:srgbClr val="FFAB40"/>
-      </a:accent1>
-      <a:accent2>
-        <a:srgbClr val="212121"/>
-      </a:accent2>
-      <a:accent3>
-        <a:srgbClr val="78909C"/>
-      </a:accent3>
-      <a:accent4>
-        <a:srgbClr val="FFAB40"/>
-      </a:accent4>
-      <a:accent5>
-        <a:srgbClr val="0097A7"/>
-      </a:accent5>
-      <a:accent6>
-        <a:srgbClr val="EEFF41"/>
-      </a:accent6>
-      <a:hlink>
-        <a:srgbClr val="0097A7"/>
-      </a:hlink>
-      <a:folHlink>
-        <a:srgbClr val="0097A7"/>
-      </a:folHlink>
-    </a:clrScheme>
-    <a:fontScheme name="Office">
-      <a:majorFont>
-        <a:latin typeface="Arial"/>
-        <a:ea typeface=""/>
-        <a:cs typeface=""/>
-        <a:font script="Jpan" typeface="ＭＳ Ｐゴシック"/>
-        <a:font script="Hang" typeface="맑은 고딕"/>
-        <a:font script="Hans" typeface="宋体"/>
-        <a:font script="Hant" typeface="新細明體"/>
-        <a:font script="Arab" typeface="Times New Roman"/>
-        <a:font script="Hebr" typeface="Times New Roman"/>
-        <a:font script="Thai" typeface="Angsana New"/>
-        <a:font script="Ethi" typeface="Nyala"/>
-        <a:font script="Beng" typeface="Vrinda"/>
-        <a:font script="Gujr" typeface="Shruti"/>
-        <a:font script="Khmr" typeface="MoolBoran"/>
-        <a:font script="Knda" typeface="Tunga"/>
-        <a:font script="Guru" typeface="Raavi"/>
-        <a:font script="Cans" typeface="Euphemia"/>
-        <a:font script="Cher" typeface="Plantagenet Cherokee"/>
-        <a:font script="Yiii" typeface="Microsoft Yi Baiti"/>
-        <a:font script="Tibt" typeface="Microsoft Himalaya"/>
-        <a:font script="Thaa" typeface="MV Boli"/>
-        <a:font script="Deva" typeface="Mangal"/>
-        <a:font script="Telu" typeface="Gautami"/>
-        <a:font script="Taml" typeface="Latha"/>
-        <a:font script="Syrc" typeface="Estrangelo Edessa"/>
-        <a:font script="Orya" typeface="Kalinga"/>
-        <a:font script="Mlym" typeface="Kartika"/>
-        <a:font script="Laoo" typeface="DokChampa"/>
-        <a:font script="Sinh" typeface="Iskoola Pota"/>
-        <a:font script="Mong" typeface="Mongolian Baiti"/>
-        <a:font script="Viet" typeface="Times New Roman"/>
-        <a:font script="Uigh" typeface="Microsoft Uighur"/>
-        <a:font script="Geor" typeface="Sylfaen"/>
-      </a:majorFont>
-      <a:minorFont>
-        <a:latin typeface="Arial"/>
-        <a:ea typeface=""/>
-        <a:cs typeface=""/>
-        <a:font script="Jpan" typeface="ＭＳ Ｐゴシック"/>
-        <a:font script="Hang" typeface="맑은 고딕"/>
-        <a:font script="Hans" typeface="宋体"/>
-        <a:font script="Hant" typeface="新細明體"/>
-        <a:font script="Arab" typeface="Arial"/>
-        <a:font script="Hebr" typeface="Arial"/>
-        <a:font script="Thai" typeface="Cordia New"/>
-        <a:font script="Ethi" typeface="Nyala"/>
-        <a:font script="Beng" typeface="Vrinda"/>
-        <a:font script="Gujr" typeface="Shruti"/>
-        <a:font script="Khmr" typeface="DaunPenh"/>
-        <a:font script="Knda" typeface="Tunga"/>
-        <a:font script="Guru" typeface="Raavi"/>
-        <a:font script="Cans" typeface="Euphemia"/>
-        <a:font script="Cher" typeface="Plantagenet Cherokee"/>
-        <a:font script="Yiii" typeface="Microsoft Yi Baiti"/>
-        <a:font script="Tibt" typeface="Microsoft Himalaya"/>
-        <a:font script="Thaa" typeface="MV Boli"/>
-        <a:font script="Deva" typeface="Mangal"/>
-        <a:font script="Telu" typeface="Gautami"/>
-        <a:font script="Taml" typeface="Latha"/>
-        <a:font script="Syrc" typeface="Estrangelo Edessa"/>
-        <a:font script="Orya" typeface="Kalinga"/>
-        <a:font script="Mlym" typeface="Kartika"/>
-        <a:font script="Laoo" typeface="DokChampa"/>
-        <a:font script="Sinh" typeface="Iskoola Pota"/>
-        <a:font script="Mong" typeface="Mongolian Baiti"/>
-        <a:font script="Viet" typeface="Arial"/>
-        <a:font script="Uigh" typeface="Microsoft Uighur"/>
-        <a:font script="Geor" typeface="Sylfaen"/>
-      </a:minorFont>
-    </a:fontScheme>
-    <a:fmtScheme name="Office">
-      <a:fillStyleLst>
-        <a:solidFill>
-          <a:schemeClr val="phClr"/>
-        </a:solidFill>
-        <a:gradFill rotWithShape="1">
-          <a:gsLst>
-            <a:gs pos="0">
-              <a:schemeClr val="phClr">
-                <a:tint val="50000"/>
-                <a:satMod val="300000"/>
-              </a:schemeClr>
-            </a:gs>
-            <a:gs pos="35000">
-              <a:schemeClr val="phClr">
-                <a:tint val="37000"/>
-                <a:satMod val="300000"/>
-              </a:schemeClr>
-            </a:gs>
-            <a:gs pos="100000">
-              <a:schemeClr val="phClr">
-                <a:tint val="15000"/>
-                <a:satMod val="350000"/>
-              </a:schemeClr>
-            </a:gs>
-          </a:gsLst>
-          <a:lin ang="16200000" scaled="1"/>
-        </a:gradFill>
-        <a:gradFill rotWithShape="1">
-          <a:gsLst>
-            <a:gs pos="0">
-              <a:schemeClr val="phClr">
-                <a:tint val="100000"/>
-                <a:shade val="100000"/>
-                <a:satMod val="130000"/>
-              </a:schemeClr>
-            </a:gs>
-            <a:gs pos="100000">
-              <a:schemeClr val="phClr">
-                <a:tint val="50000"/>
-                <a:shade val="100000"/>
-                <a:satMod val="350000"/>
-              </a:schemeClr>
-            </a:gs>
-          </a:gsLst>
-          <a:lin ang="16200000" scaled="0"/>
-        </a:gradFill>
-      </a:fillStyleLst>
-      <a:lnStyleLst>
-        <a:ln w="9525" cap="flat" cmpd="sng" algn="ctr">
-          <a:solidFill>
-            <a:schemeClr val="phClr">
-              <a:shade val="95000"/>
-              <a:satMod val="105000"/>
-            </a:schemeClr>
-          </a:solidFill>
-          <a:prstDash val="solid"/>
-        </a:ln>
-        <a:ln w="25400" cap="flat" cmpd="sng" algn="ctr">
-          <a:solidFill>
-            <a:schemeClr val="phClr"/>
-          </a:solidFill>
-          <a:prstDash val="solid"/>
-        </a:ln>
-        <a:ln w="38100" cap="flat" cmpd="sng" algn="ctr">
-          <a:solidFill>
-            <a:schemeClr val="phClr"/>
-          </a:solidFill>
-          <a:prstDash val="solid"/>
-        </a:ln>
-      </a:lnStyleLst>
-      <a:effectStyleLst>
-        <a:effectStyle>
-          <a:effectLst>
-            <a:outerShdw blurRad="40000" dist="20000" dir="5400000" rotWithShape="0">
-              <a:srgbClr val="000000">
-                <a:alpha val="38000"/>
-              </a:srgbClr>
-            </a:outerShdw>
-          </a:effectLst>
-        </a:effectStyle>
-        <a:effectStyle>
-          <a:effectLst>
-            <a:outerShdw blurRad="40000" dist="23000" dir="5400000" rotWithShape="0">
-              <a:srgbClr val="000000">
-                <a:alpha val="35000"/>
-              </a:srgbClr>
-            </a:outerShdw>
-          </a:effectLst>
-        </a:effectStyle>
-        <a:effectStyle>
-          <a:effectLst>
-            <a:outerShdw blurRad="40000" dist="23000" dir="5400000" rotWithShape="0">
-              <a:srgbClr val="000000">
-                <a:alpha val="35000"/>
-              </a:srgbClr>
-            </a:outerShdw>
-          </a:effectLst>
-          <a:scene3d>
-            <a:camera prst="orthographicFront">
-              <a:rot lat="0" lon="0" rev="0"/>
-            </a:camera>
-            <a:lightRig rig="threePt" dir="t">
-              <a:rot lat="0" lon="0" rev="1200000"/>
-            </a:lightRig>
-          </a:scene3d>
-          <a:sp3d>
-            <a:bevelT w="63500" h="25400"/>
-          </a:sp3d>
-        </a:effectStyle>
-      </a:effectStyleLst>
-      <a:bgFillStyleLst>
-        <a:solidFill>
-          <a:schemeClr val="phClr"/>
-        </a:solidFill>
-        <a:gradFill rotWithShape="1">
-          <a:gsLst>
-            <a:gs pos="0">
-              <a:schemeClr val="phClr">
-                <a:tint val="40000"/>
-                <a:satMod val="350000"/>
-              </a:schemeClr>
-            </a:gs>
-            <a:gs pos="40000">
-              <a:schemeClr val="phClr">
-                <a:tint val="45000"/>
-                <a:shade val="99000"/>
-                <a:satMod val="350000"/>
-              </a:schemeClr>
-            </a:gs>
-            <a:gs pos="100000">
-              <a:schemeClr val="phClr">
-                <a:shade val="20000"/>
-                <a:satMod val="255000"/>
-              </a:schemeClr>
-            </a:gs>
-          </a:gsLst>
-          <a:path path="circle">
-            <a:fillToRect l="50000" t="-80000" r="50000" b="180000"/>
-          </a:path>
-        </a:gradFill>
-        <a:gradFill rotWithShape="1">
-          <a:gsLst>
-            <a:gs pos="0">
-              <a:schemeClr val="phClr">
-                <a:tint val="80000"/>
-                <a:satMod val="300000"/>
-              </a:schemeClr>
-            </a:gs>
-            <a:gs pos="100000">
-              <a:schemeClr val="phClr">
-                <a:shade val="30000"/>
-                <a:satMod val="200000"/>
-              </a:schemeClr>
-            </a:gs>
-          </a:gsLst>
-          <a:path path="circle">
-            <a:fillToRect l="50000" t="50000" r="50000" b="50000"/>
-          </a:path>
-        </a:gradFill>
-      </a:bgFillStyleLst>
-    </a:fmtScheme>
-  </a:themeElements>
-</a:theme>
 </file>